--- a/proj-images/minor-project-report-1.pptx
+++ b/proj-images/minor-project-report-1.pptx
@@ -2,14 +2,14 @@
 <file path=ppt/presentation.xml><?xml version="1.0" encoding="utf-8"?>
 <p:presentation xmlns:a="http://schemas.openxmlformats.org/drawingml/2006/main" xmlns:r="http://schemas.openxmlformats.org/officeDocument/2006/relationships" xmlns:p="http://schemas.openxmlformats.org/presentationml/2006/main" strictFirstAndLastChars="0" embedTrueTypeFonts="1" saveSubsetFonts="1" autoCompressPictures="0">
   <p:sldMasterIdLst>
-    <p:sldMasterId id="2147483660" r:id="rId1"/>
+    <p:sldMasterId id="2147483712" r:id="rId1"/>
   </p:sldMasterIdLst>
   <p:notesMasterIdLst>
     <p:notesMasterId r:id="rId16"/>
   </p:notesMasterIdLst>
   <p:sldIdLst>
     <p:sldId id="256" r:id="rId2"/>
-    <p:sldId id="272" r:id="rId3"/>
+    <p:sldId id="274" r:id="rId3"/>
     <p:sldId id="257" r:id="rId4"/>
     <p:sldId id="264" r:id="rId5"/>
     <p:sldId id="258" r:id="rId6"/>
@@ -18,7 +18,7 @@
     <p:sldId id="265" r:id="rId9"/>
     <p:sldId id="259" r:id="rId10"/>
     <p:sldId id="260" r:id="rId11"/>
-    <p:sldId id="261" r:id="rId12"/>
+    <p:sldId id="273" r:id="rId12"/>
     <p:sldId id="267" r:id="rId13"/>
     <p:sldId id="269" r:id="rId14"/>
     <p:sldId id="268" r:id="rId15"/>
@@ -27,22 +27,23 @@
   <p:notesSz cx="6858000" cy="9144000"/>
   <p:embeddedFontLst>
     <p:embeddedFont>
-      <p:font typeface="Century Gothic" panose="020B0502020202020204" pitchFamily="34" charset="0"/>
+      <p:font typeface="Calibri" panose="020F0502020204030204" pitchFamily="34" charset="0"/>
       <p:regular r:id="rId17"/>
       <p:bold r:id="rId18"/>
       <p:italic r:id="rId19"/>
       <p:boldItalic r:id="rId20"/>
     </p:embeddedFont>
     <p:embeddedFont>
-      <p:font typeface="Open Sans" panose="020B0606030504020204" pitchFamily="34" charset="0"/>
+      <p:font typeface="Calibri Light" panose="020F0302020204030204" pitchFamily="34" charset="0"/>
       <p:regular r:id="rId21"/>
-      <p:bold r:id="rId22"/>
-      <p:italic r:id="rId23"/>
-      <p:boldItalic r:id="rId24"/>
+      <p:italic r:id="rId22"/>
     </p:embeddedFont>
     <p:embeddedFont>
-      <p:font typeface="Wingdings 3" panose="05040102010807070707" pitchFamily="18" charset="2"/>
-      <p:regular r:id="rId25"/>
+      <p:font typeface="Open Sans" panose="020B0606030504020204" pitchFamily="34" charset="0"/>
+      <p:regular r:id="rId23"/>
+      <p:bold r:id="rId24"/>
+      <p:italic r:id="rId25"/>
+      <p:boldItalic r:id="rId26"/>
     </p:embeddedFont>
   </p:embeddedFontLst>
   <p:defaultTextStyle>
@@ -692,7 +693,7 @@
               </a:spcAft>
               <a:buNone/>
             </a:pPr>
-            <a:endParaRPr/>
+            <a:endParaRPr dirty="0"/>
           </a:p>
         </p:txBody>
       </p:sp>
@@ -796,7 +797,7 @@
               </a:spcAft>
               <a:buNone/>
             </a:pPr>
-            <a:endParaRPr/>
+            <a:endParaRPr dirty="0"/>
           </a:p>
         </p:txBody>
       </p:sp>
@@ -1186,112 +1187,8 @@
 </p:notes>
 </file>
 
-<file path=ppt/notesSlides/notesSlide7.xml><?xml version="1.0" encoding="utf-8"?>
-<p:notes xmlns:a="http://schemas.openxmlformats.org/drawingml/2006/main" xmlns:r="http://schemas.openxmlformats.org/officeDocument/2006/relationships" xmlns:p="http://schemas.openxmlformats.org/presentationml/2006/main" showMasterSp="0" showMasterPhAnim="0">
-  <p:cSld>
-    <p:spTree>
-      <p:nvGrpSpPr>
-        <p:cNvPr id="1" name="Shape 91"/>
-        <p:cNvGrpSpPr/>
-        <p:nvPr/>
-      </p:nvGrpSpPr>
-      <p:grpSpPr>
-        <a:xfrm>
-          <a:off x="0" y="0"/>
-          <a:ext cx="0" cy="0"/>
-          <a:chOff x="0" y="0"/>
-          <a:chExt cx="0" cy="0"/>
-        </a:xfrm>
-      </p:grpSpPr>
-      <p:sp>
-        <p:nvSpPr>
-          <p:cNvPr id="92" name="Google Shape;92;g15ac759a829_0_15:notes"/>
-          <p:cNvSpPr>
-            <a:spLocks noGrp="1" noRot="1" noChangeAspect="1"/>
-          </p:cNvSpPr>
-          <p:nvPr>
-            <p:ph type="sldImg" idx="2"/>
-          </p:nvPr>
-        </p:nvSpPr>
-        <p:spPr>
-          <a:xfrm>
-            <a:off x="381000" y="685800"/>
-            <a:ext cx="6096000" cy="3429000"/>
-          </a:xfrm>
-          <a:custGeom>
-            <a:avLst/>
-            <a:gdLst/>
-            <a:ahLst/>
-            <a:cxnLst/>
-            <a:rect l="l" t="t" r="r" b="b"/>
-            <a:pathLst>
-              <a:path w="120000" h="120000" extrusionOk="0">
-                <a:moveTo>
-                  <a:pt x="0" y="0"/>
-                </a:moveTo>
-                <a:lnTo>
-                  <a:pt x="120000" y="0"/>
-                </a:lnTo>
-                <a:lnTo>
-                  <a:pt x="120000" y="120000"/>
-                </a:lnTo>
-                <a:lnTo>
-                  <a:pt x="0" y="120000"/>
-                </a:lnTo>
-                <a:close/>
-              </a:path>
-            </a:pathLst>
-          </a:custGeom>
-        </p:spPr>
-      </p:sp>
-      <p:sp>
-        <p:nvSpPr>
-          <p:cNvPr id="93" name="Google Shape;93;g15ac759a829_0_15:notes"/>
-          <p:cNvSpPr txBox="1">
-            <a:spLocks noGrp="1"/>
-          </p:cNvSpPr>
-          <p:nvPr>
-            <p:ph type="body" idx="1"/>
-          </p:nvPr>
-        </p:nvSpPr>
-        <p:spPr>
-          <a:xfrm>
-            <a:off x="685800" y="4343400"/>
-            <a:ext cx="5486400" cy="4114800"/>
-          </a:xfrm>
-          <a:prstGeom prst="rect">
-            <a:avLst/>
-          </a:prstGeom>
-        </p:spPr>
-        <p:txBody>
-          <a:bodyPr spcFirstLastPara="1" wrap="square" lIns="91425" tIns="91425" rIns="91425" bIns="91425" anchor="t" anchorCtr="0">
-            <a:noAutofit/>
-          </a:bodyPr>
-          <a:lstStyle/>
-          <a:p>
-            <a:pPr marL="0" lvl="0" indent="0" algn="l" rtl="0">
-              <a:spcBef>
-                <a:spcPts val="0"/>
-              </a:spcBef>
-              <a:spcAft>
-                <a:spcPts val="0"/>
-              </a:spcAft>
-              <a:buNone/>
-            </a:pPr>
-            <a:endParaRPr/>
-          </a:p>
-        </p:txBody>
-      </p:sp>
-    </p:spTree>
-  </p:cSld>
-  <p:clrMapOvr>
-    <a:masterClrMapping/>
-  </p:clrMapOvr>
-</p:notes>
-</file>
-
 <file path=ppt/slideLayouts/slideLayout1.xml><?xml version="1.0" encoding="utf-8"?>
-<p:sldLayout xmlns:a="http://schemas.openxmlformats.org/drawingml/2006/main" xmlns:r="http://schemas.openxmlformats.org/officeDocument/2006/relationships" xmlns:p="http://schemas.openxmlformats.org/presentationml/2006/main" type="title" preserve="1">
+<p:sldLayout xmlns:a="http://schemas.openxmlformats.org/drawingml/2006/main" xmlns:r="http://schemas.openxmlformats.org/officeDocument/2006/relationships" xmlns:p="http://schemas.openxmlformats.org/presentationml/2006/main" showMasterSp="0" type="title" preserve="1">
   <p:cSld name="Title Slide">
     <p:spTree>
       <p:nvGrpSpPr>
@@ -1309,6 +1206,82 @@
       </p:grpSpPr>
       <p:sp>
         <p:nvSpPr>
+          <p:cNvPr id="7" name="Rectangle 6"/>
+          <p:cNvSpPr/>
+          <p:nvPr/>
+        </p:nvSpPr>
+        <p:spPr>
+          <a:xfrm>
+            <a:off x="2382" y="4800600"/>
+            <a:ext cx="9141619" cy="342900"/>
+          </a:xfrm>
+          <a:prstGeom prst="rect">
+            <a:avLst/>
+          </a:prstGeom>
+          <a:solidFill>
+            <a:schemeClr val="accent2"/>
+          </a:solidFill>
+          <a:ln>
+            <a:noFill/>
+          </a:ln>
+        </p:spPr>
+        <p:style>
+          <a:lnRef idx="2">
+            <a:schemeClr val="accent1">
+              <a:shade val="50000"/>
+            </a:schemeClr>
+          </a:lnRef>
+          <a:fillRef idx="1">
+            <a:schemeClr val="accent1"/>
+          </a:fillRef>
+          <a:effectRef idx="0">
+            <a:schemeClr val="accent1"/>
+          </a:effectRef>
+          <a:fontRef idx="minor">
+            <a:schemeClr val="lt1"/>
+          </a:fontRef>
+        </p:style>
+      </p:sp>
+      <p:sp>
+        <p:nvSpPr>
+          <p:cNvPr id="8" name="Rectangle 7"/>
+          <p:cNvSpPr/>
+          <p:nvPr/>
+        </p:nvSpPr>
+        <p:spPr>
+          <a:xfrm>
+            <a:off x="12" y="4750737"/>
+            <a:ext cx="9141619" cy="48006"/>
+          </a:xfrm>
+          <a:prstGeom prst="rect">
+            <a:avLst/>
+          </a:prstGeom>
+          <a:solidFill>
+            <a:schemeClr val="accent1"/>
+          </a:solidFill>
+          <a:ln>
+            <a:noFill/>
+          </a:ln>
+        </p:spPr>
+        <p:style>
+          <a:lnRef idx="2">
+            <a:schemeClr val="accent1">
+              <a:shade val="50000"/>
+            </a:schemeClr>
+          </a:lnRef>
+          <a:fillRef idx="1">
+            <a:schemeClr val="accent1"/>
+          </a:fillRef>
+          <a:effectRef idx="0">
+            <a:schemeClr val="accent1"/>
+          </a:effectRef>
+          <a:fontRef idx="minor">
+            <a:schemeClr val="lt1"/>
+          </a:fontRef>
+        </p:style>
+      </p:sp>
+      <p:sp>
+        <p:nvSpPr>
           <p:cNvPr id="2" name="Title 1"/>
           <p:cNvSpPr>
             <a:spLocks noGrp="1"/>
@@ -1319,135 +1292,99 @@
         </p:nvSpPr>
         <p:spPr>
           <a:xfrm>
-            <a:off x="866216" y="1085850"/>
-            <a:ext cx="6619244" cy="2497186"/>
+            <a:off x="822960" y="569214"/>
+            <a:ext cx="7543800" cy="2674620"/>
           </a:xfrm>
         </p:spPr>
         <p:txBody>
-          <a:bodyPr anchor="b"/>
+          <a:bodyPr anchor="b">
+            <a:normAutofit/>
+          </a:bodyPr>
           <a:lstStyle>
-            <a:lvl1pPr>
-              <a:defRPr sz="5400"/>
-            </a:lvl1pPr>
-          </a:lstStyle>
-          <a:p>
-            <a:r>
-              <a:rPr lang="en-US"/>
-              <a:t>Click to edit Master title style</a:t>
-            </a:r>
-            <a:endParaRPr lang="en-US" dirty="0"/>
-          </a:p>
-        </p:txBody>
-      </p:sp>
-      <p:sp>
-        <p:nvSpPr>
-          <p:cNvPr id="3" name="Subtitle 2"/>
-          <p:cNvSpPr>
-            <a:spLocks noGrp="1"/>
-          </p:cNvSpPr>
-          <p:nvPr>
-            <p:ph type="subTitle" idx="1"/>
-          </p:nvPr>
-        </p:nvSpPr>
-        <p:spPr>
-          <a:xfrm>
-            <a:off x="866216" y="3583035"/>
-            <a:ext cx="6619244" cy="646065"/>
-          </a:xfrm>
-        </p:spPr>
-        <p:txBody>
-          <a:bodyPr anchor="t"/>
-          <a:lstStyle>
-            <a:lvl1pPr marL="0" indent="0" algn="l">
-              <a:buNone/>
-              <a:defRPr cap="all">
+            <a:lvl1pPr algn="l">
+              <a:lnSpc>
+                <a:spcPct val="85000"/>
+              </a:lnSpc>
+              <a:defRPr sz="6000" spc="-38" baseline="0">
                 <a:solidFill>
-                  <a:schemeClr val="bg2">
-                    <a:lumMod val="40000"/>
-                    <a:lumOff val="60000"/>
+                  <a:schemeClr val="tx1">
+                    <a:lumMod val="85000"/>
+                    <a:lumOff val="15000"/>
                   </a:schemeClr>
                 </a:solidFill>
               </a:defRPr>
             </a:lvl1pPr>
+          </a:lstStyle>
+          <a:p>
+            <a:r>
+              <a:rPr lang="en-US"/>
+              <a:t>Click to edit Master title style</a:t>
+            </a:r>
+            <a:endParaRPr lang="en-US" dirty="0"/>
+          </a:p>
+        </p:txBody>
+      </p:sp>
+      <p:sp>
+        <p:nvSpPr>
+          <p:cNvPr id="3" name="Subtitle 2"/>
+          <p:cNvSpPr>
+            <a:spLocks noGrp="1"/>
+          </p:cNvSpPr>
+          <p:nvPr>
+            <p:ph type="subTitle" idx="1"/>
+          </p:nvPr>
+        </p:nvSpPr>
+        <p:spPr>
+          <a:xfrm>
+            <a:off x="825038" y="3341715"/>
+            <a:ext cx="7543800" cy="857250"/>
+          </a:xfrm>
+        </p:spPr>
+        <p:txBody>
+          <a:bodyPr lIns="91440" rIns="91440">
+            <a:normAutofit/>
+          </a:bodyPr>
+          <a:lstStyle>
+            <a:lvl1pPr marL="0" indent="0" algn="l">
+              <a:buNone/>
+              <a:defRPr sz="1800" cap="all" spc="150" baseline="0">
+                <a:solidFill>
+                  <a:schemeClr val="tx2"/>
+                </a:solidFill>
+                <a:latin typeface="+mj-lt"/>
+              </a:defRPr>
+            </a:lvl1pPr>
             <a:lvl2pPr marL="342900" indent="0" algn="ctr">
               <a:buNone/>
-              <a:defRPr>
-                <a:solidFill>
-                  <a:schemeClr val="tx1">
-                    <a:tint val="75000"/>
-                  </a:schemeClr>
-                </a:solidFill>
-              </a:defRPr>
+              <a:defRPr sz="1800"/>
             </a:lvl2pPr>
             <a:lvl3pPr marL="685800" indent="0" algn="ctr">
               <a:buNone/>
-              <a:defRPr>
-                <a:solidFill>
-                  <a:schemeClr val="tx1">
-                    <a:tint val="75000"/>
-                  </a:schemeClr>
-                </a:solidFill>
-              </a:defRPr>
+              <a:defRPr sz="1800"/>
             </a:lvl3pPr>
             <a:lvl4pPr marL="1028700" indent="0" algn="ctr">
               <a:buNone/>
-              <a:defRPr>
-                <a:solidFill>
-                  <a:schemeClr val="tx1">
-                    <a:tint val="75000"/>
-                  </a:schemeClr>
-                </a:solidFill>
-              </a:defRPr>
+              <a:defRPr sz="1500"/>
             </a:lvl4pPr>
             <a:lvl5pPr marL="1371600" indent="0" algn="ctr">
               <a:buNone/>
-              <a:defRPr>
-                <a:solidFill>
-                  <a:schemeClr val="tx1">
-                    <a:tint val="75000"/>
-                  </a:schemeClr>
-                </a:solidFill>
-              </a:defRPr>
+              <a:defRPr sz="1500"/>
             </a:lvl5pPr>
             <a:lvl6pPr marL="1714500" indent="0" algn="ctr">
               <a:buNone/>
-              <a:defRPr>
-                <a:solidFill>
-                  <a:schemeClr val="tx1">
-                    <a:tint val="75000"/>
-                  </a:schemeClr>
-                </a:solidFill>
-              </a:defRPr>
+              <a:defRPr sz="1500"/>
             </a:lvl6pPr>
             <a:lvl7pPr marL="2057400" indent="0" algn="ctr">
               <a:buNone/>
-              <a:defRPr>
-                <a:solidFill>
-                  <a:schemeClr val="tx1">
-                    <a:tint val="75000"/>
-                  </a:schemeClr>
-                </a:solidFill>
-              </a:defRPr>
+              <a:defRPr sz="1500"/>
             </a:lvl7pPr>
             <a:lvl8pPr marL="2400300" indent="0" algn="ctr">
               <a:buNone/>
-              <a:defRPr>
-                <a:solidFill>
-                  <a:schemeClr val="tx1">
-                    <a:tint val="75000"/>
-                  </a:schemeClr>
-                </a:solidFill>
-              </a:defRPr>
+              <a:defRPr sz="1500"/>
             </a:lvl8pPr>
             <a:lvl9pPr marL="2743200" indent="0" algn="ctr">
               <a:buNone/>
-              <a:defRPr>
-                <a:solidFill>
-                  <a:schemeClr val="tx1">
-                    <a:tint val="75000"/>
-                  </a:schemeClr>
-                </a:solidFill>
-              </a:defRPr>
+              <a:defRPr sz="1500"/>
             </a:lvl9pPr>
           </a:lstStyle>
           <a:p>
@@ -1475,8 +1412,8 @@
           <a:lstStyle/>
           <a:p>
             <a:fld id="{4AAD347D-5ACD-4C99-B74B-A9C85AD731AF}" type="datetimeFigureOut">
-              <a:rPr lang="en-US" dirty="0"/>
-              <a:t>9/26/2022</a:t>
+              <a:rPr lang="en-US" smtClean="0"/>
+              <a:t>11/20/2022</a:t>
             </a:fld>
             <a:endParaRPr lang="en-US" dirty="0"/>
           </a:p>
@@ -1533,10 +1470,48 @@
           </a:p>
         </p:txBody>
       </p:sp>
+      <p:cxnSp>
+        <p:nvCxnSpPr>
+          <p:cNvPr id="9" name="Straight Connector 8"/>
+          <p:cNvCxnSpPr/>
+          <p:nvPr/>
+        </p:nvCxnSpPr>
+        <p:spPr>
+          <a:xfrm>
+            <a:off x="905744" y="3257550"/>
+            <a:ext cx="7406640" cy="0"/>
+          </a:xfrm>
+          <a:prstGeom prst="line">
+            <a:avLst/>
+          </a:prstGeom>
+          <a:ln w="6350">
+            <a:solidFill>
+              <a:schemeClr val="tx1">
+                <a:lumMod val="50000"/>
+                <a:lumOff val="50000"/>
+              </a:schemeClr>
+            </a:solidFill>
+          </a:ln>
+        </p:spPr>
+        <p:style>
+          <a:lnRef idx="1">
+            <a:schemeClr val="accent1"/>
+          </a:lnRef>
+          <a:fillRef idx="0">
+            <a:schemeClr val="accent1"/>
+          </a:fillRef>
+          <a:effectRef idx="0">
+            <a:schemeClr val="accent1"/>
+          </a:effectRef>
+          <a:fontRef idx="minor">
+            <a:schemeClr val="tx1"/>
+          </a:fontRef>
+        </p:style>
+      </p:cxnSp>
     </p:spTree>
     <p:extLst>
       <p:ext uri="{BB962C8B-B14F-4D97-AF65-F5344CB8AC3E}">
-        <p14:creationId xmlns:p14="http://schemas.microsoft.com/office/powerpoint/2010/main" val="719728489"/>
+        <p14:creationId xmlns:p14="http://schemas.microsoft.com/office/powerpoint/2010/main" val="572598367"/>
       </p:ext>
     </p:extLst>
   </p:cSld>
@@ -1548,2632 +1523,6 @@
 </file>
 
 <file path=ppt/slideLayouts/slideLayout10.xml><?xml version="1.0" encoding="utf-8"?>
-<p:sldLayout xmlns:a="http://schemas.openxmlformats.org/drawingml/2006/main" xmlns:r="http://schemas.openxmlformats.org/officeDocument/2006/relationships" xmlns:p="http://schemas.openxmlformats.org/presentationml/2006/main" preserve="1">
-  <p:cSld name="Panoramic Picture with Caption">
-    <p:spTree>
-      <p:nvGrpSpPr>
-        <p:cNvPr id="1" name=""/>
-        <p:cNvGrpSpPr/>
-        <p:nvPr/>
-      </p:nvGrpSpPr>
-      <p:grpSpPr>
-        <a:xfrm>
-          <a:off x="0" y="0"/>
-          <a:ext cx="0" cy="0"/>
-          <a:chOff x="0" y="0"/>
-          <a:chExt cx="0" cy="0"/>
-        </a:xfrm>
-      </p:grpSpPr>
-      <p:sp>
-        <p:nvSpPr>
-          <p:cNvPr id="2" name="Title 1"/>
-          <p:cNvSpPr>
-            <a:spLocks noGrp="1"/>
-          </p:cNvSpPr>
-          <p:nvPr>
-            <p:ph type="title"/>
-          </p:nvPr>
-        </p:nvSpPr>
-        <p:spPr>
-          <a:xfrm>
-            <a:off x="866217" y="3600440"/>
-            <a:ext cx="6619243" cy="425054"/>
-          </a:xfrm>
-        </p:spPr>
-        <p:txBody>
-          <a:bodyPr anchor="b">
-            <a:normAutofit/>
-          </a:bodyPr>
-          <a:lstStyle>
-            <a:lvl1pPr algn="l">
-              <a:defRPr sz="1800" b="0"/>
-            </a:lvl1pPr>
-          </a:lstStyle>
-          <a:p>
-            <a:r>
-              <a:rPr lang="en-US"/>
-              <a:t>Click to edit Master title style</a:t>
-            </a:r>
-            <a:endParaRPr lang="en-US" dirty="0"/>
-          </a:p>
-        </p:txBody>
-      </p:sp>
-      <p:sp>
-        <p:nvSpPr>
-          <p:cNvPr id="3" name="Picture Placeholder 2"/>
-          <p:cNvSpPr>
-            <a:spLocks noGrp="1" noChangeAspect="1"/>
-          </p:cNvSpPr>
-          <p:nvPr>
-            <p:ph type="pic" idx="1"/>
-          </p:nvPr>
-        </p:nvSpPr>
-        <p:spPr>
-          <a:xfrm>
-            <a:off x="866216" y="514350"/>
-            <a:ext cx="6619244" cy="2730500"/>
-          </a:xfrm>
-          <a:prstGeom prst="roundRect">
-            <a:avLst>
-              <a:gd name="adj" fmla="val 1858"/>
-            </a:avLst>
-          </a:prstGeom>
-          <a:effectLst>
-            <a:outerShdw blurRad="50800" dist="50800" dir="5400000" algn="tl" rotWithShape="0">
-              <a:srgbClr val="000000">
-                <a:alpha val="43000"/>
-              </a:srgbClr>
-            </a:outerShdw>
-          </a:effectLst>
-        </p:spPr>
-        <p:txBody>
-          <a:bodyPr anchor="t">
-            <a:normAutofit/>
-          </a:bodyPr>
-          <a:lstStyle>
-            <a:lvl1pPr marL="0" indent="0" algn="ctr">
-              <a:buNone/>
-              <a:defRPr sz="1200"/>
-            </a:lvl1pPr>
-            <a:lvl2pPr marL="342900" indent="0">
-              <a:buNone/>
-              <a:defRPr sz="1200"/>
-            </a:lvl2pPr>
-            <a:lvl3pPr marL="685800" indent="0">
-              <a:buNone/>
-              <a:defRPr sz="1200"/>
-            </a:lvl3pPr>
-            <a:lvl4pPr marL="1028700" indent="0">
-              <a:buNone/>
-              <a:defRPr sz="1200"/>
-            </a:lvl4pPr>
-            <a:lvl5pPr marL="1371600" indent="0">
-              <a:buNone/>
-              <a:defRPr sz="1200"/>
-            </a:lvl5pPr>
-            <a:lvl6pPr marL="1714500" indent="0">
-              <a:buNone/>
-              <a:defRPr sz="1200"/>
-            </a:lvl6pPr>
-            <a:lvl7pPr marL="2057400" indent="0">
-              <a:buNone/>
-              <a:defRPr sz="1200"/>
-            </a:lvl7pPr>
-            <a:lvl8pPr marL="2400300" indent="0">
-              <a:buNone/>
-              <a:defRPr sz="1200"/>
-            </a:lvl8pPr>
-            <a:lvl9pPr marL="2743200" indent="0">
-              <a:buNone/>
-              <a:defRPr sz="1200"/>
-            </a:lvl9pPr>
-          </a:lstStyle>
-          <a:p>
-            <a:r>
-              <a:rPr lang="en-US"/>
-              <a:t>Click icon to add picture</a:t>
-            </a:r>
-            <a:endParaRPr lang="en-US" dirty="0"/>
-          </a:p>
-        </p:txBody>
-      </p:sp>
-      <p:sp>
-        <p:nvSpPr>
-          <p:cNvPr id="4" name="Text Placeholder 3"/>
-          <p:cNvSpPr>
-            <a:spLocks noGrp="1"/>
-          </p:cNvSpPr>
-          <p:nvPr>
-            <p:ph type="body" sz="half" idx="2"/>
-          </p:nvPr>
-        </p:nvSpPr>
-        <p:spPr>
-          <a:xfrm>
-            <a:off x="866217" y="4025494"/>
-            <a:ext cx="6619242" cy="370284"/>
-          </a:xfrm>
-        </p:spPr>
-        <p:txBody>
-          <a:bodyPr>
-            <a:normAutofit/>
-          </a:bodyPr>
-          <a:lstStyle>
-            <a:lvl1pPr marL="0" indent="0">
-              <a:buNone/>
-              <a:defRPr sz="900"/>
-            </a:lvl1pPr>
-            <a:lvl2pPr marL="342900" indent="0">
-              <a:buNone/>
-              <a:defRPr sz="900"/>
-            </a:lvl2pPr>
-            <a:lvl3pPr marL="685800" indent="0">
-              <a:buNone/>
-              <a:defRPr sz="750"/>
-            </a:lvl3pPr>
-            <a:lvl4pPr marL="1028700" indent="0">
-              <a:buNone/>
-              <a:defRPr sz="675"/>
-            </a:lvl4pPr>
-            <a:lvl5pPr marL="1371600" indent="0">
-              <a:buNone/>
-              <a:defRPr sz="675"/>
-            </a:lvl5pPr>
-            <a:lvl6pPr marL="1714500" indent="0">
-              <a:buNone/>
-              <a:defRPr sz="675"/>
-            </a:lvl6pPr>
-            <a:lvl7pPr marL="2057400" indent="0">
-              <a:buNone/>
-              <a:defRPr sz="675"/>
-            </a:lvl7pPr>
-            <a:lvl8pPr marL="2400300" indent="0">
-              <a:buNone/>
-              <a:defRPr sz="675"/>
-            </a:lvl8pPr>
-            <a:lvl9pPr marL="2743200" indent="0">
-              <a:buNone/>
-              <a:defRPr sz="675"/>
-            </a:lvl9pPr>
-          </a:lstStyle>
-          <a:p>
-            <a:pPr lvl="0"/>
-            <a:r>
-              <a:rPr lang="en-US"/>
-              <a:t>Click to edit Master text styles</a:t>
-            </a:r>
-          </a:p>
-        </p:txBody>
-      </p:sp>
-      <p:sp>
-        <p:nvSpPr>
-          <p:cNvPr id="5" name="Date Placeholder 4"/>
-          <p:cNvSpPr>
-            <a:spLocks noGrp="1"/>
-          </p:cNvSpPr>
-          <p:nvPr>
-            <p:ph type="dt" sz="half" idx="10"/>
-          </p:nvPr>
-        </p:nvSpPr>
-        <p:spPr/>
-        <p:txBody>
-          <a:bodyPr/>
-          <a:lstStyle/>
-          <a:p>
-            <a:fld id="{4509A250-FF31-4206-8172-F9D3106AACB1}" type="datetimeFigureOut">
-              <a:rPr lang="en-US" dirty="0"/>
-              <a:t>9/26/2022</a:t>
-            </a:fld>
-            <a:endParaRPr lang="en-US" dirty="0"/>
-          </a:p>
-        </p:txBody>
-      </p:sp>
-      <p:sp>
-        <p:nvSpPr>
-          <p:cNvPr id="6" name="Footer Placeholder 5"/>
-          <p:cNvSpPr>
-            <a:spLocks noGrp="1"/>
-          </p:cNvSpPr>
-          <p:nvPr>
-            <p:ph type="ftr" sz="quarter" idx="11"/>
-          </p:nvPr>
-        </p:nvSpPr>
-        <p:spPr/>
-        <p:txBody>
-          <a:bodyPr/>
-          <a:lstStyle/>
-          <a:p>
-            <a:endParaRPr lang="en-US" dirty="0"/>
-          </a:p>
-        </p:txBody>
-      </p:sp>
-      <p:sp>
-        <p:nvSpPr>
-          <p:cNvPr id="7" name="Slide Number Placeholder 6"/>
-          <p:cNvSpPr>
-            <a:spLocks noGrp="1"/>
-          </p:cNvSpPr>
-          <p:nvPr>
-            <p:ph type="sldNum" sz="quarter" idx="12"/>
-          </p:nvPr>
-        </p:nvSpPr>
-        <p:spPr/>
-        <p:txBody>
-          <a:bodyPr/>
-          <a:lstStyle/>
-          <a:p>
-            <a:pPr marL="0" lvl="0" indent="0" algn="r" rtl="0">
-              <a:spcBef>
-                <a:spcPts val="0"/>
-              </a:spcBef>
-              <a:spcAft>
-                <a:spcPts val="0"/>
-              </a:spcAft>
-              <a:buNone/>
-            </a:pPr>
-            <a:fld id="{00000000-1234-1234-1234-123412341234}" type="slidenum">
-              <a:rPr lang="en" smtClean="0"/>
-              <a:t>‹#›</a:t>
-            </a:fld>
-            <a:endParaRPr lang="en"/>
-          </a:p>
-        </p:txBody>
-      </p:sp>
-    </p:spTree>
-    <p:extLst>
-      <p:ext uri="{BB962C8B-B14F-4D97-AF65-F5344CB8AC3E}">
-        <p14:creationId xmlns:p14="http://schemas.microsoft.com/office/powerpoint/2010/main" val="4107818961"/>
-      </p:ext>
-    </p:extLst>
-  </p:cSld>
-  <p:clrMapOvr>
-    <a:masterClrMapping/>
-  </p:clrMapOvr>
-  <p:hf sldNum="0" hdr="0" ftr="0" dt="0"/>
-</p:sldLayout>
-</file>
-
-<file path=ppt/slideLayouts/slideLayout11.xml><?xml version="1.0" encoding="utf-8"?>
-<p:sldLayout xmlns:a="http://schemas.openxmlformats.org/drawingml/2006/main" xmlns:r="http://schemas.openxmlformats.org/officeDocument/2006/relationships" xmlns:p="http://schemas.openxmlformats.org/presentationml/2006/main" preserve="1">
-  <p:cSld name="Title and Caption">
-    <p:spTree>
-      <p:nvGrpSpPr>
-        <p:cNvPr id="1" name=""/>
-        <p:cNvGrpSpPr/>
-        <p:nvPr/>
-      </p:nvGrpSpPr>
-      <p:grpSpPr>
-        <a:xfrm>
-          <a:off x="0" y="0"/>
-          <a:ext cx="0" cy="0"/>
-          <a:chOff x="0" y="0"/>
-          <a:chExt cx="0" cy="0"/>
-        </a:xfrm>
-      </p:grpSpPr>
-      <p:sp>
-        <p:nvSpPr>
-          <p:cNvPr id="2" name="Title 1"/>
-          <p:cNvSpPr>
-            <a:spLocks noGrp="1"/>
-          </p:cNvSpPr>
-          <p:nvPr>
-            <p:ph type="title"/>
-          </p:nvPr>
-        </p:nvSpPr>
-        <p:spPr>
-          <a:xfrm>
-            <a:off x="866216" y="1085850"/>
-            <a:ext cx="6619244" cy="1485900"/>
-          </a:xfrm>
-        </p:spPr>
-        <p:txBody>
-          <a:bodyPr/>
-          <a:lstStyle>
-            <a:lvl1pPr>
-              <a:defRPr sz="3600"/>
-            </a:lvl1pPr>
-          </a:lstStyle>
-          <a:p>
-            <a:r>
-              <a:rPr lang="en-US"/>
-              <a:t>Click to edit Master title style</a:t>
-            </a:r>
-            <a:endParaRPr lang="en-US" dirty="0"/>
-          </a:p>
-        </p:txBody>
-      </p:sp>
-      <p:sp>
-        <p:nvSpPr>
-          <p:cNvPr id="8" name="Text Placeholder 3"/>
-          <p:cNvSpPr>
-            <a:spLocks noGrp="1"/>
-          </p:cNvSpPr>
-          <p:nvPr>
-            <p:ph type="body" sz="half" idx="2"/>
-          </p:nvPr>
-        </p:nvSpPr>
-        <p:spPr>
-          <a:xfrm>
-            <a:off x="866216" y="2743200"/>
-            <a:ext cx="6619244" cy="1771650"/>
-          </a:xfrm>
-        </p:spPr>
-        <p:txBody>
-          <a:bodyPr anchor="ctr">
-            <a:normAutofit/>
-          </a:bodyPr>
-          <a:lstStyle>
-            <a:lvl1pPr marL="0" indent="0">
-              <a:buNone/>
-              <a:defRPr sz="1350"/>
-            </a:lvl1pPr>
-            <a:lvl2pPr marL="342900" indent="0">
-              <a:buNone/>
-              <a:defRPr sz="900"/>
-            </a:lvl2pPr>
-            <a:lvl3pPr marL="685800" indent="0">
-              <a:buNone/>
-              <a:defRPr sz="750"/>
-            </a:lvl3pPr>
-            <a:lvl4pPr marL="1028700" indent="0">
-              <a:buNone/>
-              <a:defRPr sz="675"/>
-            </a:lvl4pPr>
-            <a:lvl5pPr marL="1371600" indent="0">
-              <a:buNone/>
-              <a:defRPr sz="675"/>
-            </a:lvl5pPr>
-            <a:lvl6pPr marL="1714500" indent="0">
-              <a:buNone/>
-              <a:defRPr sz="675"/>
-            </a:lvl6pPr>
-            <a:lvl7pPr marL="2057400" indent="0">
-              <a:buNone/>
-              <a:defRPr sz="675"/>
-            </a:lvl7pPr>
-            <a:lvl8pPr marL="2400300" indent="0">
-              <a:buNone/>
-              <a:defRPr sz="675"/>
-            </a:lvl8pPr>
-            <a:lvl9pPr marL="2743200" indent="0">
-              <a:buNone/>
-              <a:defRPr sz="675"/>
-            </a:lvl9pPr>
-          </a:lstStyle>
-          <a:p>
-            <a:pPr lvl="0"/>
-            <a:r>
-              <a:rPr lang="en-US"/>
-              <a:t>Click to edit Master text styles</a:t>
-            </a:r>
-          </a:p>
-        </p:txBody>
-      </p:sp>
-      <p:sp>
-        <p:nvSpPr>
-          <p:cNvPr id="4" name="Date Placeholder 3"/>
-          <p:cNvSpPr>
-            <a:spLocks noGrp="1"/>
-          </p:cNvSpPr>
-          <p:nvPr>
-            <p:ph type="dt" sz="half" idx="10"/>
-          </p:nvPr>
-        </p:nvSpPr>
-        <p:spPr/>
-        <p:txBody>
-          <a:bodyPr/>
-          <a:lstStyle/>
-          <a:p>
-            <a:fld id="{4509A250-FF31-4206-8172-F9D3106AACB1}" type="datetimeFigureOut">
-              <a:rPr lang="en-US" dirty="0"/>
-              <a:t>9/26/2022</a:t>
-            </a:fld>
-            <a:endParaRPr lang="en-US" dirty="0"/>
-          </a:p>
-        </p:txBody>
-      </p:sp>
-      <p:sp>
-        <p:nvSpPr>
-          <p:cNvPr id="5" name="Footer Placeholder 4"/>
-          <p:cNvSpPr>
-            <a:spLocks noGrp="1"/>
-          </p:cNvSpPr>
-          <p:nvPr>
-            <p:ph type="ftr" sz="quarter" idx="11"/>
-          </p:nvPr>
-        </p:nvSpPr>
-        <p:spPr/>
-        <p:txBody>
-          <a:bodyPr/>
-          <a:lstStyle/>
-          <a:p>
-            <a:endParaRPr lang="en-US" dirty="0"/>
-          </a:p>
-        </p:txBody>
-      </p:sp>
-      <p:sp>
-        <p:nvSpPr>
-          <p:cNvPr id="6" name="Slide Number Placeholder 5"/>
-          <p:cNvSpPr>
-            <a:spLocks noGrp="1"/>
-          </p:cNvSpPr>
-          <p:nvPr>
-            <p:ph type="sldNum" sz="quarter" idx="12"/>
-          </p:nvPr>
-        </p:nvSpPr>
-        <p:spPr/>
-        <p:txBody>
-          <a:bodyPr/>
-          <a:lstStyle/>
-          <a:p>
-            <a:pPr marL="0" lvl="0" indent="0" algn="r" rtl="0">
-              <a:spcBef>
-                <a:spcPts val="0"/>
-              </a:spcBef>
-              <a:spcAft>
-                <a:spcPts val="0"/>
-              </a:spcAft>
-              <a:buNone/>
-            </a:pPr>
-            <a:fld id="{00000000-1234-1234-1234-123412341234}" type="slidenum">
-              <a:rPr lang="en" smtClean="0"/>
-              <a:t>‹#›</a:t>
-            </a:fld>
-            <a:endParaRPr lang="en"/>
-          </a:p>
-        </p:txBody>
-      </p:sp>
-    </p:spTree>
-    <p:extLst>
-      <p:ext uri="{BB962C8B-B14F-4D97-AF65-F5344CB8AC3E}">
-        <p14:creationId xmlns:p14="http://schemas.microsoft.com/office/powerpoint/2010/main" val="3624310661"/>
-      </p:ext>
-    </p:extLst>
-  </p:cSld>
-  <p:clrMapOvr>
-    <a:masterClrMapping/>
-  </p:clrMapOvr>
-  <p:hf sldNum="0" hdr="0" ftr="0" dt="0"/>
-</p:sldLayout>
-</file>
-
-<file path=ppt/slideLayouts/slideLayout12.xml><?xml version="1.0" encoding="utf-8"?>
-<p:sldLayout xmlns:a="http://schemas.openxmlformats.org/drawingml/2006/main" xmlns:r="http://schemas.openxmlformats.org/officeDocument/2006/relationships" xmlns:p="http://schemas.openxmlformats.org/presentationml/2006/main" preserve="1">
-  <p:cSld name="Quote with Caption">
-    <p:spTree>
-      <p:nvGrpSpPr>
-        <p:cNvPr id="1" name=""/>
-        <p:cNvGrpSpPr/>
-        <p:nvPr/>
-      </p:nvGrpSpPr>
-      <p:grpSpPr>
-        <a:xfrm>
-          <a:off x="0" y="0"/>
-          <a:ext cx="0" cy="0"/>
-          <a:chOff x="0" y="0"/>
-          <a:chExt cx="0" cy="0"/>
-        </a:xfrm>
-      </p:grpSpPr>
-      <p:sp>
-        <p:nvSpPr>
-          <p:cNvPr id="2" name="Title 1"/>
-          <p:cNvSpPr>
-            <a:spLocks noGrp="1"/>
-          </p:cNvSpPr>
-          <p:nvPr>
-            <p:ph type="title"/>
-          </p:nvPr>
-        </p:nvSpPr>
-        <p:spPr>
-          <a:xfrm>
-            <a:off x="1181101" y="1085850"/>
-            <a:ext cx="5999486" cy="1742531"/>
-          </a:xfrm>
-        </p:spPr>
-        <p:txBody>
-          <a:bodyPr/>
-          <a:lstStyle>
-            <a:lvl1pPr>
-              <a:defRPr sz="3600"/>
-            </a:lvl1pPr>
-          </a:lstStyle>
-          <a:p>
-            <a:r>
-              <a:rPr lang="en-US"/>
-              <a:t>Click to edit Master title style</a:t>
-            </a:r>
-            <a:endParaRPr lang="en-US" dirty="0"/>
-          </a:p>
-        </p:txBody>
-      </p:sp>
-      <p:sp>
-        <p:nvSpPr>
-          <p:cNvPr id="11" name="Text Placeholder 3"/>
-          <p:cNvSpPr>
-            <a:spLocks noGrp="1"/>
-          </p:cNvSpPr>
-          <p:nvPr>
-            <p:ph type="body" sz="half" idx="14"/>
-          </p:nvPr>
-        </p:nvSpPr>
-        <p:spPr>
-          <a:xfrm>
-            <a:off x="1447800" y="2828380"/>
-            <a:ext cx="5459737" cy="256631"/>
-          </a:xfrm>
-        </p:spPr>
-        <p:txBody>
-          <a:bodyPr vert="horz" lIns="91440" tIns="45720" rIns="91440" bIns="45720" rtlCol="0" anchor="t">
-            <a:normAutofit/>
-          </a:bodyPr>
-          <a:lstStyle>
-            <a:lvl1pPr marL="0" indent="0">
-              <a:buNone/>
-              <a:defRPr lang="en-US" sz="1050" b="0" i="0" kern="1200" cap="small" dirty="0">
-                <a:solidFill>
-                  <a:schemeClr val="bg2">
-                    <a:lumMod val="40000"/>
-                    <a:lumOff val="60000"/>
-                  </a:schemeClr>
-                </a:solidFill>
-                <a:latin typeface="+mj-lt"/>
-                <a:ea typeface="+mj-ea"/>
-                <a:cs typeface="+mj-cs"/>
-              </a:defRPr>
-            </a:lvl1pPr>
-            <a:lvl2pPr marL="342900" indent="0">
-              <a:buNone/>
-              <a:defRPr sz="900"/>
-            </a:lvl2pPr>
-            <a:lvl3pPr marL="685800" indent="0">
-              <a:buNone/>
-              <a:defRPr sz="750"/>
-            </a:lvl3pPr>
-            <a:lvl4pPr marL="1028700" indent="0">
-              <a:buNone/>
-              <a:defRPr sz="675"/>
-            </a:lvl4pPr>
-            <a:lvl5pPr marL="1371600" indent="0">
-              <a:buNone/>
-              <a:defRPr sz="675"/>
-            </a:lvl5pPr>
-            <a:lvl6pPr marL="1714500" indent="0">
-              <a:buNone/>
-              <a:defRPr sz="675"/>
-            </a:lvl6pPr>
-            <a:lvl7pPr marL="2057400" indent="0">
-              <a:buNone/>
-              <a:defRPr sz="675"/>
-            </a:lvl7pPr>
-            <a:lvl8pPr marL="2400300" indent="0">
-              <a:buNone/>
-              <a:defRPr sz="675"/>
-            </a:lvl8pPr>
-            <a:lvl9pPr marL="2743200" indent="0">
-              <a:buNone/>
-              <a:defRPr sz="675"/>
-            </a:lvl9pPr>
-          </a:lstStyle>
-          <a:p>
-            <a:pPr marL="0" lvl="0" indent="0">
-              <a:buNone/>
-            </a:pPr>
-            <a:r>
-              <a:rPr lang="en-US"/>
-              <a:t>Click to edit Master text styles</a:t>
-            </a:r>
-          </a:p>
-        </p:txBody>
-      </p:sp>
-      <p:sp>
-        <p:nvSpPr>
-          <p:cNvPr id="10" name="Text Placeholder 3"/>
-          <p:cNvSpPr>
-            <a:spLocks noGrp="1"/>
-          </p:cNvSpPr>
-          <p:nvPr>
-            <p:ph type="body" sz="half" idx="2"/>
-          </p:nvPr>
-        </p:nvSpPr>
-        <p:spPr>
-          <a:xfrm>
-            <a:off x="866216" y="3262993"/>
-            <a:ext cx="6619244" cy="1257300"/>
-          </a:xfrm>
-        </p:spPr>
-        <p:txBody>
-          <a:bodyPr anchor="ctr">
-            <a:normAutofit/>
-          </a:bodyPr>
-          <a:lstStyle>
-            <a:lvl1pPr marL="0" indent="0">
-              <a:buNone/>
-              <a:defRPr sz="1350"/>
-            </a:lvl1pPr>
-            <a:lvl2pPr marL="342900" indent="0">
-              <a:buNone/>
-              <a:defRPr sz="900"/>
-            </a:lvl2pPr>
-            <a:lvl3pPr marL="685800" indent="0">
-              <a:buNone/>
-              <a:defRPr sz="750"/>
-            </a:lvl3pPr>
-            <a:lvl4pPr marL="1028700" indent="0">
-              <a:buNone/>
-              <a:defRPr sz="675"/>
-            </a:lvl4pPr>
-            <a:lvl5pPr marL="1371600" indent="0">
-              <a:buNone/>
-              <a:defRPr sz="675"/>
-            </a:lvl5pPr>
-            <a:lvl6pPr marL="1714500" indent="0">
-              <a:buNone/>
-              <a:defRPr sz="675"/>
-            </a:lvl6pPr>
-            <a:lvl7pPr marL="2057400" indent="0">
-              <a:buNone/>
-              <a:defRPr sz="675"/>
-            </a:lvl7pPr>
-            <a:lvl8pPr marL="2400300" indent="0">
-              <a:buNone/>
-              <a:defRPr sz="675"/>
-            </a:lvl8pPr>
-            <a:lvl9pPr marL="2743200" indent="0">
-              <a:buNone/>
-              <a:defRPr sz="675"/>
-            </a:lvl9pPr>
-          </a:lstStyle>
-          <a:p>
-            <a:pPr lvl="0"/>
-            <a:r>
-              <a:rPr lang="en-US"/>
-              <a:t>Click to edit Master text styles</a:t>
-            </a:r>
-          </a:p>
-        </p:txBody>
-      </p:sp>
-      <p:sp>
-        <p:nvSpPr>
-          <p:cNvPr id="4" name="Date Placeholder 3"/>
-          <p:cNvSpPr>
-            <a:spLocks noGrp="1"/>
-          </p:cNvSpPr>
-          <p:nvPr>
-            <p:ph type="dt" sz="half" idx="10"/>
-          </p:nvPr>
-        </p:nvSpPr>
-        <p:spPr/>
-        <p:txBody>
-          <a:bodyPr/>
-          <a:lstStyle/>
-          <a:p>
-            <a:fld id="{4509A250-FF31-4206-8172-F9D3106AACB1}" type="datetimeFigureOut">
-              <a:rPr lang="en-US" dirty="0"/>
-              <a:t>9/26/2022</a:t>
-            </a:fld>
-            <a:endParaRPr lang="en-US" dirty="0"/>
-          </a:p>
-        </p:txBody>
-      </p:sp>
-      <p:sp>
-        <p:nvSpPr>
-          <p:cNvPr id="5" name="Footer Placeholder 4"/>
-          <p:cNvSpPr>
-            <a:spLocks noGrp="1"/>
-          </p:cNvSpPr>
-          <p:nvPr>
-            <p:ph type="ftr" sz="quarter" idx="11"/>
-          </p:nvPr>
-        </p:nvSpPr>
-        <p:spPr/>
-        <p:txBody>
-          <a:bodyPr/>
-          <a:lstStyle/>
-          <a:p>
-            <a:endParaRPr lang="en-US" dirty="0"/>
-          </a:p>
-        </p:txBody>
-      </p:sp>
-      <p:sp>
-        <p:nvSpPr>
-          <p:cNvPr id="6" name="Slide Number Placeholder 5"/>
-          <p:cNvSpPr>
-            <a:spLocks noGrp="1"/>
-          </p:cNvSpPr>
-          <p:nvPr>
-            <p:ph type="sldNum" sz="quarter" idx="12"/>
-          </p:nvPr>
-        </p:nvSpPr>
-        <p:spPr/>
-        <p:txBody>
-          <a:bodyPr/>
-          <a:lstStyle/>
-          <a:p>
-            <a:pPr marL="0" lvl="0" indent="0" algn="r" rtl="0">
-              <a:spcBef>
-                <a:spcPts val="0"/>
-              </a:spcBef>
-              <a:spcAft>
-                <a:spcPts val="0"/>
-              </a:spcAft>
-              <a:buNone/>
-            </a:pPr>
-            <a:fld id="{00000000-1234-1234-1234-123412341234}" type="slidenum">
-              <a:rPr lang="en" smtClean="0"/>
-              <a:t>‹#›</a:t>
-            </a:fld>
-            <a:endParaRPr lang="en"/>
-          </a:p>
-        </p:txBody>
-      </p:sp>
-      <p:sp>
-        <p:nvSpPr>
-          <p:cNvPr id="12" name="TextBox 11"/>
-          <p:cNvSpPr txBox="1"/>
-          <p:nvPr/>
-        </p:nvSpPr>
-        <p:spPr>
-          <a:xfrm>
-            <a:off x="673721" y="728440"/>
-            <a:ext cx="601434" cy="1500411"/>
-          </a:xfrm>
-          <a:prstGeom prst="rect">
-            <a:avLst/>
-          </a:prstGeom>
-          <a:noFill/>
-        </p:spPr>
-        <p:txBody>
-          <a:bodyPr wrap="square" rtlCol="0">
-            <a:spAutoFit/>
-          </a:bodyPr>
-          <a:lstStyle>
-            <a:defPPr>
-              <a:defRPr lang="en-US"/>
-            </a:defPPr>
-            <a:lvl1pPr algn="r">
-              <a:defRPr sz="12200" b="0" i="0">
-                <a:solidFill>
-                  <a:schemeClr val="bg2">
-                    <a:lumMod val="40000"/>
-                    <a:lumOff val="60000"/>
-                  </a:schemeClr>
-                </a:solidFill>
-                <a:latin typeface="Arial"/>
-                <a:ea typeface="+mj-ea"/>
-                <a:cs typeface="+mj-cs"/>
-              </a:defRPr>
-            </a:lvl1pPr>
-          </a:lstStyle>
-          <a:p>
-            <a:pPr lvl="0"/>
-            <a:r>
-              <a:rPr lang="en-US" sz="9150" dirty="0"/>
-              <a:t>“</a:t>
-            </a:r>
-          </a:p>
-        </p:txBody>
-      </p:sp>
-      <p:sp>
-        <p:nvSpPr>
-          <p:cNvPr id="15" name="TextBox 14"/>
-          <p:cNvSpPr txBox="1"/>
-          <p:nvPr/>
-        </p:nvSpPr>
-        <p:spPr>
-          <a:xfrm>
-            <a:off x="6997868" y="1960341"/>
-            <a:ext cx="601434" cy="1500411"/>
-          </a:xfrm>
-          <a:prstGeom prst="rect">
-            <a:avLst/>
-          </a:prstGeom>
-          <a:noFill/>
-        </p:spPr>
-        <p:txBody>
-          <a:bodyPr wrap="square" rtlCol="0">
-            <a:spAutoFit/>
-          </a:bodyPr>
-          <a:lstStyle>
-            <a:defPPr>
-              <a:defRPr lang="en-US"/>
-            </a:defPPr>
-            <a:lvl1pPr algn="r">
-              <a:defRPr sz="12200" b="0" i="0">
-                <a:solidFill>
-                  <a:schemeClr val="bg2">
-                    <a:lumMod val="40000"/>
-                    <a:lumOff val="60000"/>
-                  </a:schemeClr>
-                </a:solidFill>
-                <a:latin typeface="Arial"/>
-                <a:ea typeface="+mj-ea"/>
-                <a:cs typeface="+mj-cs"/>
-              </a:defRPr>
-            </a:lvl1pPr>
-          </a:lstStyle>
-          <a:p>
-            <a:pPr lvl="0"/>
-            <a:r>
-              <a:rPr lang="en-US" sz="9150" dirty="0"/>
-              <a:t>”</a:t>
-            </a:r>
-          </a:p>
-        </p:txBody>
-      </p:sp>
-    </p:spTree>
-    <p:extLst>
-      <p:ext uri="{BB962C8B-B14F-4D97-AF65-F5344CB8AC3E}">
-        <p14:creationId xmlns:p14="http://schemas.microsoft.com/office/powerpoint/2010/main" val="593223954"/>
-      </p:ext>
-    </p:extLst>
-  </p:cSld>
-  <p:clrMapOvr>
-    <a:masterClrMapping/>
-  </p:clrMapOvr>
-  <p:hf sldNum="0" hdr="0" ftr="0" dt="0"/>
-</p:sldLayout>
-</file>
-
-<file path=ppt/slideLayouts/slideLayout13.xml><?xml version="1.0" encoding="utf-8"?>
-<p:sldLayout xmlns:a="http://schemas.openxmlformats.org/drawingml/2006/main" xmlns:r="http://schemas.openxmlformats.org/officeDocument/2006/relationships" xmlns:p="http://schemas.openxmlformats.org/presentationml/2006/main" preserve="1">
-  <p:cSld name="Name Card">
-    <p:spTree>
-      <p:nvGrpSpPr>
-        <p:cNvPr id="1" name=""/>
-        <p:cNvGrpSpPr/>
-        <p:nvPr/>
-      </p:nvGrpSpPr>
-      <p:grpSpPr>
-        <a:xfrm>
-          <a:off x="0" y="0"/>
-          <a:ext cx="0" cy="0"/>
-          <a:chOff x="0" y="0"/>
-          <a:chExt cx="0" cy="0"/>
-        </a:xfrm>
-      </p:grpSpPr>
-      <p:sp>
-        <p:nvSpPr>
-          <p:cNvPr id="2" name="Title 1"/>
-          <p:cNvSpPr>
-            <a:spLocks noGrp="1"/>
-          </p:cNvSpPr>
-          <p:nvPr>
-            <p:ph type="title"/>
-          </p:nvPr>
-        </p:nvSpPr>
-        <p:spPr>
-          <a:xfrm>
-            <a:off x="866216" y="2343151"/>
-            <a:ext cx="6619245" cy="1239885"/>
-          </a:xfrm>
-        </p:spPr>
-        <p:txBody>
-          <a:bodyPr anchor="b"/>
-          <a:lstStyle>
-            <a:lvl1pPr algn="l">
-              <a:defRPr sz="3000" b="0" cap="none"/>
-            </a:lvl1pPr>
-          </a:lstStyle>
-          <a:p>
-            <a:r>
-              <a:rPr lang="en-US"/>
-              <a:t>Click to edit Master title style</a:t>
-            </a:r>
-            <a:endParaRPr lang="en-US" dirty="0"/>
-          </a:p>
-        </p:txBody>
-      </p:sp>
-      <p:sp>
-        <p:nvSpPr>
-          <p:cNvPr id="3" name="Text Placeholder 2"/>
-          <p:cNvSpPr>
-            <a:spLocks noGrp="1"/>
-          </p:cNvSpPr>
-          <p:nvPr>
-            <p:ph type="body" idx="1"/>
-          </p:nvPr>
-        </p:nvSpPr>
-        <p:spPr>
-          <a:xfrm>
-            <a:off x="866216" y="3583036"/>
-            <a:ext cx="6619244" cy="645300"/>
-          </a:xfrm>
-        </p:spPr>
-        <p:txBody>
-          <a:bodyPr anchor="t"/>
-          <a:lstStyle>
-            <a:lvl1pPr marL="0" indent="0" algn="l">
-              <a:buNone/>
-              <a:defRPr sz="1500" cap="none">
-                <a:solidFill>
-                  <a:schemeClr val="bg2">
-                    <a:lumMod val="40000"/>
-                    <a:lumOff val="60000"/>
-                  </a:schemeClr>
-                </a:solidFill>
-              </a:defRPr>
-            </a:lvl1pPr>
-            <a:lvl2pPr marL="342900" indent="0">
-              <a:buNone/>
-              <a:defRPr sz="1350">
-                <a:solidFill>
-                  <a:schemeClr val="tx1">
-                    <a:tint val="75000"/>
-                  </a:schemeClr>
-                </a:solidFill>
-              </a:defRPr>
-            </a:lvl2pPr>
-            <a:lvl3pPr marL="685800" indent="0">
-              <a:buNone/>
-              <a:defRPr sz="1200">
-                <a:solidFill>
-                  <a:schemeClr val="tx1">
-                    <a:tint val="75000"/>
-                  </a:schemeClr>
-                </a:solidFill>
-              </a:defRPr>
-            </a:lvl3pPr>
-            <a:lvl4pPr marL="1028700" indent="0">
-              <a:buNone/>
-              <a:defRPr sz="1050">
-                <a:solidFill>
-                  <a:schemeClr val="tx1">
-                    <a:tint val="75000"/>
-                  </a:schemeClr>
-                </a:solidFill>
-              </a:defRPr>
-            </a:lvl4pPr>
-            <a:lvl5pPr marL="1371600" indent="0">
-              <a:buNone/>
-              <a:defRPr sz="1050">
-                <a:solidFill>
-                  <a:schemeClr val="tx1">
-                    <a:tint val="75000"/>
-                  </a:schemeClr>
-                </a:solidFill>
-              </a:defRPr>
-            </a:lvl5pPr>
-            <a:lvl6pPr marL="1714500" indent="0">
-              <a:buNone/>
-              <a:defRPr sz="1050">
-                <a:solidFill>
-                  <a:schemeClr val="tx1">
-                    <a:tint val="75000"/>
-                  </a:schemeClr>
-                </a:solidFill>
-              </a:defRPr>
-            </a:lvl6pPr>
-            <a:lvl7pPr marL="2057400" indent="0">
-              <a:buNone/>
-              <a:defRPr sz="1050">
-                <a:solidFill>
-                  <a:schemeClr val="tx1">
-                    <a:tint val="75000"/>
-                  </a:schemeClr>
-                </a:solidFill>
-              </a:defRPr>
-            </a:lvl7pPr>
-            <a:lvl8pPr marL="2400300" indent="0">
-              <a:buNone/>
-              <a:defRPr sz="1050">
-                <a:solidFill>
-                  <a:schemeClr val="tx1">
-                    <a:tint val="75000"/>
-                  </a:schemeClr>
-                </a:solidFill>
-              </a:defRPr>
-            </a:lvl8pPr>
-            <a:lvl9pPr marL="2743200" indent="0">
-              <a:buNone/>
-              <a:defRPr sz="1050">
-                <a:solidFill>
-                  <a:schemeClr val="tx1">
-                    <a:tint val="75000"/>
-                  </a:schemeClr>
-                </a:solidFill>
-              </a:defRPr>
-            </a:lvl9pPr>
-          </a:lstStyle>
-          <a:p>
-            <a:pPr lvl="0"/>
-            <a:r>
-              <a:rPr lang="en-US"/>
-              <a:t>Click to edit Master text styles</a:t>
-            </a:r>
-          </a:p>
-        </p:txBody>
-      </p:sp>
-      <p:sp>
-        <p:nvSpPr>
-          <p:cNvPr id="4" name="Date Placeholder 3"/>
-          <p:cNvSpPr>
-            <a:spLocks noGrp="1"/>
-          </p:cNvSpPr>
-          <p:nvPr>
-            <p:ph type="dt" sz="half" idx="10"/>
-          </p:nvPr>
-        </p:nvSpPr>
-        <p:spPr/>
-        <p:txBody>
-          <a:bodyPr/>
-          <a:lstStyle/>
-          <a:p>
-            <a:fld id="{4509A250-FF31-4206-8172-F9D3106AACB1}" type="datetimeFigureOut">
-              <a:rPr lang="en-US" dirty="0"/>
-              <a:t>9/26/2022</a:t>
-            </a:fld>
-            <a:endParaRPr lang="en-US" dirty="0"/>
-          </a:p>
-        </p:txBody>
-      </p:sp>
-      <p:sp>
-        <p:nvSpPr>
-          <p:cNvPr id="5" name="Footer Placeholder 4"/>
-          <p:cNvSpPr>
-            <a:spLocks noGrp="1"/>
-          </p:cNvSpPr>
-          <p:nvPr>
-            <p:ph type="ftr" sz="quarter" idx="11"/>
-          </p:nvPr>
-        </p:nvSpPr>
-        <p:spPr/>
-        <p:txBody>
-          <a:bodyPr/>
-          <a:lstStyle/>
-          <a:p>
-            <a:endParaRPr lang="en-US" dirty="0"/>
-          </a:p>
-        </p:txBody>
-      </p:sp>
-      <p:sp>
-        <p:nvSpPr>
-          <p:cNvPr id="6" name="Slide Number Placeholder 5"/>
-          <p:cNvSpPr>
-            <a:spLocks noGrp="1"/>
-          </p:cNvSpPr>
-          <p:nvPr>
-            <p:ph type="sldNum" sz="quarter" idx="12"/>
-          </p:nvPr>
-        </p:nvSpPr>
-        <p:spPr/>
-        <p:txBody>
-          <a:bodyPr/>
-          <a:lstStyle/>
-          <a:p>
-            <a:pPr marL="0" lvl="0" indent="0" algn="r" rtl="0">
-              <a:spcBef>
-                <a:spcPts val="0"/>
-              </a:spcBef>
-              <a:spcAft>
-                <a:spcPts val="0"/>
-              </a:spcAft>
-              <a:buNone/>
-            </a:pPr>
-            <a:fld id="{00000000-1234-1234-1234-123412341234}" type="slidenum">
-              <a:rPr lang="en" smtClean="0"/>
-              <a:t>‹#›</a:t>
-            </a:fld>
-            <a:endParaRPr lang="en"/>
-          </a:p>
-        </p:txBody>
-      </p:sp>
-    </p:spTree>
-    <p:extLst>
-      <p:ext uri="{BB962C8B-B14F-4D97-AF65-F5344CB8AC3E}">
-        <p14:creationId xmlns:p14="http://schemas.microsoft.com/office/powerpoint/2010/main" val="1249190445"/>
-      </p:ext>
-    </p:extLst>
-  </p:cSld>
-  <p:clrMapOvr>
-    <a:masterClrMapping/>
-  </p:clrMapOvr>
-  <p:hf sldNum="0" hdr="0" ftr="0" dt="0"/>
-</p:sldLayout>
-</file>
-
-<file path=ppt/slideLayouts/slideLayout14.xml><?xml version="1.0" encoding="utf-8"?>
-<p:sldLayout xmlns:a="http://schemas.openxmlformats.org/drawingml/2006/main" xmlns:r="http://schemas.openxmlformats.org/officeDocument/2006/relationships" xmlns:p="http://schemas.openxmlformats.org/presentationml/2006/main" preserve="1">
-  <p:cSld name="3 Column">
-    <p:spTree>
-      <p:nvGrpSpPr>
-        <p:cNvPr id="1" name=""/>
-        <p:cNvGrpSpPr/>
-        <p:nvPr/>
-      </p:nvGrpSpPr>
-      <p:grpSpPr>
-        <a:xfrm>
-          <a:off x="0" y="0"/>
-          <a:ext cx="0" cy="0"/>
-          <a:chOff x="0" y="0"/>
-          <a:chExt cx="0" cy="0"/>
-        </a:xfrm>
-      </p:grpSpPr>
-      <p:sp>
-        <p:nvSpPr>
-          <p:cNvPr id="2" name="Title 1"/>
-          <p:cNvSpPr>
-            <a:spLocks noGrp="1"/>
-          </p:cNvSpPr>
-          <p:nvPr>
-            <p:ph type="title"/>
-          </p:nvPr>
-        </p:nvSpPr>
-        <p:spPr/>
-        <p:txBody>
-          <a:bodyPr/>
-          <a:lstStyle>
-            <a:lvl1pPr>
-              <a:defRPr sz="3150"/>
-            </a:lvl1pPr>
-          </a:lstStyle>
-          <a:p>
-            <a:r>
-              <a:rPr lang="en-US"/>
-              <a:t>Click to edit Master title style</a:t>
-            </a:r>
-            <a:endParaRPr lang="en-US" dirty="0"/>
-          </a:p>
-        </p:txBody>
-      </p:sp>
-      <p:sp>
-        <p:nvSpPr>
-          <p:cNvPr id="3" name="Text Placeholder 2"/>
-          <p:cNvSpPr>
-            <a:spLocks noGrp="1"/>
-          </p:cNvSpPr>
-          <p:nvPr>
-            <p:ph type="body" idx="1"/>
-          </p:nvPr>
-        </p:nvSpPr>
-        <p:spPr>
-          <a:xfrm>
-            <a:off x="474710" y="1485900"/>
-            <a:ext cx="2210150" cy="432197"/>
-          </a:xfrm>
-        </p:spPr>
-        <p:txBody>
-          <a:bodyPr anchor="b">
-            <a:noAutofit/>
-          </a:bodyPr>
-          <a:lstStyle>
-            <a:lvl1pPr marL="0" indent="0">
-              <a:buNone/>
-              <a:defRPr sz="1800" b="0">
-                <a:solidFill>
-                  <a:schemeClr val="bg2">
-                    <a:lumMod val="40000"/>
-                    <a:lumOff val="60000"/>
-                  </a:schemeClr>
-                </a:solidFill>
-              </a:defRPr>
-            </a:lvl1pPr>
-            <a:lvl2pPr marL="342900" indent="0">
-              <a:buNone/>
-              <a:defRPr sz="1500" b="1"/>
-            </a:lvl2pPr>
-            <a:lvl3pPr marL="685800" indent="0">
-              <a:buNone/>
-              <a:defRPr sz="1350" b="1"/>
-            </a:lvl3pPr>
-            <a:lvl4pPr marL="1028700" indent="0">
-              <a:buNone/>
-              <a:defRPr sz="1200" b="1"/>
-            </a:lvl4pPr>
-            <a:lvl5pPr marL="1371600" indent="0">
-              <a:buNone/>
-              <a:defRPr sz="1200" b="1"/>
-            </a:lvl5pPr>
-            <a:lvl6pPr marL="1714500" indent="0">
-              <a:buNone/>
-              <a:defRPr sz="1200" b="1"/>
-            </a:lvl6pPr>
-            <a:lvl7pPr marL="2057400" indent="0">
-              <a:buNone/>
-              <a:defRPr sz="1200" b="1"/>
-            </a:lvl7pPr>
-            <a:lvl8pPr marL="2400300" indent="0">
-              <a:buNone/>
-              <a:defRPr sz="1200" b="1"/>
-            </a:lvl8pPr>
-            <a:lvl9pPr marL="2743200" indent="0">
-              <a:buNone/>
-              <a:defRPr sz="1200" b="1"/>
-            </a:lvl9pPr>
-          </a:lstStyle>
-          <a:p>
-            <a:pPr lvl="0"/>
-            <a:r>
-              <a:rPr lang="en-US"/>
-              <a:t>Click to edit Master text styles</a:t>
-            </a:r>
-          </a:p>
-        </p:txBody>
-      </p:sp>
-      <p:sp>
-        <p:nvSpPr>
-          <p:cNvPr id="16" name="Text Placeholder 3"/>
-          <p:cNvSpPr>
-            <a:spLocks noGrp="1"/>
-          </p:cNvSpPr>
-          <p:nvPr>
-            <p:ph type="body" sz="half" idx="15"/>
-          </p:nvPr>
-        </p:nvSpPr>
-        <p:spPr>
-          <a:xfrm>
-            <a:off x="489347" y="2000250"/>
-            <a:ext cx="2195513" cy="2692004"/>
-          </a:xfrm>
-        </p:spPr>
-        <p:txBody>
-          <a:bodyPr anchor="t">
-            <a:normAutofit/>
-          </a:bodyPr>
-          <a:lstStyle>
-            <a:lvl1pPr marL="0" indent="0">
-              <a:buNone/>
-              <a:defRPr sz="1050"/>
-            </a:lvl1pPr>
-            <a:lvl2pPr marL="342900" indent="0">
-              <a:buNone/>
-              <a:defRPr sz="900"/>
-            </a:lvl2pPr>
-            <a:lvl3pPr marL="685800" indent="0">
-              <a:buNone/>
-              <a:defRPr sz="750"/>
-            </a:lvl3pPr>
-            <a:lvl4pPr marL="1028700" indent="0">
-              <a:buNone/>
-              <a:defRPr sz="675"/>
-            </a:lvl4pPr>
-            <a:lvl5pPr marL="1371600" indent="0">
-              <a:buNone/>
-              <a:defRPr sz="675"/>
-            </a:lvl5pPr>
-            <a:lvl6pPr marL="1714500" indent="0">
-              <a:buNone/>
-              <a:defRPr sz="675"/>
-            </a:lvl6pPr>
-            <a:lvl7pPr marL="2057400" indent="0">
-              <a:buNone/>
-              <a:defRPr sz="675"/>
-            </a:lvl7pPr>
-            <a:lvl8pPr marL="2400300" indent="0">
-              <a:buNone/>
-              <a:defRPr sz="675"/>
-            </a:lvl8pPr>
-            <a:lvl9pPr marL="2743200" indent="0">
-              <a:buNone/>
-              <a:defRPr sz="675"/>
-            </a:lvl9pPr>
-          </a:lstStyle>
-          <a:p>
-            <a:pPr lvl="0"/>
-            <a:r>
-              <a:rPr lang="en-US"/>
-              <a:t>Click to edit Master text styles</a:t>
-            </a:r>
-          </a:p>
-        </p:txBody>
-      </p:sp>
-      <p:sp>
-        <p:nvSpPr>
-          <p:cNvPr id="5" name="Text Placeholder 4"/>
-          <p:cNvSpPr>
-            <a:spLocks noGrp="1"/>
-          </p:cNvSpPr>
-          <p:nvPr>
-            <p:ph type="body" sz="quarter" idx="3"/>
-          </p:nvPr>
-        </p:nvSpPr>
-        <p:spPr>
-          <a:xfrm>
-            <a:off x="2912745" y="1485900"/>
-            <a:ext cx="2202181" cy="432197"/>
-          </a:xfrm>
-        </p:spPr>
-        <p:txBody>
-          <a:bodyPr anchor="b">
-            <a:noAutofit/>
-          </a:bodyPr>
-          <a:lstStyle>
-            <a:lvl1pPr marL="0" indent="0">
-              <a:buNone/>
-              <a:defRPr sz="1800" b="0">
-                <a:solidFill>
-                  <a:schemeClr val="bg2">
-                    <a:lumMod val="40000"/>
-                    <a:lumOff val="60000"/>
-                  </a:schemeClr>
-                </a:solidFill>
-              </a:defRPr>
-            </a:lvl1pPr>
-            <a:lvl2pPr marL="342900" indent="0">
-              <a:buNone/>
-              <a:defRPr sz="1500" b="1"/>
-            </a:lvl2pPr>
-            <a:lvl3pPr marL="685800" indent="0">
-              <a:buNone/>
-              <a:defRPr sz="1350" b="1"/>
-            </a:lvl3pPr>
-            <a:lvl4pPr marL="1028700" indent="0">
-              <a:buNone/>
-              <a:defRPr sz="1200" b="1"/>
-            </a:lvl4pPr>
-            <a:lvl5pPr marL="1371600" indent="0">
-              <a:buNone/>
-              <a:defRPr sz="1200" b="1"/>
-            </a:lvl5pPr>
-            <a:lvl6pPr marL="1714500" indent="0">
-              <a:buNone/>
-              <a:defRPr sz="1200" b="1"/>
-            </a:lvl6pPr>
-            <a:lvl7pPr marL="2057400" indent="0">
-              <a:buNone/>
-              <a:defRPr sz="1200" b="1"/>
-            </a:lvl7pPr>
-            <a:lvl8pPr marL="2400300" indent="0">
-              <a:buNone/>
-              <a:defRPr sz="1200" b="1"/>
-            </a:lvl8pPr>
-            <a:lvl9pPr marL="2743200" indent="0">
-              <a:buNone/>
-              <a:defRPr sz="1200" b="1"/>
-            </a:lvl9pPr>
-          </a:lstStyle>
-          <a:p>
-            <a:pPr lvl="0"/>
-            <a:r>
-              <a:rPr lang="en-US"/>
-              <a:t>Click to edit Master text styles</a:t>
-            </a:r>
-          </a:p>
-        </p:txBody>
-      </p:sp>
-      <p:sp>
-        <p:nvSpPr>
-          <p:cNvPr id="19" name="Text Placeholder 3"/>
-          <p:cNvSpPr>
-            <a:spLocks noGrp="1"/>
-          </p:cNvSpPr>
-          <p:nvPr>
-            <p:ph type="body" sz="half" idx="16"/>
-          </p:nvPr>
-        </p:nvSpPr>
-        <p:spPr>
-          <a:xfrm>
-            <a:off x="2904829" y="2000250"/>
-            <a:ext cx="2210096" cy="2692004"/>
-          </a:xfrm>
-        </p:spPr>
-        <p:txBody>
-          <a:bodyPr anchor="t">
-            <a:normAutofit/>
-          </a:bodyPr>
-          <a:lstStyle>
-            <a:lvl1pPr marL="0" indent="0">
-              <a:buNone/>
-              <a:defRPr sz="1050"/>
-            </a:lvl1pPr>
-            <a:lvl2pPr marL="342900" indent="0">
-              <a:buNone/>
-              <a:defRPr sz="900"/>
-            </a:lvl2pPr>
-            <a:lvl3pPr marL="685800" indent="0">
-              <a:buNone/>
-              <a:defRPr sz="750"/>
-            </a:lvl3pPr>
-            <a:lvl4pPr marL="1028700" indent="0">
-              <a:buNone/>
-              <a:defRPr sz="675"/>
-            </a:lvl4pPr>
-            <a:lvl5pPr marL="1371600" indent="0">
-              <a:buNone/>
-              <a:defRPr sz="675"/>
-            </a:lvl5pPr>
-            <a:lvl6pPr marL="1714500" indent="0">
-              <a:buNone/>
-              <a:defRPr sz="675"/>
-            </a:lvl6pPr>
-            <a:lvl7pPr marL="2057400" indent="0">
-              <a:buNone/>
-              <a:defRPr sz="675"/>
-            </a:lvl7pPr>
-            <a:lvl8pPr marL="2400300" indent="0">
-              <a:buNone/>
-              <a:defRPr sz="675"/>
-            </a:lvl8pPr>
-            <a:lvl9pPr marL="2743200" indent="0">
-              <a:buNone/>
-              <a:defRPr sz="675"/>
-            </a:lvl9pPr>
-          </a:lstStyle>
-          <a:p>
-            <a:pPr lvl="0"/>
-            <a:r>
-              <a:rPr lang="en-US"/>
-              <a:t>Click to edit Master text styles</a:t>
-            </a:r>
-          </a:p>
-        </p:txBody>
-      </p:sp>
-      <p:sp>
-        <p:nvSpPr>
-          <p:cNvPr id="14" name="Text Placeholder 4"/>
-          <p:cNvSpPr>
-            <a:spLocks noGrp="1"/>
-          </p:cNvSpPr>
-          <p:nvPr>
-            <p:ph type="body" sz="quarter" idx="13"/>
-          </p:nvPr>
-        </p:nvSpPr>
-        <p:spPr>
-          <a:xfrm>
-            <a:off x="5343525" y="1485900"/>
-            <a:ext cx="2199085" cy="432197"/>
-          </a:xfrm>
-        </p:spPr>
-        <p:txBody>
-          <a:bodyPr anchor="b">
-            <a:noAutofit/>
-          </a:bodyPr>
-          <a:lstStyle>
-            <a:lvl1pPr marL="0" indent="0">
-              <a:buNone/>
-              <a:defRPr sz="1800" b="0">
-                <a:solidFill>
-                  <a:schemeClr val="bg2">
-                    <a:lumMod val="40000"/>
-                    <a:lumOff val="60000"/>
-                  </a:schemeClr>
-                </a:solidFill>
-              </a:defRPr>
-            </a:lvl1pPr>
-            <a:lvl2pPr marL="342900" indent="0">
-              <a:buNone/>
-              <a:defRPr sz="1500" b="1"/>
-            </a:lvl2pPr>
-            <a:lvl3pPr marL="685800" indent="0">
-              <a:buNone/>
-              <a:defRPr sz="1350" b="1"/>
-            </a:lvl3pPr>
-            <a:lvl4pPr marL="1028700" indent="0">
-              <a:buNone/>
-              <a:defRPr sz="1200" b="1"/>
-            </a:lvl4pPr>
-            <a:lvl5pPr marL="1371600" indent="0">
-              <a:buNone/>
-              <a:defRPr sz="1200" b="1"/>
-            </a:lvl5pPr>
-            <a:lvl6pPr marL="1714500" indent="0">
-              <a:buNone/>
-              <a:defRPr sz="1200" b="1"/>
-            </a:lvl6pPr>
-            <a:lvl7pPr marL="2057400" indent="0">
-              <a:buNone/>
-              <a:defRPr sz="1200" b="1"/>
-            </a:lvl7pPr>
-            <a:lvl8pPr marL="2400300" indent="0">
-              <a:buNone/>
-              <a:defRPr sz="1200" b="1"/>
-            </a:lvl8pPr>
-            <a:lvl9pPr marL="2743200" indent="0">
-              <a:buNone/>
-              <a:defRPr sz="1200" b="1"/>
-            </a:lvl9pPr>
-          </a:lstStyle>
-          <a:p>
-            <a:pPr lvl="0"/>
-            <a:r>
-              <a:rPr lang="en-US"/>
-              <a:t>Click to edit Master text styles</a:t>
-            </a:r>
-          </a:p>
-        </p:txBody>
-      </p:sp>
-      <p:sp>
-        <p:nvSpPr>
-          <p:cNvPr id="20" name="Text Placeholder 3"/>
-          <p:cNvSpPr>
-            <a:spLocks noGrp="1"/>
-          </p:cNvSpPr>
-          <p:nvPr>
-            <p:ph type="body" sz="half" idx="17"/>
-          </p:nvPr>
-        </p:nvSpPr>
-        <p:spPr>
-          <a:xfrm>
-            <a:off x="5343525" y="2000250"/>
-            <a:ext cx="2199085" cy="2692004"/>
-          </a:xfrm>
-        </p:spPr>
-        <p:txBody>
-          <a:bodyPr anchor="t">
-            <a:normAutofit/>
-          </a:bodyPr>
-          <a:lstStyle>
-            <a:lvl1pPr marL="0" indent="0">
-              <a:buNone/>
-              <a:defRPr sz="1050"/>
-            </a:lvl1pPr>
-            <a:lvl2pPr marL="342900" indent="0">
-              <a:buNone/>
-              <a:defRPr sz="900"/>
-            </a:lvl2pPr>
-            <a:lvl3pPr marL="685800" indent="0">
-              <a:buNone/>
-              <a:defRPr sz="750"/>
-            </a:lvl3pPr>
-            <a:lvl4pPr marL="1028700" indent="0">
-              <a:buNone/>
-              <a:defRPr sz="675"/>
-            </a:lvl4pPr>
-            <a:lvl5pPr marL="1371600" indent="0">
-              <a:buNone/>
-              <a:defRPr sz="675"/>
-            </a:lvl5pPr>
-            <a:lvl6pPr marL="1714500" indent="0">
-              <a:buNone/>
-              <a:defRPr sz="675"/>
-            </a:lvl6pPr>
-            <a:lvl7pPr marL="2057400" indent="0">
-              <a:buNone/>
-              <a:defRPr sz="675"/>
-            </a:lvl7pPr>
-            <a:lvl8pPr marL="2400300" indent="0">
-              <a:buNone/>
-              <a:defRPr sz="675"/>
-            </a:lvl8pPr>
-            <a:lvl9pPr marL="2743200" indent="0">
-              <a:buNone/>
-              <a:defRPr sz="675"/>
-            </a:lvl9pPr>
-          </a:lstStyle>
-          <a:p>
-            <a:pPr lvl="0"/>
-            <a:r>
-              <a:rPr lang="en-US"/>
-              <a:t>Click to edit Master text styles</a:t>
-            </a:r>
-          </a:p>
-        </p:txBody>
-      </p:sp>
-      <p:cxnSp>
-        <p:nvCxnSpPr>
-          <p:cNvPr id="17" name="Straight Connector 16"/>
-          <p:cNvCxnSpPr/>
-          <p:nvPr/>
-        </p:nvCxnSpPr>
-        <p:spPr>
-          <a:xfrm>
-            <a:off x="2794607" y="1600200"/>
-            <a:ext cx="0" cy="2971800"/>
-          </a:xfrm>
-          <a:prstGeom prst="line">
-            <a:avLst/>
-          </a:prstGeom>
-          <a:ln w="12700" cmpd="sng">
-            <a:solidFill>
-              <a:schemeClr val="bg2">
-                <a:lumMod val="40000"/>
-                <a:lumOff val="60000"/>
-                <a:alpha val="40000"/>
-              </a:schemeClr>
-            </a:solidFill>
-          </a:ln>
-        </p:spPr>
-        <p:style>
-          <a:lnRef idx="2">
-            <a:schemeClr val="accent1"/>
-          </a:lnRef>
-          <a:fillRef idx="0">
-            <a:schemeClr val="accent1"/>
-          </a:fillRef>
-          <a:effectRef idx="1">
-            <a:schemeClr val="accent1"/>
-          </a:effectRef>
-          <a:fontRef idx="minor">
-            <a:schemeClr val="tx1"/>
-          </a:fontRef>
-        </p:style>
-      </p:cxnSp>
-      <p:cxnSp>
-        <p:nvCxnSpPr>
-          <p:cNvPr id="18" name="Straight Connector 17"/>
-          <p:cNvCxnSpPr/>
-          <p:nvPr/>
-        </p:nvCxnSpPr>
-        <p:spPr>
-          <a:xfrm>
-            <a:off x="5221670" y="1600200"/>
-            <a:ext cx="0" cy="2975162"/>
-          </a:xfrm>
-          <a:prstGeom prst="line">
-            <a:avLst/>
-          </a:prstGeom>
-          <a:ln w="12700" cmpd="sng">
-            <a:solidFill>
-              <a:schemeClr val="bg2">
-                <a:lumMod val="40000"/>
-                <a:lumOff val="60000"/>
-                <a:alpha val="40000"/>
-              </a:schemeClr>
-            </a:solidFill>
-          </a:ln>
-        </p:spPr>
-        <p:style>
-          <a:lnRef idx="2">
-            <a:schemeClr val="accent1"/>
-          </a:lnRef>
-          <a:fillRef idx="0">
-            <a:schemeClr val="accent1"/>
-          </a:fillRef>
-          <a:effectRef idx="1">
-            <a:schemeClr val="accent1"/>
-          </a:effectRef>
-          <a:fontRef idx="minor">
-            <a:schemeClr val="tx1"/>
-          </a:fontRef>
-        </p:style>
-      </p:cxnSp>
-      <p:sp>
-        <p:nvSpPr>
-          <p:cNvPr id="7" name="Date Placeholder 3"/>
-          <p:cNvSpPr>
-            <a:spLocks noGrp="1"/>
-          </p:cNvSpPr>
-          <p:nvPr>
-            <p:ph type="dt" sz="half" idx="10"/>
-          </p:nvPr>
-        </p:nvSpPr>
-        <p:spPr/>
-        <p:txBody>
-          <a:bodyPr/>
-          <a:lstStyle/>
-          <a:p>
-            <a:fld id="{4509A250-FF31-4206-8172-F9D3106AACB1}" type="datetimeFigureOut">
-              <a:rPr lang="en-US" dirty="0"/>
-              <a:t>9/26/2022</a:t>
-            </a:fld>
-            <a:endParaRPr lang="en-US" dirty="0"/>
-          </a:p>
-        </p:txBody>
-      </p:sp>
-      <p:sp>
-        <p:nvSpPr>
-          <p:cNvPr id="4" name="Footer Placeholder 4"/>
-          <p:cNvSpPr>
-            <a:spLocks noGrp="1"/>
-          </p:cNvSpPr>
-          <p:nvPr>
-            <p:ph type="ftr" sz="quarter" idx="11"/>
-          </p:nvPr>
-        </p:nvSpPr>
-        <p:spPr/>
-        <p:txBody>
-          <a:bodyPr/>
-          <a:lstStyle/>
-          <a:p>
-            <a:endParaRPr lang="en-US" dirty="0"/>
-          </a:p>
-        </p:txBody>
-      </p:sp>
-      <p:sp>
-        <p:nvSpPr>
-          <p:cNvPr id="6" name="Slide Number Placeholder 5"/>
-          <p:cNvSpPr>
-            <a:spLocks noGrp="1"/>
-          </p:cNvSpPr>
-          <p:nvPr>
-            <p:ph type="sldNum" sz="quarter" idx="12"/>
-          </p:nvPr>
-        </p:nvSpPr>
-        <p:spPr/>
-        <p:txBody>
-          <a:bodyPr/>
-          <a:lstStyle/>
-          <a:p>
-            <a:pPr marL="0" lvl="0" indent="0" algn="r" rtl="0">
-              <a:spcBef>
-                <a:spcPts val="0"/>
-              </a:spcBef>
-              <a:spcAft>
-                <a:spcPts val="0"/>
-              </a:spcAft>
-              <a:buNone/>
-            </a:pPr>
-            <a:fld id="{00000000-1234-1234-1234-123412341234}" type="slidenum">
-              <a:rPr lang="en" smtClean="0"/>
-              <a:t>‹#›</a:t>
-            </a:fld>
-            <a:endParaRPr lang="en"/>
-          </a:p>
-        </p:txBody>
-      </p:sp>
-    </p:spTree>
-    <p:extLst>
-      <p:ext uri="{BB962C8B-B14F-4D97-AF65-F5344CB8AC3E}">
-        <p14:creationId xmlns:p14="http://schemas.microsoft.com/office/powerpoint/2010/main" val="1946988433"/>
-      </p:ext>
-    </p:extLst>
-  </p:cSld>
-  <p:clrMapOvr>
-    <a:masterClrMapping/>
-  </p:clrMapOvr>
-  <p:hf sldNum="0" hdr="0" ftr="0" dt="0"/>
-</p:sldLayout>
-</file>
-
-<file path=ppt/slideLayouts/slideLayout15.xml><?xml version="1.0" encoding="utf-8"?>
-<p:sldLayout xmlns:a="http://schemas.openxmlformats.org/drawingml/2006/main" xmlns:r="http://schemas.openxmlformats.org/officeDocument/2006/relationships" xmlns:p="http://schemas.openxmlformats.org/presentationml/2006/main" preserve="1">
-  <p:cSld name="3 Picture Column">
-    <p:spTree>
-      <p:nvGrpSpPr>
-        <p:cNvPr id="1" name=""/>
-        <p:cNvGrpSpPr/>
-        <p:nvPr/>
-      </p:nvGrpSpPr>
-      <p:grpSpPr>
-        <a:xfrm>
-          <a:off x="0" y="0"/>
-          <a:ext cx="0" cy="0"/>
-          <a:chOff x="0" y="0"/>
-          <a:chExt cx="0" cy="0"/>
-        </a:xfrm>
-      </p:grpSpPr>
-      <p:sp>
-        <p:nvSpPr>
-          <p:cNvPr id="2" name="Title 1"/>
-          <p:cNvSpPr>
-            <a:spLocks noGrp="1"/>
-          </p:cNvSpPr>
-          <p:nvPr>
-            <p:ph type="title"/>
-          </p:nvPr>
-        </p:nvSpPr>
-        <p:spPr/>
-        <p:txBody>
-          <a:bodyPr/>
-          <a:lstStyle>
-            <a:lvl1pPr>
-              <a:defRPr sz="3150"/>
-            </a:lvl1pPr>
-          </a:lstStyle>
-          <a:p>
-            <a:r>
-              <a:rPr lang="en-US"/>
-              <a:t>Click to edit Master title style</a:t>
-            </a:r>
-            <a:endParaRPr lang="en-US" dirty="0"/>
-          </a:p>
-        </p:txBody>
-      </p:sp>
-      <p:sp>
-        <p:nvSpPr>
-          <p:cNvPr id="3" name="Text Placeholder 2"/>
-          <p:cNvSpPr>
-            <a:spLocks noGrp="1"/>
-          </p:cNvSpPr>
-          <p:nvPr>
-            <p:ph type="body" idx="1"/>
-          </p:nvPr>
-        </p:nvSpPr>
-        <p:spPr>
-          <a:xfrm>
-            <a:off x="489347" y="3188212"/>
-            <a:ext cx="2205038" cy="432197"/>
-          </a:xfrm>
-        </p:spPr>
-        <p:txBody>
-          <a:bodyPr anchor="b">
-            <a:noAutofit/>
-          </a:bodyPr>
-          <a:lstStyle>
-            <a:lvl1pPr marL="0" indent="0">
-              <a:buNone/>
-              <a:defRPr sz="1800" b="0">
-                <a:solidFill>
-                  <a:schemeClr val="bg2">
-                    <a:lumMod val="40000"/>
-                    <a:lumOff val="60000"/>
-                  </a:schemeClr>
-                </a:solidFill>
-              </a:defRPr>
-            </a:lvl1pPr>
-            <a:lvl2pPr marL="342900" indent="0">
-              <a:buNone/>
-              <a:defRPr sz="1500" b="1"/>
-            </a:lvl2pPr>
-            <a:lvl3pPr marL="685800" indent="0">
-              <a:buNone/>
-              <a:defRPr sz="1350" b="1"/>
-            </a:lvl3pPr>
-            <a:lvl4pPr marL="1028700" indent="0">
-              <a:buNone/>
-              <a:defRPr sz="1200" b="1"/>
-            </a:lvl4pPr>
-            <a:lvl5pPr marL="1371600" indent="0">
-              <a:buNone/>
-              <a:defRPr sz="1200" b="1"/>
-            </a:lvl5pPr>
-            <a:lvl6pPr marL="1714500" indent="0">
-              <a:buNone/>
-              <a:defRPr sz="1200" b="1"/>
-            </a:lvl6pPr>
-            <a:lvl7pPr marL="2057400" indent="0">
-              <a:buNone/>
-              <a:defRPr sz="1200" b="1"/>
-            </a:lvl7pPr>
-            <a:lvl8pPr marL="2400300" indent="0">
-              <a:buNone/>
-              <a:defRPr sz="1200" b="1"/>
-            </a:lvl8pPr>
-            <a:lvl9pPr marL="2743200" indent="0">
-              <a:buNone/>
-              <a:defRPr sz="1200" b="1"/>
-            </a:lvl9pPr>
-          </a:lstStyle>
-          <a:p>
-            <a:pPr lvl="0"/>
-            <a:r>
-              <a:rPr lang="en-US"/>
-              <a:t>Click to edit Master text styles</a:t>
-            </a:r>
-          </a:p>
-        </p:txBody>
-      </p:sp>
-      <p:sp>
-        <p:nvSpPr>
-          <p:cNvPr id="29" name="Picture Placeholder 2"/>
-          <p:cNvSpPr>
-            <a:spLocks noGrp="1" noChangeAspect="1"/>
-          </p:cNvSpPr>
-          <p:nvPr>
-            <p:ph type="pic" idx="15"/>
-          </p:nvPr>
-        </p:nvSpPr>
-        <p:spPr>
-          <a:xfrm>
-            <a:off x="489347" y="1657350"/>
-            <a:ext cx="2205038" cy="1143000"/>
-          </a:xfrm>
-          <a:prstGeom prst="roundRect">
-            <a:avLst>
-              <a:gd name="adj" fmla="val 1858"/>
-            </a:avLst>
-          </a:prstGeom>
-          <a:effectLst>
-            <a:outerShdw blurRad="50800" dist="50800" dir="5400000" algn="tl" rotWithShape="0">
-              <a:srgbClr val="000000">
-                <a:alpha val="43000"/>
-              </a:srgbClr>
-            </a:outerShdw>
-          </a:effectLst>
-        </p:spPr>
-        <p:txBody>
-          <a:bodyPr anchor="t">
-            <a:normAutofit/>
-          </a:bodyPr>
-          <a:lstStyle>
-            <a:lvl1pPr marL="0" indent="0" algn="ctr">
-              <a:buNone/>
-              <a:defRPr sz="1200"/>
-            </a:lvl1pPr>
-            <a:lvl2pPr marL="342900" indent="0">
-              <a:buNone/>
-              <a:defRPr sz="1200"/>
-            </a:lvl2pPr>
-            <a:lvl3pPr marL="685800" indent="0">
-              <a:buNone/>
-              <a:defRPr sz="1200"/>
-            </a:lvl3pPr>
-            <a:lvl4pPr marL="1028700" indent="0">
-              <a:buNone/>
-              <a:defRPr sz="1200"/>
-            </a:lvl4pPr>
-            <a:lvl5pPr marL="1371600" indent="0">
-              <a:buNone/>
-              <a:defRPr sz="1200"/>
-            </a:lvl5pPr>
-            <a:lvl6pPr marL="1714500" indent="0">
-              <a:buNone/>
-              <a:defRPr sz="1200"/>
-            </a:lvl6pPr>
-            <a:lvl7pPr marL="2057400" indent="0">
-              <a:buNone/>
-              <a:defRPr sz="1200"/>
-            </a:lvl7pPr>
-            <a:lvl8pPr marL="2400300" indent="0">
-              <a:buNone/>
-              <a:defRPr sz="1200"/>
-            </a:lvl8pPr>
-            <a:lvl9pPr marL="2743200" indent="0">
-              <a:buNone/>
-              <a:defRPr sz="1200"/>
-            </a:lvl9pPr>
-          </a:lstStyle>
-          <a:p>
-            <a:r>
-              <a:rPr lang="en-US"/>
-              <a:t>Click icon to add picture</a:t>
-            </a:r>
-            <a:endParaRPr lang="en-US" dirty="0"/>
-          </a:p>
-        </p:txBody>
-      </p:sp>
-      <p:sp>
-        <p:nvSpPr>
-          <p:cNvPr id="22" name="Text Placeholder 3"/>
-          <p:cNvSpPr>
-            <a:spLocks noGrp="1"/>
-          </p:cNvSpPr>
-          <p:nvPr>
-            <p:ph type="body" sz="half" idx="18"/>
-          </p:nvPr>
-        </p:nvSpPr>
-        <p:spPr>
-          <a:xfrm>
-            <a:off x="489347" y="3620409"/>
-            <a:ext cx="2205038" cy="494392"/>
-          </a:xfrm>
-        </p:spPr>
-        <p:txBody>
-          <a:bodyPr anchor="t">
-            <a:normAutofit/>
-          </a:bodyPr>
-          <a:lstStyle>
-            <a:lvl1pPr marL="0" indent="0">
-              <a:buNone/>
-              <a:defRPr sz="1050"/>
-            </a:lvl1pPr>
-            <a:lvl2pPr marL="342900" indent="0">
-              <a:buNone/>
-              <a:defRPr sz="900"/>
-            </a:lvl2pPr>
-            <a:lvl3pPr marL="685800" indent="0">
-              <a:buNone/>
-              <a:defRPr sz="750"/>
-            </a:lvl3pPr>
-            <a:lvl4pPr marL="1028700" indent="0">
-              <a:buNone/>
-              <a:defRPr sz="675"/>
-            </a:lvl4pPr>
-            <a:lvl5pPr marL="1371600" indent="0">
-              <a:buNone/>
-              <a:defRPr sz="675"/>
-            </a:lvl5pPr>
-            <a:lvl6pPr marL="1714500" indent="0">
-              <a:buNone/>
-              <a:defRPr sz="675"/>
-            </a:lvl6pPr>
-            <a:lvl7pPr marL="2057400" indent="0">
-              <a:buNone/>
-              <a:defRPr sz="675"/>
-            </a:lvl7pPr>
-            <a:lvl8pPr marL="2400300" indent="0">
-              <a:buNone/>
-              <a:defRPr sz="675"/>
-            </a:lvl8pPr>
-            <a:lvl9pPr marL="2743200" indent="0">
-              <a:buNone/>
-              <a:defRPr sz="675"/>
-            </a:lvl9pPr>
-          </a:lstStyle>
-          <a:p>
-            <a:pPr lvl="0"/>
-            <a:r>
-              <a:rPr lang="en-US"/>
-              <a:t>Click to edit Master text styles</a:t>
-            </a:r>
-          </a:p>
-        </p:txBody>
-      </p:sp>
-      <p:sp>
-        <p:nvSpPr>
-          <p:cNvPr id="5" name="Text Placeholder 4"/>
-          <p:cNvSpPr>
-            <a:spLocks noGrp="1"/>
-          </p:cNvSpPr>
-          <p:nvPr>
-            <p:ph type="body" sz="quarter" idx="3"/>
-          </p:nvPr>
-        </p:nvSpPr>
-        <p:spPr>
-          <a:xfrm>
-            <a:off x="2917032" y="3188212"/>
-            <a:ext cx="2197894" cy="432197"/>
-          </a:xfrm>
-        </p:spPr>
-        <p:txBody>
-          <a:bodyPr anchor="b">
-            <a:noAutofit/>
-          </a:bodyPr>
-          <a:lstStyle>
-            <a:lvl1pPr marL="0" indent="0">
-              <a:buNone/>
-              <a:defRPr sz="1800" b="0">
-                <a:solidFill>
-                  <a:schemeClr val="bg2">
-                    <a:lumMod val="40000"/>
-                    <a:lumOff val="60000"/>
-                  </a:schemeClr>
-                </a:solidFill>
-              </a:defRPr>
-            </a:lvl1pPr>
-            <a:lvl2pPr marL="342900" indent="0">
-              <a:buNone/>
-              <a:defRPr sz="1500" b="1"/>
-            </a:lvl2pPr>
-            <a:lvl3pPr marL="685800" indent="0">
-              <a:buNone/>
-              <a:defRPr sz="1350" b="1"/>
-            </a:lvl3pPr>
-            <a:lvl4pPr marL="1028700" indent="0">
-              <a:buNone/>
-              <a:defRPr sz="1200" b="1"/>
-            </a:lvl4pPr>
-            <a:lvl5pPr marL="1371600" indent="0">
-              <a:buNone/>
-              <a:defRPr sz="1200" b="1"/>
-            </a:lvl5pPr>
-            <a:lvl6pPr marL="1714500" indent="0">
-              <a:buNone/>
-              <a:defRPr sz="1200" b="1"/>
-            </a:lvl6pPr>
-            <a:lvl7pPr marL="2057400" indent="0">
-              <a:buNone/>
-              <a:defRPr sz="1200" b="1"/>
-            </a:lvl7pPr>
-            <a:lvl8pPr marL="2400300" indent="0">
-              <a:buNone/>
-              <a:defRPr sz="1200" b="1"/>
-            </a:lvl8pPr>
-            <a:lvl9pPr marL="2743200" indent="0">
-              <a:buNone/>
-              <a:defRPr sz="1200" b="1"/>
-            </a:lvl9pPr>
-          </a:lstStyle>
-          <a:p>
-            <a:pPr lvl="0"/>
-            <a:r>
-              <a:rPr lang="en-US"/>
-              <a:t>Click to edit Master text styles</a:t>
-            </a:r>
-          </a:p>
-        </p:txBody>
-      </p:sp>
-      <p:sp>
-        <p:nvSpPr>
-          <p:cNvPr id="30" name="Picture Placeholder 2"/>
-          <p:cNvSpPr>
-            <a:spLocks noGrp="1" noChangeAspect="1"/>
-          </p:cNvSpPr>
-          <p:nvPr>
-            <p:ph type="pic" idx="21"/>
-          </p:nvPr>
-        </p:nvSpPr>
-        <p:spPr>
-          <a:xfrm>
-            <a:off x="2917031" y="1657350"/>
-            <a:ext cx="2197894" cy="1143000"/>
-          </a:xfrm>
-          <a:prstGeom prst="roundRect">
-            <a:avLst>
-              <a:gd name="adj" fmla="val 1858"/>
-            </a:avLst>
-          </a:prstGeom>
-          <a:effectLst>
-            <a:outerShdw blurRad="50800" dist="50800" dir="5400000" algn="tl" rotWithShape="0">
-              <a:srgbClr val="000000">
-                <a:alpha val="43000"/>
-              </a:srgbClr>
-            </a:outerShdw>
-          </a:effectLst>
-        </p:spPr>
-        <p:txBody>
-          <a:bodyPr anchor="t">
-            <a:normAutofit/>
-          </a:bodyPr>
-          <a:lstStyle>
-            <a:lvl1pPr marL="0" indent="0" algn="ctr">
-              <a:buNone/>
-              <a:defRPr sz="1200"/>
-            </a:lvl1pPr>
-            <a:lvl2pPr marL="342900" indent="0">
-              <a:buNone/>
-              <a:defRPr sz="1200"/>
-            </a:lvl2pPr>
-            <a:lvl3pPr marL="685800" indent="0">
-              <a:buNone/>
-              <a:defRPr sz="1200"/>
-            </a:lvl3pPr>
-            <a:lvl4pPr marL="1028700" indent="0">
-              <a:buNone/>
-              <a:defRPr sz="1200"/>
-            </a:lvl4pPr>
-            <a:lvl5pPr marL="1371600" indent="0">
-              <a:buNone/>
-              <a:defRPr sz="1200"/>
-            </a:lvl5pPr>
-            <a:lvl6pPr marL="1714500" indent="0">
-              <a:buNone/>
-              <a:defRPr sz="1200"/>
-            </a:lvl6pPr>
-            <a:lvl7pPr marL="2057400" indent="0">
-              <a:buNone/>
-              <a:defRPr sz="1200"/>
-            </a:lvl7pPr>
-            <a:lvl8pPr marL="2400300" indent="0">
-              <a:buNone/>
-              <a:defRPr sz="1200"/>
-            </a:lvl8pPr>
-            <a:lvl9pPr marL="2743200" indent="0">
-              <a:buNone/>
-              <a:defRPr sz="1200"/>
-            </a:lvl9pPr>
-          </a:lstStyle>
-          <a:p>
-            <a:r>
-              <a:rPr lang="en-US"/>
-              <a:t>Click icon to add picture</a:t>
-            </a:r>
-            <a:endParaRPr lang="en-US" dirty="0"/>
-          </a:p>
-        </p:txBody>
-      </p:sp>
-      <p:sp>
-        <p:nvSpPr>
-          <p:cNvPr id="23" name="Text Placeholder 3"/>
-          <p:cNvSpPr>
-            <a:spLocks noGrp="1"/>
-          </p:cNvSpPr>
-          <p:nvPr>
-            <p:ph type="body" sz="half" idx="19"/>
-          </p:nvPr>
-        </p:nvSpPr>
-        <p:spPr>
-          <a:xfrm>
-            <a:off x="2916016" y="3620408"/>
-            <a:ext cx="2200805" cy="494392"/>
-          </a:xfrm>
-        </p:spPr>
-        <p:txBody>
-          <a:bodyPr anchor="t">
-            <a:normAutofit/>
-          </a:bodyPr>
-          <a:lstStyle>
-            <a:lvl1pPr marL="0" indent="0">
-              <a:buNone/>
-              <a:defRPr sz="1050"/>
-            </a:lvl1pPr>
-            <a:lvl2pPr marL="342900" indent="0">
-              <a:buNone/>
-              <a:defRPr sz="900"/>
-            </a:lvl2pPr>
-            <a:lvl3pPr marL="685800" indent="0">
-              <a:buNone/>
-              <a:defRPr sz="750"/>
-            </a:lvl3pPr>
-            <a:lvl4pPr marL="1028700" indent="0">
-              <a:buNone/>
-              <a:defRPr sz="675"/>
-            </a:lvl4pPr>
-            <a:lvl5pPr marL="1371600" indent="0">
-              <a:buNone/>
-              <a:defRPr sz="675"/>
-            </a:lvl5pPr>
-            <a:lvl6pPr marL="1714500" indent="0">
-              <a:buNone/>
-              <a:defRPr sz="675"/>
-            </a:lvl6pPr>
-            <a:lvl7pPr marL="2057400" indent="0">
-              <a:buNone/>
-              <a:defRPr sz="675"/>
-            </a:lvl7pPr>
-            <a:lvl8pPr marL="2400300" indent="0">
-              <a:buNone/>
-              <a:defRPr sz="675"/>
-            </a:lvl8pPr>
-            <a:lvl9pPr marL="2743200" indent="0">
-              <a:buNone/>
-              <a:defRPr sz="675"/>
-            </a:lvl9pPr>
-          </a:lstStyle>
-          <a:p>
-            <a:pPr lvl="0"/>
-            <a:r>
-              <a:rPr lang="en-US"/>
-              <a:t>Click to edit Master text styles</a:t>
-            </a:r>
-          </a:p>
-        </p:txBody>
-      </p:sp>
-      <p:sp>
-        <p:nvSpPr>
-          <p:cNvPr id="14" name="Text Placeholder 4"/>
-          <p:cNvSpPr>
-            <a:spLocks noGrp="1"/>
-          </p:cNvSpPr>
-          <p:nvPr>
-            <p:ph type="body" sz="quarter" idx="13"/>
-          </p:nvPr>
-        </p:nvSpPr>
-        <p:spPr>
-          <a:xfrm>
-            <a:off x="5343525" y="3188212"/>
-            <a:ext cx="2199085" cy="432197"/>
-          </a:xfrm>
-        </p:spPr>
-        <p:txBody>
-          <a:bodyPr anchor="b">
-            <a:noAutofit/>
-          </a:bodyPr>
-          <a:lstStyle>
-            <a:lvl1pPr marL="0" indent="0">
-              <a:buNone/>
-              <a:defRPr sz="1800" b="0">
-                <a:solidFill>
-                  <a:schemeClr val="bg2">
-                    <a:lumMod val="40000"/>
-                    <a:lumOff val="60000"/>
-                  </a:schemeClr>
-                </a:solidFill>
-              </a:defRPr>
-            </a:lvl1pPr>
-            <a:lvl2pPr marL="342900" indent="0">
-              <a:buNone/>
-              <a:defRPr sz="1500" b="1"/>
-            </a:lvl2pPr>
-            <a:lvl3pPr marL="685800" indent="0">
-              <a:buNone/>
-              <a:defRPr sz="1350" b="1"/>
-            </a:lvl3pPr>
-            <a:lvl4pPr marL="1028700" indent="0">
-              <a:buNone/>
-              <a:defRPr sz="1200" b="1"/>
-            </a:lvl4pPr>
-            <a:lvl5pPr marL="1371600" indent="0">
-              <a:buNone/>
-              <a:defRPr sz="1200" b="1"/>
-            </a:lvl5pPr>
-            <a:lvl6pPr marL="1714500" indent="0">
-              <a:buNone/>
-              <a:defRPr sz="1200" b="1"/>
-            </a:lvl6pPr>
-            <a:lvl7pPr marL="2057400" indent="0">
-              <a:buNone/>
-              <a:defRPr sz="1200" b="1"/>
-            </a:lvl7pPr>
-            <a:lvl8pPr marL="2400300" indent="0">
-              <a:buNone/>
-              <a:defRPr sz="1200" b="1"/>
-            </a:lvl8pPr>
-            <a:lvl9pPr marL="2743200" indent="0">
-              <a:buNone/>
-              <a:defRPr sz="1200" b="1"/>
-            </a:lvl9pPr>
-          </a:lstStyle>
-          <a:p>
-            <a:pPr lvl="0"/>
-            <a:r>
-              <a:rPr lang="en-US"/>
-              <a:t>Click to edit Master text styles</a:t>
-            </a:r>
-          </a:p>
-        </p:txBody>
-      </p:sp>
-      <p:sp>
-        <p:nvSpPr>
-          <p:cNvPr id="31" name="Picture Placeholder 2"/>
-          <p:cNvSpPr>
-            <a:spLocks noGrp="1" noChangeAspect="1"/>
-          </p:cNvSpPr>
-          <p:nvPr>
-            <p:ph type="pic" idx="22"/>
-          </p:nvPr>
-        </p:nvSpPr>
-        <p:spPr>
-          <a:xfrm>
-            <a:off x="5343525" y="1657350"/>
-            <a:ext cx="2199085" cy="1143000"/>
-          </a:xfrm>
-          <a:prstGeom prst="roundRect">
-            <a:avLst>
-              <a:gd name="adj" fmla="val 1858"/>
-            </a:avLst>
-          </a:prstGeom>
-          <a:effectLst>
-            <a:outerShdw blurRad="50800" dist="50800" dir="5400000" algn="tl" rotWithShape="0">
-              <a:srgbClr val="000000">
-                <a:alpha val="43000"/>
-              </a:srgbClr>
-            </a:outerShdw>
-          </a:effectLst>
-        </p:spPr>
-        <p:txBody>
-          <a:bodyPr anchor="t">
-            <a:normAutofit/>
-          </a:bodyPr>
-          <a:lstStyle>
-            <a:lvl1pPr marL="0" indent="0" algn="ctr">
-              <a:buNone/>
-              <a:defRPr sz="1200"/>
-            </a:lvl1pPr>
-            <a:lvl2pPr marL="342900" indent="0">
-              <a:buNone/>
-              <a:defRPr sz="1200"/>
-            </a:lvl2pPr>
-            <a:lvl3pPr marL="685800" indent="0">
-              <a:buNone/>
-              <a:defRPr sz="1200"/>
-            </a:lvl3pPr>
-            <a:lvl4pPr marL="1028700" indent="0">
-              <a:buNone/>
-              <a:defRPr sz="1200"/>
-            </a:lvl4pPr>
-            <a:lvl5pPr marL="1371600" indent="0">
-              <a:buNone/>
-              <a:defRPr sz="1200"/>
-            </a:lvl5pPr>
-            <a:lvl6pPr marL="1714500" indent="0">
-              <a:buNone/>
-              <a:defRPr sz="1200"/>
-            </a:lvl6pPr>
-            <a:lvl7pPr marL="2057400" indent="0">
-              <a:buNone/>
-              <a:defRPr sz="1200"/>
-            </a:lvl7pPr>
-            <a:lvl8pPr marL="2400300" indent="0">
-              <a:buNone/>
-              <a:defRPr sz="1200"/>
-            </a:lvl8pPr>
-            <a:lvl9pPr marL="2743200" indent="0">
-              <a:buNone/>
-              <a:defRPr sz="1200"/>
-            </a:lvl9pPr>
-          </a:lstStyle>
-          <a:p>
-            <a:r>
-              <a:rPr lang="en-US"/>
-              <a:t>Click icon to add picture</a:t>
-            </a:r>
-            <a:endParaRPr lang="en-US" dirty="0"/>
-          </a:p>
-        </p:txBody>
-      </p:sp>
-      <p:sp>
-        <p:nvSpPr>
-          <p:cNvPr id="24" name="Text Placeholder 3"/>
-          <p:cNvSpPr>
-            <a:spLocks noGrp="1"/>
-          </p:cNvSpPr>
-          <p:nvPr>
-            <p:ph type="body" sz="half" idx="20"/>
-          </p:nvPr>
-        </p:nvSpPr>
-        <p:spPr>
-          <a:xfrm>
-            <a:off x="5343432" y="3620406"/>
-            <a:ext cx="2201998" cy="494392"/>
-          </a:xfrm>
-        </p:spPr>
-        <p:txBody>
-          <a:bodyPr anchor="t">
-            <a:normAutofit/>
-          </a:bodyPr>
-          <a:lstStyle>
-            <a:lvl1pPr marL="0" indent="0">
-              <a:buNone/>
-              <a:defRPr sz="1050"/>
-            </a:lvl1pPr>
-            <a:lvl2pPr marL="342900" indent="0">
-              <a:buNone/>
-              <a:defRPr sz="900"/>
-            </a:lvl2pPr>
-            <a:lvl3pPr marL="685800" indent="0">
-              <a:buNone/>
-              <a:defRPr sz="750"/>
-            </a:lvl3pPr>
-            <a:lvl4pPr marL="1028700" indent="0">
-              <a:buNone/>
-              <a:defRPr sz="675"/>
-            </a:lvl4pPr>
-            <a:lvl5pPr marL="1371600" indent="0">
-              <a:buNone/>
-              <a:defRPr sz="675"/>
-            </a:lvl5pPr>
-            <a:lvl6pPr marL="1714500" indent="0">
-              <a:buNone/>
-              <a:defRPr sz="675"/>
-            </a:lvl6pPr>
-            <a:lvl7pPr marL="2057400" indent="0">
-              <a:buNone/>
-              <a:defRPr sz="675"/>
-            </a:lvl7pPr>
-            <a:lvl8pPr marL="2400300" indent="0">
-              <a:buNone/>
-              <a:defRPr sz="675"/>
-            </a:lvl8pPr>
-            <a:lvl9pPr marL="2743200" indent="0">
-              <a:buNone/>
-              <a:defRPr sz="675"/>
-            </a:lvl9pPr>
-          </a:lstStyle>
-          <a:p>
-            <a:pPr lvl="0"/>
-            <a:r>
-              <a:rPr lang="en-US"/>
-              <a:t>Click to edit Master text styles</a:t>
-            </a:r>
-          </a:p>
-        </p:txBody>
-      </p:sp>
-      <p:cxnSp>
-        <p:nvCxnSpPr>
-          <p:cNvPr id="19" name="Straight Connector 18"/>
-          <p:cNvCxnSpPr/>
-          <p:nvPr/>
-        </p:nvCxnSpPr>
-        <p:spPr>
-          <a:xfrm>
-            <a:off x="2794607" y="1600200"/>
-            <a:ext cx="0" cy="2971800"/>
-          </a:xfrm>
-          <a:prstGeom prst="line">
-            <a:avLst/>
-          </a:prstGeom>
-          <a:ln w="12700" cmpd="sng">
-            <a:solidFill>
-              <a:schemeClr val="bg2">
-                <a:lumMod val="40000"/>
-                <a:lumOff val="60000"/>
-                <a:alpha val="40000"/>
-              </a:schemeClr>
-            </a:solidFill>
-          </a:ln>
-        </p:spPr>
-        <p:style>
-          <a:lnRef idx="2">
-            <a:schemeClr val="accent1"/>
-          </a:lnRef>
-          <a:fillRef idx="0">
-            <a:schemeClr val="accent1"/>
-          </a:fillRef>
-          <a:effectRef idx="1">
-            <a:schemeClr val="accent1"/>
-          </a:effectRef>
-          <a:fontRef idx="minor">
-            <a:schemeClr val="tx1"/>
-          </a:fontRef>
-        </p:style>
-      </p:cxnSp>
-      <p:cxnSp>
-        <p:nvCxnSpPr>
-          <p:cNvPr id="20" name="Straight Connector 19"/>
-          <p:cNvCxnSpPr/>
-          <p:nvPr/>
-        </p:nvCxnSpPr>
-        <p:spPr>
-          <a:xfrm>
-            <a:off x="5221670" y="1600200"/>
-            <a:ext cx="0" cy="2975162"/>
-          </a:xfrm>
-          <a:prstGeom prst="line">
-            <a:avLst/>
-          </a:prstGeom>
-          <a:ln w="12700" cmpd="sng">
-            <a:solidFill>
-              <a:schemeClr val="bg2">
-                <a:lumMod val="40000"/>
-                <a:lumOff val="60000"/>
-                <a:alpha val="40000"/>
-              </a:schemeClr>
-            </a:solidFill>
-          </a:ln>
-        </p:spPr>
-        <p:style>
-          <a:lnRef idx="2">
-            <a:schemeClr val="accent1"/>
-          </a:lnRef>
-          <a:fillRef idx="0">
-            <a:schemeClr val="accent1"/>
-          </a:fillRef>
-          <a:effectRef idx="1">
-            <a:schemeClr val="accent1"/>
-          </a:effectRef>
-          <a:fontRef idx="minor">
-            <a:schemeClr val="tx1"/>
-          </a:fontRef>
-        </p:style>
-      </p:cxnSp>
-      <p:sp>
-        <p:nvSpPr>
-          <p:cNvPr id="7" name="Date Placeholder 3"/>
-          <p:cNvSpPr>
-            <a:spLocks noGrp="1"/>
-          </p:cNvSpPr>
-          <p:nvPr>
-            <p:ph type="dt" sz="half" idx="10"/>
-          </p:nvPr>
-        </p:nvSpPr>
-        <p:spPr/>
-        <p:txBody>
-          <a:bodyPr/>
-          <a:lstStyle/>
-          <a:p>
-            <a:fld id="{4509A250-FF31-4206-8172-F9D3106AACB1}" type="datetimeFigureOut">
-              <a:rPr lang="en-US" dirty="0"/>
-              <a:t>9/26/2022</a:t>
-            </a:fld>
-            <a:endParaRPr lang="en-US" dirty="0"/>
-          </a:p>
-        </p:txBody>
-      </p:sp>
-      <p:sp>
-        <p:nvSpPr>
-          <p:cNvPr id="4" name="Footer Placeholder 4"/>
-          <p:cNvSpPr>
-            <a:spLocks noGrp="1"/>
-          </p:cNvSpPr>
-          <p:nvPr>
-            <p:ph type="ftr" sz="quarter" idx="11"/>
-          </p:nvPr>
-        </p:nvSpPr>
-        <p:spPr/>
-        <p:txBody>
-          <a:bodyPr/>
-          <a:lstStyle/>
-          <a:p>
-            <a:endParaRPr lang="en-US" dirty="0"/>
-          </a:p>
-        </p:txBody>
-      </p:sp>
-      <p:sp>
-        <p:nvSpPr>
-          <p:cNvPr id="6" name="Slide Number Placeholder 5"/>
-          <p:cNvSpPr>
-            <a:spLocks noGrp="1"/>
-          </p:cNvSpPr>
-          <p:nvPr>
-            <p:ph type="sldNum" sz="quarter" idx="12"/>
-          </p:nvPr>
-        </p:nvSpPr>
-        <p:spPr/>
-        <p:txBody>
-          <a:bodyPr/>
-          <a:lstStyle/>
-          <a:p>
-            <a:pPr marL="0" lvl="0" indent="0" algn="r" rtl="0">
-              <a:spcBef>
-                <a:spcPts val="0"/>
-              </a:spcBef>
-              <a:spcAft>
-                <a:spcPts val="0"/>
-              </a:spcAft>
-              <a:buNone/>
-            </a:pPr>
-            <a:fld id="{00000000-1234-1234-1234-123412341234}" type="slidenum">
-              <a:rPr lang="en" smtClean="0"/>
-              <a:t>‹#›</a:t>
-            </a:fld>
-            <a:endParaRPr lang="en"/>
-          </a:p>
-        </p:txBody>
-      </p:sp>
-    </p:spTree>
-    <p:extLst>
-      <p:ext uri="{BB962C8B-B14F-4D97-AF65-F5344CB8AC3E}">
-        <p14:creationId xmlns:p14="http://schemas.microsoft.com/office/powerpoint/2010/main" val="2260477824"/>
-      </p:ext>
-    </p:extLst>
-  </p:cSld>
-  <p:clrMapOvr>
-    <a:masterClrMapping/>
-  </p:clrMapOvr>
-  <p:hf sldNum="0" hdr="0" ftr="0" dt="0"/>
-</p:sldLayout>
-</file>
-
-<file path=ppt/slideLayouts/slideLayout16.xml><?xml version="1.0" encoding="utf-8"?>
 <p:sldLayout xmlns:a="http://schemas.openxmlformats.org/drawingml/2006/main" xmlns:r="http://schemas.openxmlformats.org/officeDocument/2006/relationships" xmlns:p="http://schemas.openxmlformats.org/presentationml/2006/main" type="vertTx" preserve="1">
   <p:cSld name="Title and Vertical Text">
     <p:spTree>
@@ -4225,7 +1574,7 @@
         </p:nvSpPr>
         <p:spPr/>
         <p:txBody>
-          <a:bodyPr vert="eaVert" anchor="t" anchorCtr="0"/>
+          <a:bodyPr vert="eaVert" lIns="45720" tIns="0" rIns="45720" bIns="0"/>
           <a:lstStyle/>
           <a:p>
             <a:pPr lvl="0"/>
@@ -4281,8 +1630,8 @@
           <a:lstStyle/>
           <a:p>
             <a:fld id="{4509A250-FF31-4206-8172-F9D3106AACB1}" type="datetimeFigureOut">
-              <a:rPr lang="en-US" dirty="0"/>
-              <a:t>9/26/2022</a:t>
+              <a:rPr lang="en-US" smtClean="0"/>
+              <a:t>11/20/2022</a:t>
             </a:fld>
             <a:endParaRPr lang="en-US" dirty="0"/>
           </a:p>
@@ -4342,7 +1691,7 @@
     </p:spTree>
     <p:extLst>
       <p:ext uri="{BB962C8B-B14F-4D97-AF65-F5344CB8AC3E}">
-        <p14:creationId xmlns:p14="http://schemas.microsoft.com/office/powerpoint/2010/main" val="1125340268"/>
+        <p14:creationId xmlns:p14="http://schemas.microsoft.com/office/powerpoint/2010/main" val="2896692874"/>
       </p:ext>
     </p:extLst>
   </p:cSld>
@@ -4353,8 +1702,8 @@
 </p:sldLayout>
 </file>
 
-<file path=ppt/slideLayouts/slideLayout17.xml><?xml version="1.0" encoding="utf-8"?>
-<p:sldLayout xmlns:a="http://schemas.openxmlformats.org/drawingml/2006/main" xmlns:r="http://schemas.openxmlformats.org/officeDocument/2006/relationships" xmlns:p="http://schemas.openxmlformats.org/presentationml/2006/main" type="vertTitleAndTx" preserve="1">
+<file path=ppt/slideLayouts/slideLayout11.xml><?xml version="1.0" encoding="utf-8"?>
+<p:sldLayout xmlns:a="http://schemas.openxmlformats.org/drawingml/2006/main" xmlns:r="http://schemas.openxmlformats.org/officeDocument/2006/relationships" xmlns:p="http://schemas.openxmlformats.org/presentationml/2006/main" showMasterSp="0" type="vertTitleAndTx" preserve="1">
   <p:cSld name="Vertical Title and Text">
     <p:spTree>
       <p:nvGrpSpPr>
@@ -4372,6 +1721,82 @@
       </p:grpSpPr>
       <p:sp>
         <p:nvSpPr>
+          <p:cNvPr id="7" name="Rectangle 6"/>
+          <p:cNvSpPr/>
+          <p:nvPr/>
+        </p:nvSpPr>
+        <p:spPr>
+          <a:xfrm>
+            <a:off x="2382" y="4800600"/>
+            <a:ext cx="9141619" cy="342900"/>
+          </a:xfrm>
+          <a:prstGeom prst="rect">
+            <a:avLst/>
+          </a:prstGeom>
+          <a:solidFill>
+            <a:schemeClr val="accent2"/>
+          </a:solidFill>
+          <a:ln>
+            <a:noFill/>
+          </a:ln>
+        </p:spPr>
+        <p:style>
+          <a:lnRef idx="2">
+            <a:schemeClr val="accent1">
+              <a:shade val="50000"/>
+            </a:schemeClr>
+          </a:lnRef>
+          <a:fillRef idx="1">
+            <a:schemeClr val="accent1"/>
+          </a:fillRef>
+          <a:effectRef idx="0">
+            <a:schemeClr val="accent1"/>
+          </a:effectRef>
+          <a:fontRef idx="minor">
+            <a:schemeClr val="lt1"/>
+          </a:fontRef>
+        </p:style>
+      </p:sp>
+      <p:sp>
+        <p:nvSpPr>
+          <p:cNvPr id="8" name="Rectangle 7"/>
+          <p:cNvSpPr/>
+          <p:nvPr/>
+        </p:nvSpPr>
+        <p:spPr>
+          <a:xfrm>
+            <a:off x="12" y="4750737"/>
+            <a:ext cx="9141619" cy="48006"/>
+          </a:xfrm>
+          <a:prstGeom prst="rect">
+            <a:avLst/>
+          </a:prstGeom>
+          <a:solidFill>
+            <a:schemeClr val="accent1"/>
+          </a:solidFill>
+          <a:ln>
+            <a:noFill/>
+          </a:ln>
+        </p:spPr>
+        <p:style>
+          <a:lnRef idx="2">
+            <a:schemeClr val="accent1">
+              <a:shade val="50000"/>
+            </a:schemeClr>
+          </a:lnRef>
+          <a:fillRef idx="1">
+            <a:schemeClr val="accent1"/>
+          </a:fillRef>
+          <a:effectRef idx="0">
+            <a:schemeClr val="accent1"/>
+          </a:effectRef>
+          <a:fontRef idx="minor">
+            <a:schemeClr val="lt1"/>
+          </a:fontRef>
+        </p:style>
+      </p:sp>
+      <p:sp>
+        <p:nvSpPr>
           <p:cNvPr id="2" name="Vertical Title 1"/>
           <p:cNvSpPr>
             <a:spLocks noGrp="1"/>
@@ -4382,12 +1807,12 @@
         </p:nvSpPr>
         <p:spPr>
           <a:xfrm>
-            <a:off x="6228159" y="322660"/>
-            <a:ext cx="1314451" cy="4369594"/>
+            <a:off x="6543675" y="311084"/>
+            <a:ext cx="1971675" cy="4318066"/>
           </a:xfrm>
         </p:spPr>
         <p:txBody>
-          <a:bodyPr vert="eaVert" anchor="b" anchorCtr="0"/>
+          <a:bodyPr vert="eaVert"/>
           <a:lstStyle/>
           <a:p>
             <a:r>
@@ -4410,12 +1835,12 @@
         </p:nvSpPr>
         <p:spPr>
           <a:xfrm>
-            <a:off x="489348" y="665561"/>
-            <a:ext cx="5567362" cy="4026693"/>
+            <a:off x="628650" y="311083"/>
+            <a:ext cx="5800725" cy="4318067"/>
           </a:xfrm>
         </p:spPr>
         <p:txBody>
-          <a:bodyPr vert="eaVert"/>
+          <a:bodyPr vert="eaVert" lIns="45720" tIns="0" rIns="45720" bIns="0"/>
           <a:lstStyle/>
           <a:p>
             <a:pPr lvl="0"/>
@@ -4471,8 +1896,8 @@
           <a:lstStyle/>
           <a:p>
             <a:fld id="{4509A250-FF31-4206-8172-F9D3106AACB1}" type="datetimeFigureOut">
-              <a:rPr lang="en-US" dirty="0"/>
-              <a:t>9/26/2022</a:t>
+              <a:rPr lang="en-US" smtClean="0"/>
+              <a:t>11/20/2022</a:t>
             </a:fld>
             <a:endParaRPr lang="en-US" dirty="0"/>
           </a:p>
@@ -4532,7 +1957,7 @@
     </p:spTree>
     <p:extLst>
       <p:ext uri="{BB962C8B-B14F-4D97-AF65-F5344CB8AC3E}">
-        <p14:creationId xmlns:p14="http://schemas.microsoft.com/office/powerpoint/2010/main" val="959442128"/>
+        <p14:creationId xmlns:p14="http://schemas.microsoft.com/office/powerpoint/2010/main" val="889959661"/>
       </p:ext>
     </p:extLst>
   </p:cSld>
@@ -4543,7 +1968,7 @@
 </p:sldLayout>
 </file>
 
-<file path=ppt/slideLayouts/slideLayout18.xml><?xml version="1.0" encoding="utf-8"?>
+<file path=ppt/slideLayouts/slideLayout12.xml><?xml version="1.0" encoding="utf-8"?>
 <p:sldLayout xmlns:a="http://schemas.openxmlformats.org/drawingml/2006/main" xmlns:r="http://schemas.openxmlformats.org/officeDocument/2006/relationships" xmlns:p="http://schemas.openxmlformats.org/presentationml/2006/main" matchingName="Title and body" type="tx">
   <p:cSld name="Title and body">
     <p:spTree>
@@ -4900,13 +2325,568 @@
     </p:spTree>
     <p:extLst>
       <p:ext uri="{BB962C8B-B14F-4D97-AF65-F5344CB8AC3E}">
-        <p14:creationId xmlns:p14="http://schemas.microsoft.com/office/powerpoint/2010/main" val="2448870916"/>
+        <p14:creationId xmlns:p14="http://schemas.microsoft.com/office/powerpoint/2010/main" val="749917861"/>
       </p:ext>
     </p:extLst>
   </p:cSld>
   <p:clrMapOvr>
     <a:masterClrMapping/>
   </p:clrMapOvr>
+</p:sldLayout>
+</file>
+
+<file path=ppt/slideLayouts/slideLayout13.xml><?xml version="1.0" encoding="utf-8"?>
+<p:sldLayout xmlns:a="http://schemas.openxmlformats.org/drawingml/2006/main" xmlns:r="http://schemas.openxmlformats.org/officeDocument/2006/relationships" xmlns:p="http://schemas.openxmlformats.org/presentationml/2006/main">
+  <p:cSld name="3 Column">
+    <p:spTree>
+      <p:nvGrpSpPr>
+        <p:cNvPr id="1" name=""/>
+        <p:cNvGrpSpPr/>
+        <p:nvPr/>
+      </p:nvGrpSpPr>
+      <p:grpSpPr>
+        <a:xfrm>
+          <a:off x="0" y="0"/>
+          <a:ext cx="0" cy="0"/>
+          <a:chOff x="0" y="0"/>
+          <a:chExt cx="0" cy="0"/>
+        </a:xfrm>
+      </p:grpSpPr>
+      <p:sp>
+        <p:nvSpPr>
+          <p:cNvPr id="2" name="Title 1"/>
+          <p:cNvSpPr>
+            <a:spLocks noGrp="1"/>
+          </p:cNvSpPr>
+          <p:nvPr>
+            <p:ph type="title"/>
+          </p:nvPr>
+        </p:nvSpPr>
+        <p:spPr/>
+        <p:txBody>
+          <a:bodyPr/>
+          <a:lstStyle>
+            <a:lvl1pPr>
+              <a:defRPr sz="3150"/>
+            </a:lvl1pPr>
+          </a:lstStyle>
+          <a:p>
+            <a:r>
+              <a:rPr lang="en-US"/>
+              <a:t>Click to edit Master title style</a:t>
+            </a:r>
+            <a:endParaRPr lang="en-US" dirty="0"/>
+          </a:p>
+        </p:txBody>
+      </p:sp>
+      <p:sp>
+        <p:nvSpPr>
+          <p:cNvPr id="3" name="Text Placeholder 2"/>
+          <p:cNvSpPr>
+            <a:spLocks noGrp="1"/>
+          </p:cNvSpPr>
+          <p:nvPr>
+            <p:ph type="body" idx="1"/>
+          </p:nvPr>
+        </p:nvSpPr>
+        <p:spPr>
+          <a:xfrm>
+            <a:off x="474710" y="1485900"/>
+            <a:ext cx="2210150" cy="432197"/>
+          </a:xfrm>
+        </p:spPr>
+        <p:txBody>
+          <a:bodyPr anchor="b">
+            <a:noAutofit/>
+          </a:bodyPr>
+          <a:lstStyle>
+            <a:lvl1pPr marL="0" indent="0">
+              <a:buNone/>
+              <a:defRPr sz="1800" b="0">
+                <a:solidFill>
+                  <a:schemeClr val="bg2">
+                    <a:lumMod val="40000"/>
+                    <a:lumOff val="60000"/>
+                  </a:schemeClr>
+                </a:solidFill>
+              </a:defRPr>
+            </a:lvl1pPr>
+            <a:lvl2pPr marL="342900" indent="0">
+              <a:buNone/>
+              <a:defRPr sz="1500" b="1"/>
+            </a:lvl2pPr>
+            <a:lvl3pPr marL="685800" indent="0">
+              <a:buNone/>
+              <a:defRPr sz="1350" b="1"/>
+            </a:lvl3pPr>
+            <a:lvl4pPr marL="1028700" indent="0">
+              <a:buNone/>
+              <a:defRPr sz="1200" b="1"/>
+            </a:lvl4pPr>
+            <a:lvl5pPr marL="1371600" indent="0">
+              <a:buNone/>
+              <a:defRPr sz="1200" b="1"/>
+            </a:lvl5pPr>
+            <a:lvl6pPr marL="1714500" indent="0">
+              <a:buNone/>
+              <a:defRPr sz="1200" b="1"/>
+            </a:lvl6pPr>
+            <a:lvl7pPr marL="2057400" indent="0">
+              <a:buNone/>
+              <a:defRPr sz="1200" b="1"/>
+            </a:lvl7pPr>
+            <a:lvl8pPr marL="2400300" indent="0">
+              <a:buNone/>
+              <a:defRPr sz="1200" b="1"/>
+            </a:lvl8pPr>
+            <a:lvl9pPr marL="2743200" indent="0">
+              <a:buNone/>
+              <a:defRPr sz="1200" b="1"/>
+            </a:lvl9pPr>
+          </a:lstStyle>
+          <a:p>
+            <a:pPr lvl="0"/>
+            <a:r>
+              <a:rPr lang="en-US"/>
+              <a:t>Click to edit Master text styles</a:t>
+            </a:r>
+          </a:p>
+        </p:txBody>
+      </p:sp>
+      <p:sp>
+        <p:nvSpPr>
+          <p:cNvPr id="16" name="Text Placeholder 3"/>
+          <p:cNvSpPr>
+            <a:spLocks noGrp="1"/>
+          </p:cNvSpPr>
+          <p:nvPr>
+            <p:ph type="body" sz="half" idx="15"/>
+          </p:nvPr>
+        </p:nvSpPr>
+        <p:spPr>
+          <a:xfrm>
+            <a:off x="489347" y="2000250"/>
+            <a:ext cx="2195513" cy="2692004"/>
+          </a:xfrm>
+        </p:spPr>
+        <p:txBody>
+          <a:bodyPr anchor="t">
+            <a:normAutofit/>
+          </a:bodyPr>
+          <a:lstStyle>
+            <a:lvl1pPr marL="0" indent="0">
+              <a:buNone/>
+              <a:defRPr sz="1050"/>
+            </a:lvl1pPr>
+            <a:lvl2pPr marL="342900" indent="0">
+              <a:buNone/>
+              <a:defRPr sz="900"/>
+            </a:lvl2pPr>
+            <a:lvl3pPr marL="685800" indent="0">
+              <a:buNone/>
+              <a:defRPr sz="750"/>
+            </a:lvl3pPr>
+            <a:lvl4pPr marL="1028700" indent="0">
+              <a:buNone/>
+              <a:defRPr sz="675"/>
+            </a:lvl4pPr>
+            <a:lvl5pPr marL="1371600" indent="0">
+              <a:buNone/>
+              <a:defRPr sz="675"/>
+            </a:lvl5pPr>
+            <a:lvl6pPr marL="1714500" indent="0">
+              <a:buNone/>
+              <a:defRPr sz="675"/>
+            </a:lvl6pPr>
+            <a:lvl7pPr marL="2057400" indent="0">
+              <a:buNone/>
+              <a:defRPr sz="675"/>
+            </a:lvl7pPr>
+            <a:lvl8pPr marL="2400300" indent="0">
+              <a:buNone/>
+              <a:defRPr sz="675"/>
+            </a:lvl8pPr>
+            <a:lvl9pPr marL="2743200" indent="0">
+              <a:buNone/>
+              <a:defRPr sz="675"/>
+            </a:lvl9pPr>
+          </a:lstStyle>
+          <a:p>
+            <a:pPr lvl="0"/>
+            <a:r>
+              <a:rPr lang="en-US"/>
+              <a:t>Click to edit Master text styles</a:t>
+            </a:r>
+          </a:p>
+        </p:txBody>
+      </p:sp>
+      <p:sp>
+        <p:nvSpPr>
+          <p:cNvPr id="5" name="Text Placeholder 4"/>
+          <p:cNvSpPr>
+            <a:spLocks noGrp="1"/>
+          </p:cNvSpPr>
+          <p:nvPr>
+            <p:ph type="body" sz="quarter" idx="3"/>
+          </p:nvPr>
+        </p:nvSpPr>
+        <p:spPr>
+          <a:xfrm>
+            <a:off x="2912745" y="1485900"/>
+            <a:ext cx="2202181" cy="432197"/>
+          </a:xfrm>
+        </p:spPr>
+        <p:txBody>
+          <a:bodyPr anchor="b">
+            <a:noAutofit/>
+          </a:bodyPr>
+          <a:lstStyle>
+            <a:lvl1pPr marL="0" indent="0">
+              <a:buNone/>
+              <a:defRPr sz="1800" b="0">
+                <a:solidFill>
+                  <a:schemeClr val="bg2">
+                    <a:lumMod val="40000"/>
+                    <a:lumOff val="60000"/>
+                  </a:schemeClr>
+                </a:solidFill>
+              </a:defRPr>
+            </a:lvl1pPr>
+            <a:lvl2pPr marL="342900" indent="0">
+              <a:buNone/>
+              <a:defRPr sz="1500" b="1"/>
+            </a:lvl2pPr>
+            <a:lvl3pPr marL="685800" indent="0">
+              <a:buNone/>
+              <a:defRPr sz="1350" b="1"/>
+            </a:lvl3pPr>
+            <a:lvl4pPr marL="1028700" indent="0">
+              <a:buNone/>
+              <a:defRPr sz="1200" b="1"/>
+            </a:lvl4pPr>
+            <a:lvl5pPr marL="1371600" indent="0">
+              <a:buNone/>
+              <a:defRPr sz="1200" b="1"/>
+            </a:lvl5pPr>
+            <a:lvl6pPr marL="1714500" indent="0">
+              <a:buNone/>
+              <a:defRPr sz="1200" b="1"/>
+            </a:lvl6pPr>
+            <a:lvl7pPr marL="2057400" indent="0">
+              <a:buNone/>
+              <a:defRPr sz="1200" b="1"/>
+            </a:lvl7pPr>
+            <a:lvl8pPr marL="2400300" indent="0">
+              <a:buNone/>
+              <a:defRPr sz="1200" b="1"/>
+            </a:lvl8pPr>
+            <a:lvl9pPr marL="2743200" indent="0">
+              <a:buNone/>
+              <a:defRPr sz="1200" b="1"/>
+            </a:lvl9pPr>
+          </a:lstStyle>
+          <a:p>
+            <a:pPr lvl="0"/>
+            <a:r>
+              <a:rPr lang="en-US"/>
+              <a:t>Click to edit Master text styles</a:t>
+            </a:r>
+          </a:p>
+        </p:txBody>
+      </p:sp>
+      <p:sp>
+        <p:nvSpPr>
+          <p:cNvPr id="19" name="Text Placeholder 3"/>
+          <p:cNvSpPr>
+            <a:spLocks noGrp="1"/>
+          </p:cNvSpPr>
+          <p:nvPr>
+            <p:ph type="body" sz="half" idx="16"/>
+          </p:nvPr>
+        </p:nvSpPr>
+        <p:spPr>
+          <a:xfrm>
+            <a:off x="2904829" y="2000250"/>
+            <a:ext cx="2210096" cy="2692004"/>
+          </a:xfrm>
+        </p:spPr>
+        <p:txBody>
+          <a:bodyPr anchor="t">
+            <a:normAutofit/>
+          </a:bodyPr>
+          <a:lstStyle>
+            <a:lvl1pPr marL="0" indent="0">
+              <a:buNone/>
+              <a:defRPr sz="1050"/>
+            </a:lvl1pPr>
+            <a:lvl2pPr marL="342900" indent="0">
+              <a:buNone/>
+              <a:defRPr sz="900"/>
+            </a:lvl2pPr>
+            <a:lvl3pPr marL="685800" indent="0">
+              <a:buNone/>
+              <a:defRPr sz="750"/>
+            </a:lvl3pPr>
+            <a:lvl4pPr marL="1028700" indent="0">
+              <a:buNone/>
+              <a:defRPr sz="675"/>
+            </a:lvl4pPr>
+            <a:lvl5pPr marL="1371600" indent="0">
+              <a:buNone/>
+              <a:defRPr sz="675"/>
+            </a:lvl5pPr>
+            <a:lvl6pPr marL="1714500" indent="0">
+              <a:buNone/>
+              <a:defRPr sz="675"/>
+            </a:lvl6pPr>
+            <a:lvl7pPr marL="2057400" indent="0">
+              <a:buNone/>
+              <a:defRPr sz="675"/>
+            </a:lvl7pPr>
+            <a:lvl8pPr marL="2400300" indent="0">
+              <a:buNone/>
+              <a:defRPr sz="675"/>
+            </a:lvl8pPr>
+            <a:lvl9pPr marL="2743200" indent="0">
+              <a:buNone/>
+              <a:defRPr sz="675"/>
+            </a:lvl9pPr>
+          </a:lstStyle>
+          <a:p>
+            <a:pPr lvl="0"/>
+            <a:r>
+              <a:rPr lang="en-US"/>
+              <a:t>Click to edit Master text styles</a:t>
+            </a:r>
+          </a:p>
+        </p:txBody>
+      </p:sp>
+      <p:sp>
+        <p:nvSpPr>
+          <p:cNvPr id="14" name="Text Placeholder 4"/>
+          <p:cNvSpPr>
+            <a:spLocks noGrp="1"/>
+          </p:cNvSpPr>
+          <p:nvPr>
+            <p:ph type="body" sz="quarter" idx="13"/>
+          </p:nvPr>
+        </p:nvSpPr>
+        <p:spPr>
+          <a:xfrm>
+            <a:off x="5343525" y="1485900"/>
+            <a:ext cx="2199085" cy="432197"/>
+          </a:xfrm>
+        </p:spPr>
+        <p:txBody>
+          <a:bodyPr anchor="b">
+            <a:noAutofit/>
+          </a:bodyPr>
+          <a:lstStyle>
+            <a:lvl1pPr marL="0" indent="0">
+              <a:buNone/>
+              <a:defRPr sz="1800" b="0">
+                <a:solidFill>
+                  <a:schemeClr val="bg2">
+                    <a:lumMod val="40000"/>
+                    <a:lumOff val="60000"/>
+                  </a:schemeClr>
+                </a:solidFill>
+              </a:defRPr>
+            </a:lvl1pPr>
+            <a:lvl2pPr marL="342900" indent="0">
+              <a:buNone/>
+              <a:defRPr sz="1500" b="1"/>
+            </a:lvl2pPr>
+            <a:lvl3pPr marL="685800" indent="0">
+              <a:buNone/>
+              <a:defRPr sz="1350" b="1"/>
+            </a:lvl3pPr>
+            <a:lvl4pPr marL="1028700" indent="0">
+              <a:buNone/>
+              <a:defRPr sz="1200" b="1"/>
+            </a:lvl4pPr>
+            <a:lvl5pPr marL="1371600" indent="0">
+              <a:buNone/>
+              <a:defRPr sz="1200" b="1"/>
+            </a:lvl5pPr>
+            <a:lvl6pPr marL="1714500" indent="0">
+              <a:buNone/>
+              <a:defRPr sz="1200" b="1"/>
+            </a:lvl6pPr>
+            <a:lvl7pPr marL="2057400" indent="0">
+              <a:buNone/>
+              <a:defRPr sz="1200" b="1"/>
+            </a:lvl7pPr>
+            <a:lvl8pPr marL="2400300" indent="0">
+              <a:buNone/>
+              <a:defRPr sz="1200" b="1"/>
+            </a:lvl8pPr>
+            <a:lvl9pPr marL="2743200" indent="0">
+              <a:buNone/>
+              <a:defRPr sz="1200" b="1"/>
+            </a:lvl9pPr>
+          </a:lstStyle>
+          <a:p>
+            <a:pPr lvl="0"/>
+            <a:r>
+              <a:rPr lang="en-US"/>
+              <a:t>Click to edit Master text styles</a:t>
+            </a:r>
+          </a:p>
+        </p:txBody>
+      </p:sp>
+      <p:sp>
+        <p:nvSpPr>
+          <p:cNvPr id="20" name="Text Placeholder 3"/>
+          <p:cNvSpPr>
+            <a:spLocks noGrp="1"/>
+          </p:cNvSpPr>
+          <p:nvPr>
+            <p:ph type="body" sz="half" idx="17"/>
+          </p:nvPr>
+        </p:nvSpPr>
+        <p:spPr>
+          <a:xfrm>
+            <a:off x="5343525" y="2000250"/>
+            <a:ext cx="2199085" cy="2692004"/>
+          </a:xfrm>
+        </p:spPr>
+        <p:txBody>
+          <a:bodyPr anchor="t">
+            <a:normAutofit/>
+          </a:bodyPr>
+          <a:lstStyle>
+            <a:lvl1pPr marL="0" indent="0">
+              <a:buNone/>
+              <a:defRPr sz="1050"/>
+            </a:lvl1pPr>
+            <a:lvl2pPr marL="342900" indent="0">
+              <a:buNone/>
+              <a:defRPr sz="900"/>
+            </a:lvl2pPr>
+            <a:lvl3pPr marL="685800" indent="0">
+              <a:buNone/>
+              <a:defRPr sz="750"/>
+            </a:lvl3pPr>
+            <a:lvl4pPr marL="1028700" indent="0">
+              <a:buNone/>
+              <a:defRPr sz="675"/>
+            </a:lvl4pPr>
+            <a:lvl5pPr marL="1371600" indent="0">
+              <a:buNone/>
+              <a:defRPr sz="675"/>
+            </a:lvl5pPr>
+            <a:lvl6pPr marL="1714500" indent="0">
+              <a:buNone/>
+              <a:defRPr sz="675"/>
+            </a:lvl6pPr>
+            <a:lvl7pPr marL="2057400" indent="0">
+              <a:buNone/>
+              <a:defRPr sz="675"/>
+            </a:lvl7pPr>
+            <a:lvl8pPr marL="2400300" indent="0">
+              <a:buNone/>
+              <a:defRPr sz="675"/>
+            </a:lvl8pPr>
+            <a:lvl9pPr marL="2743200" indent="0">
+              <a:buNone/>
+              <a:defRPr sz="675"/>
+            </a:lvl9pPr>
+          </a:lstStyle>
+          <a:p>
+            <a:pPr lvl="0"/>
+            <a:r>
+              <a:rPr lang="en-US"/>
+              <a:t>Click to edit Master text styles</a:t>
+            </a:r>
+          </a:p>
+        </p:txBody>
+      </p:sp>
+      <p:sp>
+        <p:nvSpPr>
+          <p:cNvPr id="7" name="Date Placeholder 3"/>
+          <p:cNvSpPr>
+            <a:spLocks noGrp="1"/>
+          </p:cNvSpPr>
+          <p:nvPr>
+            <p:ph type="dt" sz="half" idx="10"/>
+          </p:nvPr>
+        </p:nvSpPr>
+        <p:spPr/>
+        <p:txBody>
+          <a:bodyPr/>
+          <a:lstStyle/>
+          <a:p>
+            <a:fld id="{4509A250-FF31-4206-8172-F9D3106AACB1}" type="datetimeFigureOut">
+              <a:rPr lang="en-US" dirty="0"/>
+              <a:t>11/20/2022</a:t>
+            </a:fld>
+            <a:endParaRPr lang="en-US" dirty="0"/>
+          </a:p>
+        </p:txBody>
+      </p:sp>
+      <p:sp>
+        <p:nvSpPr>
+          <p:cNvPr id="4" name="Footer Placeholder 4"/>
+          <p:cNvSpPr>
+            <a:spLocks noGrp="1"/>
+          </p:cNvSpPr>
+          <p:nvPr>
+            <p:ph type="ftr" sz="quarter" idx="11"/>
+          </p:nvPr>
+        </p:nvSpPr>
+        <p:spPr/>
+        <p:txBody>
+          <a:bodyPr/>
+          <a:lstStyle/>
+          <a:p>
+            <a:endParaRPr lang="en-US" dirty="0"/>
+          </a:p>
+        </p:txBody>
+      </p:sp>
+      <p:sp>
+        <p:nvSpPr>
+          <p:cNvPr id="6" name="Slide Number Placeholder 5"/>
+          <p:cNvSpPr>
+            <a:spLocks noGrp="1"/>
+          </p:cNvSpPr>
+          <p:nvPr>
+            <p:ph type="sldNum" sz="quarter" idx="12"/>
+          </p:nvPr>
+        </p:nvSpPr>
+        <p:spPr/>
+        <p:txBody>
+          <a:bodyPr/>
+          <a:lstStyle/>
+          <a:p>
+            <a:pPr marL="0" lvl="0" indent="0" algn="r" rtl="0">
+              <a:spcBef>
+                <a:spcPts val="0"/>
+              </a:spcBef>
+              <a:spcAft>
+                <a:spcPts val="0"/>
+              </a:spcAft>
+              <a:buNone/>
+            </a:pPr>
+            <a:fld id="{00000000-1234-1234-1234-123412341234}" type="slidenum">
+              <a:rPr lang="en" smtClean="0"/>
+              <a:t>‹#›</a:t>
+            </a:fld>
+            <a:endParaRPr lang="en"/>
+          </a:p>
+        </p:txBody>
+      </p:sp>
+    </p:spTree>
+    <p:extLst>
+      <p:ext uri="{BB962C8B-B14F-4D97-AF65-F5344CB8AC3E}">
+        <p14:creationId xmlns:p14="http://schemas.microsoft.com/office/powerpoint/2010/main" val="2309731771"/>
+      </p:ext>
+    </p:extLst>
+  </p:cSld>
+  <p:clrMapOvr>
+    <a:masterClrMapping/>
+  </p:clrMapOvr>
+  <p:hf sldNum="0" hdr="0" ftr="0" dt="0"/>
 </p:sldLayout>
 </file>
 
@@ -4940,7 +2920,11 @@
         <p:spPr/>
         <p:txBody>
           <a:bodyPr/>
-          <a:lstStyle/>
+          <a:lstStyle>
+            <a:lvl1pPr marL="0">
+              <a:defRPr/>
+            </a:lvl1pPr>
+          </a:lstStyle>
           <a:p>
             <a:r>
               <a:rPr lang="en-US"/>
@@ -5004,7 +2988,7 @@
       </p:sp>
       <p:sp>
         <p:nvSpPr>
-          <p:cNvPr id="7" name="Date Placeholder 3"/>
+          <p:cNvPr id="4" name="Date Placeholder 3"/>
           <p:cNvSpPr>
             <a:spLocks noGrp="1"/>
           </p:cNvSpPr>
@@ -5018,8 +3002,8 @@
           <a:lstStyle/>
           <a:p>
             <a:fld id="{4509A250-FF31-4206-8172-F9D3106AACB1}" type="datetimeFigureOut">
-              <a:rPr lang="en-US" dirty="0"/>
-              <a:t>9/26/2022</a:t>
+              <a:rPr lang="en-US" smtClean="0"/>
+              <a:t>11/20/2022</a:t>
             </a:fld>
             <a:endParaRPr lang="en-US" dirty="0"/>
           </a:p>
@@ -5079,7 +3063,7 @@
     </p:spTree>
     <p:extLst>
       <p:ext uri="{BB962C8B-B14F-4D97-AF65-F5344CB8AC3E}">
-        <p14:creationId xmlns:p14="http://schemas.microsoft.com/office/powerpoint/2010/main" val="185703767"/>
+        <p14:creationId xmlns:p14="http://schemas.microsoft.com/office/powerpoint/2010/main" val="305456864"/>
       </p:ext>
     </p:extLst>
   </p:cSld>
@@ -5091,8 +3075,16 @@
 </file>
 
 <file path=ppt/slideLayouts/slideLayout3.xml><?xml version="1.0" encoding="utf-8"?>
-<p:sldLayout xmlns:a="http://schemas.openxmlformats.org/drawingml/2006/main" xmlns:r="http://schemas.openxmlformats.org/officeDocument/2006/relationships" xmlns:p="http://schemas.openxmlformats.org/presentationml/2006/main" type="secHead" preserve="1">
+<p:sldLayout xmlns:a="http://schemas.openxmlformats.org/drawingml/2006/main" xmlns:r="http://schemas.openxmlformats.org/officeDocument/2006/relationships" xmlns:p="http://schemas.openxmlformats.org/presentationml/2006/main" showMasterSp="0" type="secHead" preserve="1">
   <p:cSld name="Section Header">
+    <p:bg>
+      <p:bgPr>
+        <a:solidFill>
+          <a:schemeClr val="bg1"/>
+        </a:solidFill>
+        <a:effectLst/>
+      </p:bgPr>
+    </p:bg>
     <p:spTree>
       <p:nvGrpSpPr>
         <p:cNvPr id="1" name=""/>
@@ -5109,6 +3101,82 @@
       </p:grpSpPr>
       <p:sp>
         <p:nvSpPr>
+          <p:cNvPr id="7" name="Rectangle 6"/>
+          <p:cNvSpPr/>
+          <p:nvPr/>
+        </p:nvSpPr>
+        <p:spPr>
+          <a:xfrm>
+            <a:off x="2382" y="4800600"/>
+            <a:ext cx="9141619" cy="342900"/>
+          </a:xfrm>
+          <a:prstGeom prst="rect">
+            <a:avLst/>
+          </a:prstGeom>
+          <a:solidFill>
+            <a:schemeClr val="accent2"/>
+          </a:solidFill>
+          <a:ln>
+            <a:noFill/>
+          </a:ln>
+        </p:spPr>
+        <p:style>
+          <a:lnRef idx="2">
+            <a:schemeClr val="accent1">
+              <a:shade val="50000"/>
+            </a:schemeClr>
+          </a:lnRef>
+          <a:fillRef idx="1">
+            <a:schemeClr val="accent1"/>
+          </a:fillRef>
+          <a:effectRef idx="0">
+            <a:schemeClr val="accent1"/>
+          </a:effectRef>
+          <a:fontRef idx="minor">
+            <a:schemeClr val="lt1"/>
+          </a:fontRef>
+        </p:style>
+      </p:sp>
+      <p:sp>
+        <p:nvSpPr>
+          <p:cNvPr id="8" name="Rectangle 7"/>
+          <p:cNvSpPr/>
+          <p:nvPr/>
+        </p:nvSpPr>
+        <p:spPr>
+          <a:xfrm>
+            <a:off x="12" y="4750737"/>
+            <a:ext cx="9141619" cy="48006"/>
+          </a:xfrm>
+          <a:prstGeom prst="rect">
+            <a:avLst/>
+          </a:prstGeom>
+          <a:solidFill>
+            <a:schemeClr val="accent1"/>
+          </a:solidFill>
+          <a:ln>
+            <a:noFill/>
+          </a:ln>
+        </p:spPr>
+        <p:style>
+          <a:lnRef idx="2">
+            <a:schemeClr val="accent1">
+              <a:shade val="50000"/>
+            </a:schemeClr>
+          </a:lnRef>
+          <a:fillRef idx="1">
+            <a:schemeClr val="accent1"/>
+          </a:fillRef>
+          <a:effectRef idx="0">
+            <a:schemeClr val="accent1"/>
+          </a:effectRef>
+          <a:fontRef idx="minor">
+            <a:schemeClr val="lt1"/>
+          </a:fontRef>
+        </p:style>
+      </p:sp>
+      <p:sp>
+        <p:nvSpPr>
           <p:cNvPr id="2" name="Title 1"/>
           <p:cNvSpPr>
             <a:spLocks noGrp="1"/>
@@ -5119,15 +3187,27 @@
         </p:nvSpPr>
         <p:spPr>
           <a:xfrm>
-            <a:off x="866217" y="2146300"/>
-            <a:ext cx="6619243" cy="1436735"/>
+            <a:off x="822960" y="569214"/>
+            <a:ext cx="7543800" cy="2674620"/>
           </a:xfrm>
         </p:spPr>
         <p:txBody>
-          <a:bodyPr anchor="b"/>
+          <a:bodyPr anchor="b" anchorCtr="0">
+            <a:normAutofit/>
+          </a:bodyPr>
           <a:lstStyle>
-            <a:lvl1pPr algn="l">
-              <a:defRPr sz="3000" b="0" cap="none"/>
+            <a:lvl1pPr>
+              <a:lnSpc>
+                <a:spcPct val="85000"/>
+              </a:lnSpc>
+              <a:defRPr sz="6000" b="0">
+                <a:solidFill>
+                  <a:schemeClr val="tx1">
+                    <a:lumMod val="85000"/>
+                    <a:lumOff val="15000"/>
+                  </a:schemeClr>
+                </a:solidFill>
+              </a:defRPr>
             </a:lvl1pPr>
           </a:lstStyle>
           <a:p>
@@ -5151,22 +3231,22 @@
         </p:nvSpPr>
         <p:spPr>
           <a:xfrm>
-            <a:off x="866216" y="3583036"/>
-            <a:ext cx="6619244" cy="645300"/>
+            <a:off x="822960" y="3339846"/>
+            <a:ext cx="7543800" cy="857250"/>
           </a:xfrm>
         </p:spPr>
         <p:txBody>
-          <a:bodyPr anchor="t"/>
+          <a:bodyPr lIns="91440" rIns="91440" anchor="t" anchorCtr="0">
+            <a:normAutofit/>
+          </a:bodyPr>
           <a:lstStyle>
-            <a:lvl1pPr marL="0" indent="0" algn="l">
-              <a:buNone/>
-              <a:defRPr sz="1500" cap="all">
+            <a:lvl1pPr marL="0" indent="0">
+              <a:buNone/>
+              <a:defRPr sz="1800" cap="all" spc="150" baseline="0">
                 <a:solidFill>
-                  <a:schemeClr val="bg2">
-                    <a:lumMod val="40000"/>
-                    <a:lumOff val="60000"/>
-                  </a:schemeClr>
+                  <a:schemeClr val="tx2"/>
                 </a:solidFill>
+                <a:latin typeface="+mj-lt"/>
               </a:defRPr>
             </a:lvl1pPr>
             <a:lvl2pPr marL="342900" indent="0">
@@ -5275,8 +3355,8 @@
           <a:lstStyle/>
           <a:p>
             <a:fld id="{9796027F-7875-4030-9381-8BD8C4F21935}" type="datetimeFigureOut">
-              <a:rPr lang="en-US" dirty="0"/>
-              <a:t>9/26/2022</a:t>
+              <a:rPr lang="en-US" smtClean="0"/>
+              <a:t>11/20/2022</a:t>
             </a:fld>
             <a:endParaRPr lang="en-US" dirty="0"/>
           </a:p>
@@ -5333,10 +3413,48 @@
           </a:p>
         </p:txBody>
       </p:sp>
+      <p:cxnSp>
+        <p:nvCxnSpPr>
+          <p:cNvPr id="9" name="Straight Connector 8"/>
+          <p:cNvCxnSpPr/>
+          <p:nvPr/>
+        </p:nvCxnSpPr>
+        <p:spPr>
+          <a:xfrm>
+            <a:off x="905744" y="3257550"/>
+            <a:ext cx="7406640" cy="0"/>
+          </a:xfrm>
+          <a:prstGeom prst="line">
+            <a:avLst/>
+          </a:prstGeom>
+          <a:ln w="6350">
+            <a:solidFill>
+              <a:schemeClr val="tx1">
+                <a:lumMod val="50000"/>
+                <a:lumOff val="50000"/>
+              </a:schemeClr>
+            </a:solidFill>
+          </a:ln>
+        </p:spPr>
+        <p:style>
+          <a:lnRef idx="1">
+            <a:schemeClr val="accent1"/>
+          </a:lnRef>
+          <a:fillRef idx="0">
+            <a:schemeClr val="accent1"/>
+          </a:fillRef>
+          <a:effectRef idx="0">
+            <a:schemeClr val="accent1"/>
+          </a:effectRef>
+          <a:fontRef idx="minor">
+            <a:schemeClr val="tx1"/>
+          </a:fontRef>
+        </p:style>
+      </p:cxnSp>
     </p:spTree>
     <p:extLst>
       <p:ext uri="{BB962C8B-B14F-4D97-AF65-F5344CB8AC3E}">
-        <p14:creationId xmlns:p14="http://schemas.microsoft.com/office/powerpoint/2010/main" val="3802561208"/>
+        <p14:creationId xmlns:p14="http://schemas.microsoft.com/office/powerpoint/2010/main" val="723944742"/>
       </p:ext>
     </p:extLst>
   </p:cSld>
@@ -5366,7 +3484,7 @@
       </p:grpSpPr>
       <p:sp>
         <p:nvSpPr>
-          <p:cNvPr id="2" name="Title 1"/>
+          <p:cNvPr id="8" name="Title 7"/>
           <p:cNvSpPr>
             <a:spLocks noGrp="1"/>
           </p:cNvSpPr>
@@ -5374,7 +3492,12 @@
             <p:ph type="title"/>
           </p:nvPr>
         </p:nvSpPr>
-        <p:spPr/>
+        <p:spPr>
+          <a:xfrm>
+            <a:off x="822960" y="214953"/>
+            <a:ext cx="7543800" cy="1088068"/>
+          </a:xfrm>
+        </p:spPr>
         <p:txBody>
           <a:bodyPr/>
           <a:lstStyle/>
@@ -5399,43 +3522,13 @@
         </p:nvSpPr>
         <p:spPr>
           <a:xfrm>
-            <a:off x="827485" y="1545432"/>
-            <a:ext cx="3297254" cy="3146822"/>
+            <a:off x="822959" y="1384301"/>
+            <a:ext cx="3703320" cy="3017520"/>
           </a:xfrm>
         </p:spPr>
         <p:txBody>
-          <a:bodyPr>
-            <a:normAutofit/>
-          </a:bodyPr>
-          <a:lstStyle>
-            <a:lvl1pPr>
-              <a:defRPr sz="1350"/>
-            </a:lvl1pPr>
-            <a:lvl2pPr>
-              <a:defRPr sz="1200"/>
-            </a:lvl2pPr>
-            <a:lvl3pPr>
-              <a:defRPr sz="1050"/>
-            </a:lvl3pPr>
-            <a:lvl4pPr>
-              <a:defRPr sz="900"/>
-            </a:lvl4pPr>
-            <a:lvl5pPr>
-              <a:defRPr sz="900"/>
-            </a:lvl5pPr>
-            <a:lvl6pPr>
-              <a:defRPr sz="900"/>
-            </a:lvl6pPr>
-            <a:lvl7pPr>
-              <a:defRPr sz="900"/>
-            </a:lvl7pPr>
-            <a:lvl8pPr>
-              <a:defRPr sz="900"/>
-            </a:lvl8pPr>
-            <a:lvl9pPr>
-              <a:defRPr sz="900"/>
-            </a:lvl9pPr>
-          </a:lstStyle>
+          <a:bodyPr/>
+          <a:lstStyle/>
           <a:p>
             <a:pPr lvl="0"/>
             <a:r>
@@ -5486,43 +3579,13 @@
         </p:nvSpPr>
         <p:spPr>
           <a:xfrm>
-            <a:off x="4240870" y="1542069"/>
-            <a:ext cx="3297256" cy="3150184"/>
+            <a:off x="4663440" y="1384301"/>
+            <a:ext cx="3703320" cy="3017520"/>
           </a:xfrm>
         </p:spPr>
         <p:txBody>
-          <a:bodyPr>
-            <a:normAutofit/>
-          </a:bodyPr>
-          <a:lstStyle>
-            <a:lvl1pPr>
-              <a:defRPr sz="1350"/>
-            </a:lvl1pPr>
-            <a:lvl2pPr>
-              <a:defRPr sz="1200"/>
-            </a:lvl2pPr>
-            <a:lvl3pPr>
-              <a:defRPr sz="1050"/>
-            </a:lvl3pPr>
-            <a:lvl4pPr>
-              <a:defRPr sz="900"/>
-            </a:lvl4pPr>
-            <a:lvl5pPr>
-              <a:defRPr sz="900"/>
-            </a:lvl5pPr>
-            <a:lvl6pPr>
-              <a:defRPr sz="900"/>
-            </a:lvl6pPr>
-            <a:lvl7pPr>
-              <a:defRPr sz="900"/>
-            </a:lvl7pPr>
-            <a:lvl8pPr>
-              <a:defRPr sz="900"/>
-            </a:lvl8pPr>
-            <a:lvl9pPr>
-              <a:defRPr sz="900"/>
-            </a:lvl9pPr>
-          </a:lstStyle>
+          <a:bodyPr/>
+          <a:lstStyle/>
           <a:p>
             <a:pPr lvl="0"/>
             <a:r>
@@ -5577,8 +3640,8 @@
           <a:lstStyle/>
           <a:p>
             <a:fld id="{9796027F-7875-4030-9381-8BD8C4F21935}" type="datetimeFigureOut">
-              <a:rPr lang="en-US" dirty="0"/>
-              <a:t>9/26/2022</a:t>
+              <a:rPr lang="en-US" smtClean="0"/>
+              <a:t>11/20/2022</a:t>
             </a:fld>
             <a:endParaRPr lang="en-US" dirty="0"/>
           </a:p>
@@ -5638,7 +3701,7 @@
     </p:spTree>
     <p:extLst>
       <p:ext uri="{BB962C8B-B14F-4D97-AF65-F5344CB8AC3E}">
-        <p14:creationId xmlns:p14="http://schemas.microsoft.com/office/powerpoint/2010/main" val="1015616004"/>
+        <p14:creationId xmlns:p14="http://schemas.microsoft.com/office/powerpoint/2010/main" val="3317831788"/>
       </p:ext>
     </p:extLst>
   </p:cSld>
@@ -5668,7 +3731,7 @@
       </p:grpSpPr>
       <p:sp>
         <p:nvSpPr>
-          <p:cNvPr id="2" name="Title 1"/>
+          <p:cNvPr id="10" name="Title 9"/>
           <p:cNvSpPr>
             <a:spLocks noGrp="1"/>
           </p:cNvSpPr>
@@ -5676,14 +3739,15 @@
             <p:ph type="title"/>
           </p:nvPr>
         </p:nvSpPr>
-        <p:spPr/>
+        <p:spPr>
+          <a:xfrm>
+            <a:off x="822960" y="214953"/>
+            <a:ext cx="7543800" cy="1088068"/>
+          </a:xfrm>
+        </p:spPr>
         <p:txBody>
           <a:bodyPr/>
-          <a:lstStyle>
-            <a:lvl1pPr>
-              <a:defRPr/>
-            </a:lvl1pPr>
-          </a:lstStyle>
+          <a:lstStyle/>
           <a:p>
             <a:r>
               <a:rPr lang="en-US"/>
@@ -5705,23 +3769,20 @@
         </p:nvSpPr>
         <p:spPr>
           <a:xfrm>
-            <a:off x="827485" y="1428750"/>
-            <a:ext cx="3297254" cy="432197"/>
+            <a:off x="822960" y="1384539"/>
+            <a:ext cx="3703320" cy="552212"/>
           </a:xfrm>
         </p:spPr>
         <p:txBody>
-          <a:bodyPr anchor="b">
-            <a:noAutofit/>
+          <a:bodyPr lIns="91440" rIns="91440" anchor="ctr">
+            <a:normAutofit/>
           </a:bodyPr>
           <a:lstStyle>
             <a:lvl1pPr marL="0" indent="0">
               <a:buNone/>
-              <a:defRPr sz="1800" b="0">
+              <a:defRPr sz="1500" b="0" cap="all" baseline="0">
                 <a:solidFill>
-                  <a:schemeClr val="bg2">
-                    <a:lumMod val="40000"/>
-                    <a:lumOff val="60000"/>
-                  </a:schemeClr>
+                  <a:schemeClr val="tx2"/>
                 </a:solidFill>
               </a:defRPr>
             </a:lvl1pPr>
@@ -5779,110 +3840,77 @@
         </p:nvSpPr>
         <p:spPr>
           <a:xfrm>
-            <a:off x="827485" y="1885950"/>
-            <a:ext cx="3297254" cy="2806304"/>
+            <a:off x="822960" y="1936751"/>
+            <a:ext cx="3703320" cy="2533650"/>
           </a:xfrm>
         </p:spPr>
         <p:txBody>
-          <a:bodyPr>
+          <a:bodyPr/>
+          <a:lstStyle/>
+          <a:p>
+            <a:pPr lvl="0"/>
+            <a:r>
+              <a:rPr lang="en-US"/>
+              <a:t>Click to edit Master text styles</a:t>
+            </a:r>
+          </a:p>
+          <a:p>
+            <a:pPr lvl="1"/>
+            <a:r>
+              <a:rPr lang="en-US"/>
+              <a:t>Second level</a:t>
+            </a:r>
+          </a:p>
+          <a:p>
+            <a:pPr lvl="2"/>
+            <a:r>
+              <a:rPr lang="en-US"/>
+              <a:t>Third level</a:t>
+            </a:r>
+          </a:p>
+          <a:p>
+            <a:pPr lvl="3"/>
+            <a:r>
+              <a:rPr lang="en-US"/>
+              <a:t>Fourth level</a:t>
+            </a:r>
+          </a:p>
+          <a:p>
+            <a:pPr lvl="4"/>
+            <a:r>
+              <a:rPr lang="en-US"/>
+              <a:t>Fifth level</a:t>
+            </a:r>
+            <a:endParaRPr lang="en-US" dirty="0"/>
+          </a:p>
+        </p:txBody>
+      </p:sp>
+      <p:sp>
+        <p:nvSpPr>
+          <p:cNvPr id="5" name="Text Placeholder 4"/>
+          <p:cNvSpPr>
+            <a:spLocks noGrp="1"/>
+          </p:cNvSpPr>
+          <p:nvPr>
+            <p:ph type="body" sz="quarter" idx="3"/>
+          </p:nvPr>
+        </p:nvSpPr>
+        <p:spPr>
+          <a:xfrm>
+            <a:off x="4663440" y="1384539"/>
+            <a:ext cx="3703320" cy="552212"/>
+          </a:xfrm>
+        </p:spPr>
+        <p:txBody>
+          <a:bodyPr lIns="91440" rIns="91440" anchor="ctr">
             <a:normAutofit/>
           </a:bodyPr>
           <a:lstStyle>
-            <a:lvl1pPr>
-              <a:defRPr sz="1350"/>
-            </a:lvl1pPr>
-            <a:lvl2pPr>
-              <a:defRPr sz="1200"/>
-            </a:lvl2pPr>
-            <a:lvl3pPr>
-              <a:defRPr sz="1050"/>
-            </a:lvl3pPr>
-            <a:lvl4pPr>
-              <a:defRPr sz="900"/>
-            </a:lvl4pPr>
-            <a:lvl5pPr>
-              <a:defRPr sz="900"/>
-            </a:lvl5pPr>
-            <a:lvl6pPr>
-              <a:defRPr sz="900"/>
-            </a:lvl6pPr>
-            <a:lvl7pPr>
-              <a:defRPr sz="900"/>
-            </a:lvl7pPr>
-            <a:lvl8pPr>
-              <a:defRPr sz="900"/>
-            </a:lvl8pPr>
-            <a:lvl9pPr>
-              <a:defRPr sz="900"/>
-            </a:lvl9pPr>
-          </a:lstStyle>
-          <a:p>
-            <a:pPr lvl="0"/>
-            <a:r>
-              <a:rPr lang="en-US"/>
-              <a:t>Click to edit Master text styles</a:t>
-            </a:r>
-          </a:p>
-          <a:p>
-            <a:pPr lvl="1"/>
-            <a:r>
-              <a:rPr lang="en-US"/>
-              <a:t>Second level</a:t>
-            </a:r>
-          </a:p>
-          <a:p>
-            <a:pPr lvl="2"/>
-            <a:r>
-              <a:rPr lang="en-US"/>
-              <a:t>Third level</a:t>
-            </a:r>
-          </a:p>
-          <a:p>
-            <a:pPr lvl="3"/>
-            <a:r>
-              <a:rPr lang="en-US"/>
-              <a:t>Fourth level</a:t>
-            </a:r>
-          </a:p>
-          <a:p>
-            <a:pPr lvl="4"/>
-            <a:r>
-              <a:rPr lang="en-US"/>
-              <a:t>Fifth level</a:t>
-            </a:r>
-            <a:endParaRPr lang="en-US" dirty="0"/>
-          </a:p>
-        </p:txBody>
-      </p:sp>
-      <p:sp>
-        <p:nvSpPr>
-          <p:cNvPr id="5" name="Text Placeholder 4"/>
-          <p:cNvSpPr>
-            <a:spLocks noGrp="1"/>
-          </p:cNvSpPr>
-          <p:nvPr>
-            <p:ph type="body" sz="quarter" idx="3"/>
-          </p:nvPr>
-        </p:nvSpPr>
-        <p:spPr>
-          <a:xfrm>
-            <a:off x="4240872" y="1428750"/>
-            <a:ext cx="3297254" cy="432197"/>
-          </a:xfrm>
-        </p:spPr>
-        <p:txBody>
-          <a:bodyPr anchor="b">
-            <a:noAutofit/>
-          </a:bodyPr>
-          <a:lstStyle>
             <a:lvl1pPr marL="0" indent="0">
               <a:buNone/>
-              <a:defRPr sz="1800" b="0">
+              <a:defRPr sz="1500" b="0" cap="all" baseline="0">
                 <a:solidFill>
-                  <a:schemeClr val="bg2">
-                    <a:lumMod val="40000"/>
-                    <a:lumOff val="60000"/>
-                  </a:schemeClr>
+                  <a:schemeClr val="tx2"/>
                 </a:solidFill>
               </a:defRPr>
             </a:lvl1pPr>
@@ -5940,43 +3968,13 @@
         </p:nvSpPr>
         <p:spPr>
           <a:xfrm>
-            <a:off x="4240872" y="1885950"/>
-            <a:ext cx="3297254" cy="2806304"/>
+            <a:off x="4663440" y="1936751"/>
+            <a:ext cx="3703320" cy="2533650"/>
           </a:xfrm>
         </p:spPr>
         <p:txBody>
-          <a:bodyPr>
-            <a:normAutofit/>
-          </a:bodyPr>
-          <a:lstStyle>
-            <a:lvl1pPr>
-              <a:defRPr sz="1350"/>
-            </a:lvl1pPr>
-            <a:lvl2pPr>
-              <a:defRPr sz="1200"/>
-            </a:lvl2pPr>
-            <a:lvl3pPr>
-              <a:defRPr sz="1050"/>
-            </a:lvl3pPr>
-            <a:lvl4pPr>
-              <a:defRPr sz="900"/>
-            </a:lvl4pPr>
-            <a:lvl5pPr>
-              <a:defRPr sz="900"/>
-            </a:lvl5pPr>
-            <a:lvl6pPr>
-              <a:defRPr sz="900"/>
-            </a:lvl6pPr>
-            <a:lvl7pPr>
-              <a:defRPr sz="900"/>
-            </a:lvl7pPr>
-            <a:lvl8pPr>
-              <a:defRPr sz="900"/>
-            </a:lvl8pPr>
-            <a:lvl9pPr>
-              <a:defRPr sz="900"/>
-            </a:lvl9pPr>
-          </a:lstStyle>
+          <a:bodyPr/>
+          <a:lstStyle/>
           <a:p>
             <a:pPr lvl="0"/>
             <a:r>
@@ -6031,8 +4029,8 @@
           <a:lstStyle/>
           <a:p>
             <a:fld id="{9796027F-7875-4030-9381-8BD8C4F21935}" type="datetimeFigureOut">
-              <a:rPr lang="en-US" dirty="0"/>
-              <a:t>9/26/2022</a:t>
+              <a:rPr lang="en-US" smtClean="0"/>
+              <a:t>11/20/2022</a:t>
             </a:fld>
             <a:endParaRPr lang="en-US" dirty="0"/>
           </a:p>
@@ -6092,7 +4090,7 @@
     </p:spTree>
     <p:extLst>
       <p:ext uri="{BB962C8B-B14F-4D97-AF65-F5344CB8AC3E}">
-        <p14:creationId xmlns:p14="http://schemas.microsoft.com/office/powerpoint/2010/main" val="3151003480"/>
+        <p14:creationId xmlns:p14="http://schemas.microsoft.com/office/powerpoint/2010/main" val="1081521584"/>
       </p:ext>
     </p:extLst>
   </p:cSld>
@@ -6145,7 +4143,7 @@
       </p:sp>
       <p:sp>
         <p:nvSpPr>
-          <p:cNvPr id="7" name="Date Placeholder 2"/>
+          <p:cNvPr id="3" name="Date Placeholder 2"/>
           <p:cNvSpPr>
             <a:spLocks noGrp="1"/>
           </p:cNvSpPr>
@@ -6159,8 +4157,8 @@
           <a:lstStyle/>
           <a:p>
             <a:fld id="{4509A250-FF31-4206-8172-F9D3106AACB1}" type="datetimeFigureOut">
-              <a:rPr lang="en-US" dirty="0"/>
-              <a:t>9/26/2022</a:t>
+              <a:rPr lang="en-US" smtClean="0"/>
+              <a:t>11/20/2022</a:t>
             </a:fld>
             <a:endParaRPr lang="en-US" dirty="0"/>
           </a:p>
@@ -6168,7 +4166,7 @@
       </p:sp>
       <p:sp>
         <p:nvSpPr>
-          <p:cNvPr id="5" name="Footer Placeholder 3"/>
+          <p:cNvPr id="4" name="Footer Placeholder 3"/>
           <p:cNvSpPr>
             <a:spLocks noGrp="1"/>
           </p:cNvSpPr>
@@ -6187,7 +4185,7 @@
       </p:sp>
       <p:sp>
         <p:nvSpPr>
-          <p:cNvPr id="6" name="Slide Number Placeholder 4"/>
+          <p:cNvPr id="5" name="Slide Number Placeholder 4"/>
           <p:cNvSpPr>
             <a:spLocks noGrp="1"/>
           </p:cNvSpPr>
@@ -6220,7 +4218,7 @@
     </p:spTree>
     <p:extLst>
       <p:ext uri="{BB962C8B-B14F-4D97-AF65-F5344CB8AC3E}">
-        <p14:creationId xmlns:p14="http://schemas.microsoft.com/office/powerpoint/2010/main" val="1976490008"/>
+        <p14:creationId xmlns:p14="http://schemas.microsoft.com/office/powerpoint/2010/main" val="3732544768"/>
       </p:ext>
     </p:extLst>
   </p:cSld>
@@ -6232,7 +4230,7 @@
 </file>
 
 <file path=ppt/slideLayouts/slideLayout7.xml><?xml version="1.0" encoding="utf-8"?>
-<p:sldLayout xmlns:a="http://schemas.openxmlformats.org/drawingml/2006/main" xmlns:r="http://schemas.openxmlformats.org/officeDocument/2006/relationships" xmlns:p="http://schemas.openxmlformats.org/presentationml/2006/main" type="blank" preserve="1">
+<p:sldLayout xmlns:a="http://schemas.openxmlformats.org/drawingml/2006/main" xmlns:r="http://schemas.openxmlformats.org/officeDocument/2006/relationships" xmlns:p="http://schemas.openxmlformats.org/presentationml/2006/main" showMasterSp="0" type="blank" preserve="1">
   <p:cSld name="Blank">
     <p:spTree>
       <p:nvGrpSpPr>
@@ -6250,7 +4248,83 @@
       </p:grpSpPr>
       <p:sp>
         <p:nvSpPr>
-          <p:cNvPr id="7" name="Date Placeholder 1"/>
+          <p:cNvPr id="5" name="Rectangle 4"/>
+          <p:cNvSpPr/>
+          <p:nvPr/>
+        </p:nvSpPr>
+        <p:spPr>
+          <a:xfrm>
+            <a:off x="2382" y="4800600"/>
+            <a:ext cx="9141619" cy="342900"/>
+          </a:xfrm>
+          <a:prstGeom prst="rect">
+            <a:avLst/>
+          </a:prstGeom>
+          <a:solidFill>
+            <a:schemeClr val="accent2"/>
+          </a:solidFill>
+          <a:ln>
+            <a:noFill/>
+          </a:ln>
+        </p:spPr>
+        <p:style>
+          <a:lnRef idx="2">
+            <a:schemeClr val="accent1">
+              <a:shade val="50000"/>
+            </a:schemeClr>
+          </a:lnRef>
+          <a:fillRef idx="1">
+            <a:schemeClr val="accent1"/>
+          </a:fillRef>
+          <a:effectRef idx="0">
+            <a:schemeClr val="accent1"/>
+          </a:effectRef>
+          <a:fontRef idx="minor">
+            <a:schemeClr val="lt1"/>
+          </a:fontRef>
+        </p:style>
+      </p:sp>
+      <p:sp>
+        <p:nvSpPr>
+          <p:cNvPr id="6" name="Rectangle 5"/>
+          <p:cNvSpPr/>
+          <p:nvPr/>
+        </p:nvSpPr>
+        <p:spPr>
+          <a:xfrm>
+            <a:off x="12" y="4750737"/>
+            <a:ext cx="9141619" cy="48006"/>
+          </a:xfrm>
+          <a:prstGeom prst="rect">
+            <a:avLst/>
+          </a:prstGeom>
+          <a:solidFill>
+            <a:schemeClr val="accent1"/>
+          </a:solidFill>
+          <a:ln>
+            <a:noFill/>
+          </a:ln>
+        </p:spPr>
+        <p:style>
+          <a:lnRef idx="2">
+            <a:schemeClr val="accent1">
+              <a:shade val="50000"/>
+            </a:schemeClr>
+          </a:lnRef>
+          <a:fillRef idx="1">
+            <a:schemeClr val="accent1"/>
+          </a:fillRef>
+          <a:effectRef idx="0">
+            <a:schemeClr val="accent1"/>
+          </a:effectRef>
+          <a:fontRef idx="minor">
+            <a:schemeClr val="lt1"/>
+          </a:fontRef>
+        </p:style>
+      </p:sp>
+      <p:sp>
+        <p:nvSpPr>
+          <p:cNvPr id="7" name="Date Placeholder 6"/>
           <p:cNvSpPr>
             <a:spLocks noGrp="1"/>
           </p:cNvSpPr>
@@ -6264,8 +4338,8 @@
           <a:lstStyle/>
           <a:p>
             <a:fld id="{4509A250-FF31-4206-8172-F9D3106AACB1}" type="datetimeFigureOut">
-              <a:rPr lang="en-US" dirty="0"/>
-              <a:t>9/26/2022</a:t>
+              <a:rPr lang="en-US" smtClean="0"/>
+              <a:t>11/20/2022</a:t>
             </a:fld>
             <a:endParaRPr lang="en-US" dirty="0"/>
           </a:p>
@@ -6273,7 +4347,7 @@
       </p:sp>
       <p:sp>
         <p:nvSpPr>
-          <p:cNvPr id="5" name="Footer Placeholder 2"/>
+          <p:cNvPr id="8" name="Footer Placeholder 7"/>
           <p:cNvSpPr>
             <a:spLocks noGrp="1"/>
           </p:cNvSpPr>
@@ -6284,7 +4358,15 @@
         <p:spPr/>
         <p:txBody>
           <a:bodyPr/>
-          <a:lstStyle/>
+          <a:lstStyle>
+            <a:lvl1pPr>
+              <a:defRPr>
+                <a:solidFill>
+                  <a:srgbClr val="FFFFFF"/>
+                </a:solidFill>
+              </a:defRPr>
+            </a:lvl1pPr>
+          </a:lstStyle>
           <a:p>
             <a:endParaRPr lang="en-US" dirty="0"/>
           </a:p>
@@ -6292,7 +4374,7 @@
       </p:sp>
       <p:sp>
         <p:nvSpPr>
-          <p:cNvPr id="6" name="Slide Number Placeholder 3"/>
+          <p:cNvPr id="9" name="Slide Number Placeholder 8"/>
           <p:cNvSpPr>
             <a:spLocks noGrp="1"/>
           </p:cNvSpPr>
@@ -6325,7 +4407,7 @@
     </p:spTree>
     <p:extLst>
       <p:ext uri="{BB962C8B-B14F-4D97-AF65-F5344CB8AC3E}">
-        <p14:creationId xmlns:p14="http://schemas.microsoft.com/office/powerpoint/2010/main" val="2371143155"/>
+        <p14:creationId xmlns:p14="http://schemas.microsoft.com/office/powerpoint/2010/main" val="577189558"/>
       </p:ext>
     </p:extLst>
   </p:cSld>
@@ -6336,7 +4418,7 @@
 </file>
 
 <file path=ppt/slideLayouts/slideLayout8.xml><?xml version="1.0" encoding="utf-8"?>
-<p:sldLayout xmlns:a="http://schemas.openxmlformats.org/drawingml/2006/main" xmlns:r="http://schemas.openxmlformats.org/officeDocument/2006/relationships" xmlns:p="http://schemas.openxmlformats.org/presentationml/2006/main" type="objTx" preserve="1">
+<p:sldLayout xmlns:a="http://schemas.openxmlformats.org/drawingml/2006/main" xmlns:r="http://schemas.openxmlformats.org/officeDocument/2006/relationships" xmlns:p="http://schemas.openxmlformats.org/presentationml/2006/main" showMasterSp="0" type="objTx" preserve="1">
   <p:cSld name="Content with Caption">
     <p:spTree>
       <p:nvGrpSpPr>
@@ -6354,6 +4436,82 @@
       </p:grpSpPr>
       <p:sp>
         <p:nvSpPr>
+          <p:cNvPr id="8" name="Rectangle 7"/>
+          <p:cNvSpPr/>
+          <p:nvPr/>
+        </p:nvSpPr>
+        <p:spPr>
+          <a:xfrm>
+            <a:off x="13" y="0"/>
+            <a:ext cx="3038093" cy="5143500"/>
+          </a:xfrm>
+          <a:prstGeom prst="rect">
+            <a:avLst/>
+          </a:prstGeom>
+          <a:solidFill>
+            <a:schemeClr val="accent2"/>
+          </a:solidFill>
+          <a:ln>
+            <a:noFill/>
+          </a:ln>
+        </p:spPr>
+        <p:style>
+          <a:lnRef idx="2">
+            <a:schemeClr val="accent1">
+              <a:shade val="50000"/>
+            </a:schemeClr>
+          </a:lnRef>
+          <a:fillRef idx="1">
+            <a:schemeClr val="accent1"/>
+          </a:fillRef>
+          <a:effectRef idx="0">
+            <a:schemeClr val="accent1"/>
+          </a:effectRef>
+          <a:fontRef idx="minor">
+            <a:schemeClr val="lt1"/>
+          </a:fontRef>
+        </p:style>
+      </p:sp>
+      <p:sp>
+        <p:nvSpPr>
+          <p:cNvPr id="9" name="Rectangle 8"/>
+          <p:cNvSpPr/>
+          <p:nvPr/>
+        </p:nvSpPr>
+        <p:spPr>
+          <a:xfrm>
+            <a:off x="3030053" y="0"/>
+            <a:ext cx="48006" cy="5143500"/>
+          </a:xfrm>
+          <a:prstGeom prst="rect">
+            <a:avLst/>
+          </a:prstGeom>
+          <a:solidFill>
+            <a:schemeClr val="accent1"/>
+          </a:solidFill>
+          <a:ln>
+            <a:noFill/>
+          </a:ln>
+        </p:spPr>
+        <p:style>
+          <a:lnRef idx="2">
+            <a:schemeClr val="accent1">
+              <a:shade val="50000"/>
+            </a:schemeClr>
+          </a:lnRef>
+          <a:fillRef idx="1">
+            <a:schemeClr val="accent1"/>
+          </a:fillRef>
+          <a:effectRef idx="0">
+            <a:schemeClr val="accent1"/>
+          </a:effectRef>
+          <a:fontRef idx="minor">
+            <a:schemeClr val="lt1"/>
+          </a:fontRef>
+        </p:style>
+      </p:sp>
+      <p:sp>
+        <p:nvSpPr>
           <p:cNvPr id="2" name="Title 1"/>
           <p:cNvSpPr>
             <a:spLocks noGrp="1"/>
@@ -6364,75 +4522,51 @@
         </p:nvSpPr>
         <p:spPr>
           <a:xfrm>
-            <a:off x="866215" y="1085850"/>
-            <a:ext cx="2550798" cy="1085850"/>
+            <a:off x="342900" y="445769"/>
+            <a:ext cx="2400300" cy="1714500"/>
           </a:xfrm>
         </p:spPr>
         <p:txBody>
-          <a:bodyPr anchor="b"/>
-          <a:lstStyle>
-            <a:lvl1pPr algn="l">
-              <a:defRPr sz="1800" b="0"/>
-            </a:lvl1pPr>
-          </a:lstStyle>
-          <a:p>
-            <a:r>
-              <a:rPr lang="en-US"/>
-              <a:t>Click to edit Master title style</a:t>
-            </a:r>
-            <a:endParaRPr lang="en-US" dirty="0"/>
-          </a:p>
-        </p:txBody>
-      </p:sp>
-      <p:sp>
-        <p:nvSpPr>
-          <p:cNvPr id="3" name="Content Placeholder 2"/>
-          <p:cNvSpPr>
-            <a:spLocks noGrp="1"/>
-          </p:cNvSpPr>
-          <p:nvPr>
-            <p:ph idx="1"/>
-          </p:nvPr>
-        </p:nvSpPr>
-        <p:spPr>
-          <a:xfrm>
-            <a:off x="3588462" y="1085850"/>
-            <a:ext cx="3896998" cy="3429000"/>
-          </a:xfrm>
-        </p:spPr>
-        <p:txBody>
-          <a:bodyPr anchor="ctr">
+          <a:bodyPr anchor="b">
             <a:normAutofit/>
           </a:bodyPr>
           <a:lstStyle>
             <a:lvl1pPr>
-              <a:defRPr sz="1500"/>
+              <a:defRPr sz="2700" b="0">
+                <a:solidFill>
+                  <a:srgbClr val="FFFFFF"/>
+                </a:solidFill>
+              </a:defRPr>
             </a:lvl1pPr>
-            <a:lvl2pPr>
-              <a:defRPr sz="1350"/>
-            </a:lvl2pPr>
-            <a:lvl3pPr>
-              <a:defRPr sz="1200"/>
-            </a:lvl3pPr>
-            <a:lvl4pPr>
-              <a:defRPr sz="1050"/>
-            </a:lvl4pPr>
-            <a:lvl5pPr>
-              <a:defRPr sz="1050"/>
-            </a:lvl5pPr>
-            <a:lvl6pPr>
-              <a:defRPr sz="1050"/>
-            </a:lvl6pPr>
-            <a:lvl7pPr>
-              <a:defRPr sz="1050"/>
-            </a:lvl7pPr>
-            <a:lvl8pPr>
-              <a:defRPr sz="1050"/>
-            </a:lvl8pPr>
-            <a:lvl9pPr>
-              <a:defRPr sz="1050"/>
-            </a:lvl9pPr>
           </a:lstStyle>
+          <a:p>
+            <a:r>
+              <a:rPr lang="en-US"/>
+              <a:t>Click to edit Master title style</a:t>
+            </a:r>
+            <a:endParaRPr lang="en-US" dirty="0"/>
+          </a:p>
+        </p:txBody>
+      </p:sp>
+      <p:sp>
+        <p:nvSpPr>
+          <p:cNvPr id="3" name="Content Placeholder 2"/>
+          <p:cNvSpPr>
+            <a:spLocks noGrp="1"/>
+          </p:cNvSpPr>
+          <p:nvPr>
+            <p:ph idx="1"/>
+          </p:nvPr>
+        </p:nvSpPr>
+        <p:spPr>
+          <a:xfrm>
+            <a:off x="3600450" y="548640"/>
+            <a:ext cx="4869180" cy="3943350"/>
+          </a:xfrm>
+        </p:spPr>
+        <p:txBody>
+          <a:bodyPr/>
+          <a:lstStyle/>
           <a:p>
             <a:pPr lvl="0"/>
             <a:r>
@@ -6483,16 +4617,22 @@
         </p:nvSpPr>
         <p:spPr>
           <a:xfrm>
-            <a:off x="866215" y="2346961"/>
-            <a:ext cx="2550797" cy="2171699"/>
+            <a:off x="342900" y="2194560"/>
+            <a:ext cx="2400300" cy="2534343"/>
           </a:xfrm>
         </p:spPr>
         <p:txBody>
-          <a:bodyPr/>
+          <a:bodyPr lIns="91440" rIns="91440">
+            <a:normAutofit/>
+          </a:bodyPr>
           <a:lstStyle>
             <a:lvl1pPr marL="0" indent="0">
               <a:buNone/>
-              <a:defRPr sz="1050"/>
+              <a:defRPr sz="1125">
+                <a:solidFill>
+                  <a:srgbClr val="FFFFFF"/>
+                </a:solidFill>
+              </a:defRPr>
             </a:lvl1pPr>
             <a:lvl2pPr marL="342900" indent="0">
               <a:buNone/>
@@ -6538,7 +4678,7 @@
       </p:sp>
       <p:sp>
         <p:nvSpPr>
-          <p:cNvPr id="7" name="Date Placeholder 4"/>
+          <p:cNvPr id="5" name="Date Placeholder 4"/>
           <p:cNvSpPr>
             <a:spLocks noGrp="1"/>
           </p:cNvSpPr>
@@ -6546,14 +4686,23 @@
             <p:ph type="dt" sz="half" idx="10"/>
           </p:nvPr>
         </p:nvSpPr>
-        <p:spPr/>
+        <p:spPr>
+          <a:xfrm>
+            <a:off x="349134" y="4844839"/>
+            <a:ext cx="1963883" cy="273844"/>
+          </a:xfrm>
+        </p:spPr>
         <p:txBody>
           <a:bodyPr/>
-          <a:lstStyle/>
+          <a:lstStyle>
+            <a:lvl1pPr algn="l">
+              <a:defRPr/>
+            </a:lvl1pPr>
+          </a:lstStyle>
           <a:p>
             <a:fld id="{4509A250-FF31-4206-8172-F9D3106AACB1}" type="datetimeFigureOut">
-              <a:rPr lang="en-US" dirty="0"/>
-              <a:t>9/26/2022</a:t>
+              <a:rPr lang="en-US" smtClean="0"/>
+              <a:t>11/20/2022</a:t>
             </a:fld>
             <a:endParaRPr lang="en-US" dirty="0"/>
           </a:p>
@@ -6561,7 +4710,7 @@
       </p:sp>
       <p:sp>
         <p:nvSpPr>
-          <p:cNvPr id="5" name="Footer Placeholder 5"/>
+          <p:cNvPr id="6" name="Footer Placeholder 5"/>
           <p:cNvSpPr>
             <a:spLocks noGrp="1"/>
           </p:cNvSpPr>
@@ -6569,10 +4718,23 @@
             <p:ph type="ftr" sz="quarter" idx="11"/>
           </p:nvPr>
         </p:nvSpPr>
-        <p:spPr/>
+        <p:spPr>
+          <a:xfrm>
+            <a:off x="3600450" y="4844839"/>
+            <a:ext cx="3486150" cy="273844"/>
+          </a:xfrm>
+        </p:spPr>
         <p:txBody>
           <a:bodyPr/>
-          <a:lstStyle/>
+          <a:lstStyle>
+            <a:lvl1pPr algn="l">
+              <a:defRPr>
+                <a:solidFill>
+                  <a:schemeClr val="tx2"/>
+                </a:solidFill>
+              </a:defRPr>
+            </a:lvl1pPr>
+          </a:lstStyle>
           <a:p>
             <a:endParaRPr lang="en-US" dirty="0"/>
           </a:p>
@@ -6580,7 +4742,7 @@
       </p:sp>
       <p:sp>
         <p:nvSpPr>
-          <p:cNvPr id="6" name="Slide Number Placeholder 6"/>
+          <p:cNvPr id="7" name="Slide Number Placeholder 6"/>
           <p:cNvSpPr>
             <a:spLocks noGrp="1"/>
           </p:cNvSpPr>
@@ -6591,7 +4753,15 @@
         <p:spPr/>
         <p:txBody>
           <a:bodyPr/>
-          <a:lstStyle/>
+          <a:lstStyle>
+            <a:lvl1pPr>
+              <a:defRPr>
+                <a:solidFill>
+                  <a:schemeClr val="tx2"/>
+                </a:solidFill>
+              </a:defRPr>
+            </a:lvl1pPr>
+          </a:lstStyle>
           <a:p>
             <a:pPr marL="0" lvl="0" indent="0" algn="r" rtl="0">
               <a:spcBef>
@@ -6613,7 +4783,7 @@
     </p:spTree>
     <p:extLst>
       <p:ext uri="{BB962C8B-B14F-4D97-AF65-F5344CB8AC3E}">
-        <p14:creationId xmlns:p14="http://schemas.microsoft.com/office/powerpoint/2010/main" val="2391591374"/>
+        <p14:creationId xmlns:p14="http://schemas.microsoft.com/office/powerpoint/2010/main" val="3635909020"/>
       </p:ext>
     </p:extLst>
   </p:cSld>
@@ -6625,7 +4795,7 @@
 </file>
 
 <file path=ppt/slideLayouts/slideLayout9.xml><?xml version="1.0" encoding="utf-8"?>
-<p:sldLayout xmlns:a="http://schemas.openxmlformats.org/drawingml/2006/main" xmlns:r="http://schemas.openxmlformats.org/officeDocument/2006/relationships" xmlns:p="http://schemas.openxmlformats.org/presentationml/2006/main" type="picTx" preserve="1">
+<p:sldLayout xmlns:a="http://schemas.openxmlformats.org/drawingml/2006/main" xmlns:r="http://schemas.openxmlformats.org/officeDocument/2006/relationships" xmlns:p="http://schemas.openxmlformats.org/presentationml/2006/main" showMasterSp="0" type="picTx" preserve="1">
   <p:cSld name="Picture with Caption">
     <p:spTree>
       <p:nvGrpSpPr>
@@ -6643,6 +4813,82 @@
       </p:grpSpPr>
       <p:sp>
         <p:nvSpPr>
+          <p:cNvPr id="8" name="Rectangle 7"/>
+          <p:cNvSpPr/>
+          <p:nvPr/>
+        </p:nvSpPr>
+        <p:spPr>
+          <a:xfrm>
+            <a:off x="0" y="3714750"/>
+            <a:ext cx="9141619" cy="1428750"/>
+          </a:xfrm>
+          <a:prstGeom prst="rect">
+            <a:avLst/>
+          </a:prstGeom>
+          <a:solidFill>
+            <a:schemeClr val="accent2"/>
+          </a:solidFill>
+          <a:ln>
+            <a:noFill/>
+          </a:ln>
+        </p:spPr>
+        <p:style>
+          <a:lnRef idx="2">
+            <a:schemeClr val="accent1">
+              <a:shade val="50000"/>
+            </a:schemeClr>
+          </a:lnRef>
+          <a:fillRef idx="1">
+            <a:schemeClr val="accent1"/>
+          </a:fillRef>
+          <a:effectRef idx="0">
+            <a:schemeClr val="accent1"/>
+          </a:effectRef>
+          <a:fontRef idx="minor">
+            <a:schemeClr val="lt1"/>
+          </a:fontRef>
+        </p:style>
+      </p:sp>
+      <p:sp>
+        <p:nvSpPr>
+          <p:cNvPr id="9" name="Rectangle 8"/>
+          <p:cNvSpPr/>
+          <p:nvPr/>
+        </p:nvSpPr>
+        <p:spPr>
+          <a:xfrm>
+            <a:off x="12" y="3686307"/>
+            <a:ext cx="9141619" cy="48006"/>
+          </a:xfrm>
+          <a:prstGeom prst="rect">
+            <a:avLst/>
+          </a:prstGeom>
+          <a:solidFill>
+            <a:schemeClr val="accent1"/>
+          </a:solidFill>
+          <a:ln>
+            <a:noFill/>
+          </a:ln>
+        </p:spPr>
+        <p:style>
+          <a:lnRef idx="2">
+            <a:schemeClr val="accent1">
+              <a:shade val="50000"/>
+            </a:schemeClr>
+          </a:lnRef>
+          <a:fillRef idx="1">
+            <a:schemeClr val="accent1"/>
+          </a:fillRef>
+          <a:effectRef idx="0">
+            <a:schemeClr val="accent1"/>
+          </a:effectRef>
+          <a:fontRef idx="minor">
+            <a:schemeClr val="lt1"/>
+          </a:fontRef>
+        </p:style>
+      </p:sp>
+      <p:sp>
+        <p:nvSpPr>
           <p:cNvPr id="2" name="Title 1"/>
           <p:cNvSpPr>
             <a:spLocks noGrp="1"/>
@@ -6653,17 +4899,21 @@
         </p:nvSpPr>
         <p:spPr>
           <a:xfrm>
-            <a:off x="865430" y="1390644"/>
-            <a:ext cx="3819680" cy="1181106"/>
+            <a:off x="822960" y="3806190"/>
+            <a:ext cx="7584948" cy="617220"/>
           </a:xfrm>
         </p:spPr>
         <p:txBody>
-          <a:bodyPr anchor="b">
-            <a:normAutofit/>
+          <a:bodyPr lIns="91440" tIns="0" rIns="91440" bIns="0" anchor="b">
+            <a:noAutofit/>
           </a:bodyPr>
           <a:lstStyle>
-            <a:lvl1pPr algn="l">
-              <a:defRPr sz="2700" b="0"/>
+            <a:lvl1pPr>
+              <a:defRPr sz="2700" b="0">
+                <a:solidFill>
+                  <a:srgbClr val="FFFFFF"/>
+                </a:solidFill>
+              </a:defRPr>
             </a:lvl1pPr>
           </a:lstStyle>
           <a:p>
@@ -6687,62 +4937,58 @@
         </p:nvSpPr>
         <p:spPr>
           <a:xfrm>
-            <a:off x="5212160" y="857250"/>
-            <a:ext cx="2400300" cy="3429000"/>
+            <a:off x="12" y="0"/>
+            <a:ext cx="9143989" cy="3686307"/>
           </a:xfrm>
-          <a:prstGeom prst="roundRect">
-            <a:avLst>
-              <a:gd name="adj" fmla="val 1858"/>
-            </a:avLst>
-          </a:prstGeom>
-          <a:effectLst>
-            <a:outerShdw blurRad="50800" dist="50800" dir="5400000" algn="tl" rotWithShape="0">
-              <a:srgbClr val="000000">
-                <a:alpha val="43000"/>
-              </a:srgbClr>
-            </a:outerShdw>
-          </a:effectLst>
-        </p:spPr>
-        <p:txBody>
-          <a:bodyPr anchor="t">
-            <a:normAutofit/>
-          </a:bodyPr>
+          <a:blipFill>
+            <a:blip r:embed="rId2"/>
+            <a:stretch>
+              <a:fillRect/>
+            </a:stretch>
+          </a:blipFill>
+        </p:spPr>
+        <p:txBody>
+          <a:bodyPr lIns="457200" tIns="457200" anchor="t"/>
           <a:lstStyle>
-            <a:lvl1pPr marL="0" indent="0" algn="ctr">
-              <a:buNone/>
-              <a:defRPr sz="1200"/>
+            <a:lvl1pPr marL="0" indent="0">
+              <a:buNone/>
+              <a:defRPr sz="2400">
+                <a:solidFill>
+                  <a:schemeClr val="bg1"/>
+                </a:solidFill>
+              </a:defRPr>
             </a:lvl1pPr>
             <a:lvl2pPr marL="342900" indent="0">
               <a:buNone/>
-              <a:defRPr sz="1200"/>
+              <a:defRPr sz="2100"/>
             </a:lvl2pPr>
             <a:lvl3pPr marL="685800" indent="0">
               <a:buNone/>
-              <a:defRPr sz="1200"/>
+              <a:defRPr sz="1800"/>
             </a:lvl3pPr>
             <a:lvl4pPr marL="1028700" indent="0">
               <a:buNone/>
-              <a:defRPr sz="1200"/>
+              <a:defRPr sz="1500"/>
             </a:lvl4pPr>
             <a:lvl5pPr marL="1371600" indent="0">
               <a:buNone/>
-              <a:defRPr sz="1200"/>
+              <a:defRPr sz="1500"/>
             </a:lvl5pPr>
             <a:lvl6pPr marL="1714500" indent="0">
               <a:buNone/>
-              <a:defRPr sz="1200"/>
+              <a:defRPr sz="1500"/>
             </a:lvl6pPr>
             <a:lvl7pPr marL="2057400" indent="0">
               <a:buNone/>
-              <a:defRPr sz="1200"/>
+              <a:defRPr sz="1500"/>
             </a:lvl7pPr>
             <a:lvl8pPr marL="2400300" indent="0">
               <a:buNone/>
-              <a:defRPr sz="1200"/>
+              <a:defRPr sz="1500"/>
             </a:lvl8pPr>
             <a:lvl9pPr marL="2743200" indent="0">
               <a:buNone/>
-              <a:defRPr sz="1200"/>
+              <a:defRPr sz="1500"/>
             </a:lvl9pPr>
           </a:lstStyle>
           <a:p>
@@ -6766,18 +5012,28 @@
         </p:nvSpPr>
         <p:spPr>
           <a:xfrm>
-            <a:off x="866216" y="2743200"/>
-            <a:ext cx="3813734" cy="1028700"/>
+            <a:off x="822960" y="4430267"/>
+            <a:ext cx="7584948" cy="445770"/>
           </a:xfrm>
         </p:spPr>
         <p:txBody>
-          <a:bodyPr>
+          <a:bodyPr lIns="91440" tIns="0" rIns="91440" bIns="0">
             <a:normAutofit/>
           </a:bodyPr>
           <a:lstStyle>
             <a:lvl1pPr marL="0" indent="0">
-              <a:buNone/>
-              <a:defRPr sz="1050"/>
+              <a:spcBef>
+                <a:spcPts val="0"/>
+              </a:spcBef>
+              <a:spcAft>
+                <a:spcPts val="450"/>
+              </a:spcAft>
+              <a:buNone/>
+              <a:defRPr sz="1125">
+                <a:solidFill>
+                  <a:srgbClr val="FFFFFF"/>
+                </a:solidFill>
+              </a:defRPr>
             </a:lvl1pPr>
             <a:lvl2pPr marL="342900" indent="0">
               <a:buNone/>
@@ -6837,8 +5093,8 @@
           <a:lstStyle/>
           <a:p>
             <a:fld id="{4509A250-FF31-4206-8172-F9D3106AACB1}" type="datetimeFigureOut">
-              <a:rPr lang="en-US" dirty="0"/>
-              <a:t>9/26/2022</a:t>
+              <a:rPr lang="en-US" smtClean="0"/>
+              <a:t>11/20/2022</a:t>
             </a:fld>
             <a:endParaRPr lang="en-US" dirty="0"/>
           </a:p>
@@ -6898,7 +5154,7 @@
     </p:spTree>
     <p:extLst>
       <p:ext uri="{BB962C8B-B14F-4D97-AF65-F5344CB8AC3E}">
-        <p14:creationId xmlns:p14="http://schemas.microsoft.com/office/powerpoint/2010/main" val="2060461804"/>
+        <p14:creationId xmlns:p14="http://schemas.microsoft.com/office/powerpoint/2010/main" val="974344635"/>
       </p:ext>
     </p:extLst>
   </p:cSld>
@@ -6913,8 +5169,8 @@
 <p:sldMaster xmlns:a="http://schemas.openxmlformats.org/drawingml/2006/main" xmlns:r="http://schemas.openxmlformats.org/officeDocument/2006/relationships" xmlns:p="http://schemas.openxmlformats.org/presentationml/2006/main">
   <p:cSld>
     <p:bg>
-      <p:bgRef idx="1003">
-        <a:schemeClr val="bg2"/>
+      <p:bgRef idx="1001">
+        <a:schemeClr val="bg1"/>
       </p:bgRef>
     </p:bg>
     <p:spTree>
@@ -6931,120 +5187,37 @@
           <a:chExt cx="0" cy="0"/>
         </a:xfrm>
       </p:grpSpPr>
-      <p:pic>
-        <p:nvPicPr>
-          <p:cNvPr id="8" name="Picture 7"/>
-          <p:cNvPicPr>
-            <a:picLocks noChangeAspect="1"/>
-          </p:cNvPicPr>
+      <p:sp>
+        <p:nvSpPr>
+          <p:cNvPr id="7" name="Rectangle 6"/>
+          <p:cNvSpPr/>
           <p:nvPr/>
-        </p:nvPicPr>
-        <p:blipFill rotWithShape="1">
-          <a:blip r:embed="rId20">
-            <a:extLst>
-              <a:ext uri="{28A0092B-C50C-407E-A947-70E740481C1C}">
-                <a14:useLocalDpi xmlns:a14="http://schemas.microsoft.com/office/drawing/2010/main" val="0"/>
-              </a:ext>
-            </a:extLst>
-          </a:blip>
-          <a:srcRect l="3613"/>
-          <a:stretch/>
-        </p:blipFill>
+        </p:nvSpPr>
         <p:spPr>
           <a:xfrm>
-            <a:off x="0" y="2002264"/>
-            <a:ext cx="3027759" cy="3141236"/>
+            <a:off x="1" y="4800600"/>
+            <a:ext cx="9144000" cy="342900"/>
           </a:xfrm>
           <a:prstGeom prst="rect">
             <a:avLst/>
           </a:prstGeom>
-        </p:spPr>
-      </p:pic>
-      <p:pic>
-        <p:nvPicPr>
-          <p:cNvPr id="7" name="Picture 6"/>
-          <p:cNvPicPr>
-            <a:picLocks noChangeAspect="1"/>
-          </p:cNvPicPr>
-          <p:nvPr/>
-        </p:nvPicPr>
-        <p:blipFill rotWithShape="1">
-          <a:blip r:embed="rId21">
-            <a:extLst>
-              <a:ext uri="{28A0092B-C50C-407E-A947-70E740481C1C}">
-                <a14:useLocalDpi xmlns:a14="http://schemas.microsoft.com/office/drawing/2010/main" val="0"/>
-              </a:ext>
-            </a:extLst>
-          </a:blip>
-          <a:srcRect l="35640"/>
-          <a:stretch/>
-        </p:blipFill>
-        <p:spPr>
-          <a:xfrm>
-            <a:off x="0" y="2169261"/>
-            <a:ext cx="1141809" cy="1774090"/>
-          </a:xfrm>
-          <a:prstGeom prst="rect">
-            <a:avLst/>
-          </a:prstGeom>
-        </p:spPr>
-      </p:pic>
-      <p:sp>
-        <p:nvSpPr>
-          <p:cNvPr id="16" name="Oval 15"/>
-          <p:cNvSpPr/>
-          <p:nvPr/>
-        </p:nvSpPr>
-        <p:spPr>
-          <a:xfrm>
-            <a:off x="6456759" y="1257300"/>
-            <a:ext cx="2114550" cy="2114550"/>
-          </a:xfrm>
-          <a:prstGeom prst="ellipse">
-            <a:avLst/>
-          </a:prstGeom>
-          <a:gradFill flip="none" rotWithShape="1">
-            <a:gsLst>
-              <a:gs pos="0">
-                <a:schemeClr val="bg2">
-                  <a:lumMod val="60000"/>
-                  <a:lumOff val="40000"/>
-                  <a:alpha val="7000"/>
-                </a:schemeClr>
-              </a:gs>
-              <a:gs pos="69000">
-                <a:schemeClr val="bg2">
-                  <a:lumMod val="60000"/>
-                  <a:lumOff val="40000"/>
-                  <a:alpha val="0"/>
-                </a:schemeClr>
-              </a:gs>
-              <a:gs pos="36000">
-                <a:schemeClr val="bg2">
-                  <a:lumMod val="60000"/>
-                  <a:lumOff val="40000"/>
-                  <a:alpha val="6000"/>
-                </a:schemeClr>
-              </a:gs>
-            </a:gsLst>
-            <a:path path="circle">
-              <a:fillToRect l="50000" t="50000" r="50000" b="50000"/>
-            </a:path>
-            <a:tileRect/>
-          </a:gradFill>
+          <a:solidFill>
+            <a:schemeClr val="accent2"/>
+          </a:solidFill>
           <a:ln>
             <a:noFill/>
           </a:ln>
-          <a:effectLst/>
         </p:spPr>
         <p:style>
-          <a:lnRef idx="1">
-            <a:schemeClr val="accent1"/>
+          <a:lnRef idx="2">
+            <a:schemeClr val="accent1">
+              <a:shade val="50000"/>
+            </a:schemeClr>
           </a:lnRef>
-          <a:fillRef idx="3">
+          <a:fillRef idx="1">
             <a:schemeClr val="accent1"/>
           </a:fillRef>
-          <a:effectRef idx="2">
+          <a:effectRef idx="0">
             <a:schemeClr val="accent1"/>
           </a:effectRef>
           <a:fontRef idx="minor">
@@ -7052,74 +5225,16 @@
           </a:fontRef>
         </p:style>
       </p:sp>
-      <p:pic>
-        <p:nvPicPr>
-          <p:cNvPr id="9" name="Picture 8"/>
-          <p:cNvPicPr>
-            <a:picLocks noChangeAspect="1"/>
-          </p:cNvPicPr>
-          <p:nvPr/>
-        </p:nvPicPr>
-        <p:blipFill rotWithShape="1">
-          <a:blip r:embed="rId22">
-            <a:extLst>
-              <a:ext uri="{28A0092B-C50C-407E-A947-70E740481C1C}">
-                <a14:useLocalDpi xmlns:a14="http://schemas.microsoft.com/office/drawing/2010/main" val="0"/>
-              </a:ext>
-            </a:extLst>
-          </a:blip>
-          <a:srcRect t="28813"/>
-          <a:stretch/>
-        </p:blipFill>
-        <p:spPr>
-          <a:xfrm>
-            <a:off x="5999560" y="1"/>
-            <a:ext cx="1202540" cy="856055"/>
-          </a:xfrm>
-          <a:prstGeom prst="rect">
-            <a:avLst/>
-          </a:prstGeom>
-        </p:spPr>
-      </p:pic>
-      <p:pic>
-        <p:nvPicPr>
-          <p:cNvPr id="10" name="Picture 9"/>
-          <p:cNvPicPr>
-            <a:picLocks noChangeAspect="1"/>
-          </p:cNvPicPr>
-          <p:nvPr/>
-        </p:nvPicPr>
-        <p:blipFill rotWithShape="1">
-          <a:blip r:embed="rId23">
-            <a:extLst>
-              <a:ext uri="{28A0092B-C50C-407E-A947-70E740481C1C}">
-                <a14:useLocalDpi xmlns:a14="http://schemas.microsoft.com/office/drawing/2010/main" val="0"/>
-              </a:ext>
-            </a:extLst>
-          </a:blip>
-          <a:srcRect b="23320"/>
-          <a:stretch/>
-        </p:blipFill>
-        <p:spPr>
-          <a:xfrm>
-            <a:off x="6454408" y="4572000"/>
-            <a:ext cx="745301" cy="571500"/>
-          </a:xfrm>
-          <a:prstGeom prst="rect">
-            <a:avLst/>
-          </a:prstGeom>
-        </p:spPr>
-      </p:pic>
-      <p:sp>
-        <p:nvSpPr>
-          <p:cNvPr id="14" name="Rectangle 13"/>
+      <p:sp>
+        <p:nvSpPr>
+          <p:cNvPr id="9" name="Rectangle 8"/>
           <p:cNvSpPr/>
           <p:nvPr/>
         </p:nvSpPr>
         <p:spPr>
           <a:xfrm>
-            <a:off x="7828359" y="0"/>
-            <a:ext cx="514350" cy="857250"/>
+            <a:off x="0" y="4750737"/>
+            <a:ext cx="9144001" cy="49499"/>
           </a:xfrm>
           <a:prstGeom prst="rect">
             <a:avLst/>
@@ -7132,13 +5247,15 @@
           </a:ln>
         </p:spPr>
         <p:style>
-          <a:lnRef idx="1">
-            <a:schemeClr val="accent1"/>
+          <a:lnRef idx="2">
+            <a:schemeClr val="accent1">
+              <a:shade val="50000"/>
+            </a:schemeClr>
           </a:lnRef>
-          <a:fillRef idx="3">
+          <a:fillRef idx="1">
             <a:schemeClr val="accent1"/>
           </a:fillRef>
-          <a:effectRef idx="2">
+          <a:effectRef idx="0">
             <a:schemeClr val="accent1"/>
           </a:effectRef>
           <a:fontRef idx="minor">
@@ -7158,16 +5275,16 @@
         </p:nvSpPr>
         <p:spPr>
           <a:xfrm>
-            <a:off x="484584" y="339538"/>
-            <a:ext cx="7053542" cy="1050398"/>
+            <a:off x="822960" y="214953"/>
+            <a:ext cx="7543800" cy="1088068"/>
           </a:xfrm>
           <a:prstGeom prst="rect">
             <a:avLst/>
           </a:prstGeom>
         </p:spPr>
         <p:txBody>
-          <a:bodyPr vert="horz" lIns="91440" tIns="45720" rIns="91440" bIns="45720" rtlCol="0" anchor="t">
-            <a:noAutofit/>
+          <a:bodyPr vert="horz" lIns="91440" tIns="45720" rIns="91440" bIns="45720" rtlCol="0" anchor="b">
+            <a:normAutofit/>
           </a:bodyPr>
           <a:lstStyle/>
           <a:p>
@@ -7191,15 +5308,15 @@
         </p:nvSpPr>
         <p:spPr>
           <a:xfrm>
-            <a:off x="827484" y="1539689"/>
-            <a:ext cx="6709906" cy="3146611"/>
+            <a:off x="822960" y="1384301"/>
+            <a:ext cx="7543800" cy="3017520"/>
           </a:xfrm>
           <a:prstGeom prst="rect">
             <a:avLst/>
           </a:prstGeom>
         </p:spPr>
         <p:txBody>
-          <a:bodyPr vert="horz" lIns="91440" tIns="45720" rIns="91440" bIns="45720" rtlCol="0">
+          <a:bodyPr vert="horz" lIns="0" tIns="45720" rIns="0" bIns="45720" rtlCol="0">
             <a:normAutofit/>
           </a:bodyPr>
           <a:lstStyle/>
@@ -7252,32 +5369,29 @@
           </p:nvPr>
         </p:nvSpPr>
         <p:spPr>
-          <a:xfrm rot="5400000">
-            <a:off x="7616730" y="1343026"/>
-            <a:ext cx="742949" cy="228599"/>
+          <a:xfrm>
+            <a:off x="822961" y="4844839"/>
+            <a:ext cx="1854203" cy="273844"/>
           </a:xfrm>
           <a:prstGeom prst="rect">
             <a:avLst/>
           </a:prstGeom>
         </p:spPr>
         <p:txBody>
-          <a:bodyPr vert="horz" lIns="91440" tIns="45720" rIns="91440" bIns="45720" rtlCol="0" anchor="t"/>
+          <a:bodyPr vert="horz" lIns="91440" tIns="45720" rIns="91440" bIns="45720" rtlCol="0" anchor="ctr"/>
           <a:lstStyle>
             <a:lvl1pPr algn="l">
-              <a:defRPr sz="825" b="0" i="0">
+              <a:defRPr sz="675">
                 <a:solidFill>
-                  <a:schemeClr val="tx1">
-                    <a:tint val="75000"/>
-                    <a:alpha val="60000"/>
-                  </a:schemeClr>
+                  <a:srgbClr val="FFFFFF"/>
                 </a:solidFill>
               </a:defRPr>
             </a:lvl1pPr>
           </a:lstStyle>
           <a:p>
             <a:fld id="{4AAD347D-5ACD-4C99-B74B-A9C85AD731AF}" type="datetimeFigureOut">
-              <a:rPr lang="en-US" dirty="0"/>
-              <a:t>9/26/2022</a:t>
+              <a:rPr lang="en-US" smtClean="0"/>
+              <a:t>11/20/2022</a:t>
             </a:fld>
             <a:endParaRPr lang="en-US" dirty="0"/>
           </a:p>
@@ -7294,24 +5408,21 @@
           </p:nvPr>
         </p:nvSpPr>
         <p:spPr>
-          <a:xfrm rot="5400000">
-            <a:off x="6713680" y="2418973"/>
-            <a:ext cx="2894846" cy="228601"/>
+          <a:xfrm>
+            <a:off x="2764639" y="4844839"/>
+            <a:ext cx="3617103" cy="273844"/>
           </a:xfrm>
           <a:prstGeom prst="rect">
             <a:avLst/>
           </a:prstGeom>
         </p:spPr>
         <p:txBody>
-          <a:bodyPr vert="horz" lIns="91440" tIns="45720" rIns="91440" bIns="45720" rtlCol="0" anchor="b"/>
+          <a:bodyPr vert="horz" lIns="91440" tIns="45720" rIns="91440" bIns="45720" rtlCol="0" anchor="ctr"/>
           <a:lstStyle>
-            <a:lvl1pPr algn="l">
-              <a:defRPr sz="825" b="0" i="0">
+            <a:lvl1pPr algn="ctr">
+              <a:defRPr sz="675" cap="all" baseline="0">
                 <a:solidFill>
-                  <a:schemeClr val="tx1">
-                    <a:tint val="75000"/>
-                    <a:alpha val="60000"/>
-                  </a:schemeClr>
+                  <a:srgbClr val="FFFFFF"/>
                 </a:solidFill>
               </a:defRPr>
             </a:lvl1pPr>
@@ -7331,24 +5442,22 @@
             <p:ph type="sldNum" sz="quarter" idx="4"/>
           </p:nvPr>
         </p:nvSpPr>
-        <p:spPr bwMode="gray">
+        <p:spPr>
           <a:xfrm>
-            <a:off x="7764406" y="221797"/>
-            <a:ext cx="628649" cy="575765"/>
+            <a:off x="7425344" y="4844839"/>
+            <a:ext cx="984019" cy="273844"/>
           </a:xfrm>
           <a:prstGeom prst="rect">
             <a:avLst/>
           </a:prstGeom>
         </p:spPr>
         <p:txBody>
-          <a:bodyPr vert="horz" lIns="91440" tIns="45720" rIns="91440" bIns="45720" rtlCol="0" anchor="b"/>
+          <a:bodyPr vert="horz" lIns="91440" tIns="45720" rIns="91440" bIns="45720" rtlCol="0" anchor="ctr"/>
           <a:lstStyle>
-            <a:lvl1pPr algn="ctr">
-              <a:defRPr sz="2100" b="0" i="0">
+            <a:lvl1pPr algn="r">
+              <a:defRPr sz="788">
                 <a:solidFill>
-                  <a:schemeClr val="tx1">
-                    <a:tint val="75000"/>
-                  </a:schemeClr>
+                  <a:srgbClr val="FFFFFF"/>
                 </a:solidFill>
               </a:defRPr>
             </a:lvl1pPr>
@@ -7371,332 +5480,334 @@
           </a:p>
         </p:txBody>
       </p:sp>
+      <p:cxnSp>
+        <p:nvCxnSpPr>
+          <p:cNvPr id="10" name="Straight Connector 9"/>
+          <p:cNvCxnSpPr/>
+          <p:nvPr/>
+        </p:nvCxnSpPr>
+        <p:spPr>
+          <a:xfrm>
+            <a:off x="895149" y="1303384"/>
+            <a:ext cx="7475220" cy="0"/>
+          </a:xfrm>
+          <a:prstGeom prst="line">
+            <a:avLst/>
+          </a:prstGeom>
+          <a:ln w="6350">
+            <a:solidFill>
+              <a:schemeClr val="tx1">
+                <a:lumMod val="50000"/>
+                <a:lumOff val="50000"/>
+              </a:schemeClr>
+            </a:solidFill>
+          </a:ln>
+        </p:spPr>
+        <p:style>
+          <a:lnRef idx="1">
+            <a:schemeClr val="accent1"/>
+          </a:lnRef>
+          <a:fillRef idx="0">
+            <a:schemeClr val="accent1"/>
+          </a:fillRef>
+          <a:effectRef idx="0">
+            <a:schemeClr val="accent1"/>
+          </a:effectRef>
+          <a:fontRef idx="minor">
+            <a:schemeClr val="tx1"/>
+          </a:fontRef>
+        </p:style>
+      </p:cxnSp>
     </p:spTree>
     <p:extLst>
       <p:ext uri="{BB962C8B-B14F-4D97-AF65-F5344CB8AC3E}">
-        <p14:creationId xmlns:p14="http://schemas.microsoft.com/office/powerpoint/2010/main" val="4267399052"/>
+        <p14:creationId xmlns:p14="http://schemas.microsoft.com/office/powerpoint/2010/main" val="4184068697"/>
       </p:ext>
     </p:extLst>
   </p:cSld>
-  <p:clrMap bg1="dk1" tx1="lt1" bg2="dk2" tx2="lt2" accent1="accent1" accent2="accent2" accent3="accent3" accent4="accent4" accent5="accent5" accent6="accent6" hlink="hlink" folHlink="folHlink"/>
+  <p:clrMap bg1="lt1" tx1="dk1" bg2="lt2" tx2="dk2" accent1="accent1" accent2="accent2" accent3="accent3" accent4="accent4" accent5="accent5" accent6="accent6" hlink="hlink" folHlink="folHlink"/>
   <p:sldLayoutIdLst>
-    <p:sldLayoutId id="2147483661" r:id="rId1"/>
-    <p:sldLayoutId id="2147483662" r:id="rId2"/>
-    <p:sldLayoutId id="2147483663" r:id="rId3"/>
-    <p:sldLayoutId id="2147483664" r:id="rId4"/>
-    <p:sldLayoutId id="2147483665" r:id="rId5"/>
-    <p:sldLayoutId id="2147483666" r:id="rId6"/>
-    <p:sldLayoutId id="2147483667" r:id="rId7"/>
-    <p:sldLayoutId id="2147483668" r:id="rId8"/>
-    <p:sldLayoutId id="2147483669" r:id="rId9"/>
-    <p:sldLayoutId id="2147483670" r:id="rId10"/>
-    <p:sldLayoutId id="2147483671" r:id="rId11"/>
-    <p:sldLayoutId id="2147483672" r:id="rId12"/>
-    <p:sldLayoutId id="2147483673" r:id="rId13"/>
-    <p:sldLayoutId id="2147483674" r:id="rId14"/>
-    <p:sldLayoutId id="2147483675" r:id="rId15"/>
-    <p:sldLayoutId id="2147483676" r:id="rId16"/>
-    <p:sldLayoutId id="2147483677" r:id="rId17"/>
-    <p:sldLayoutId id="2147483678" r:id="rId18"/>
+    <p:sldLayoutId id="2147483713" r:id="rId1"/>
+    <p:sldLayoutId id="2147483714" r:id="rId2"/>
+    <p:sldLayoutId id="2147483715" r:id="rId3"/>
+    <p:sldLayoutId id="2147483716" r:id="rId4"/>
+    <p:sldLayoutId id="2147483717" r:id="rId5"/>
+    <p:sldLayoutId id="2147483718" r:id="rId6"/>
+    <p:sldLayoutId id="2147483719" r:id="rId7"/>
+    <p:sldLayoutId id="2147483720" r:id="rId8"/>
+    <p:sldLayoutId id="2147483721" r:id="rId9"/>
+    <p:sldLayoutId id="2147483722" r:id="rId10"/>
+    <p:sldLayoutId id="2147483723" r:id="rId11"/>
+    <p:sldLayoutId id="2147483724" r:id="rId12"/>
+    <p:sldLayoutId id="2147483725" r:id="rId13"/>
   </p:sldLayoutIdLst>
   <p:hf sldNum="0" hdr="0" ftr="0" dt="0"/>
   <p:txStyles>
     <p:titleStyle>
-      <a:lvl1pPr algn="l" defTabSz="342900" rtl="0" eaLnBrk="1" latinLnBrk="0" hangingPunct="1">
+      <a:lvl1pPr algn="l" defTabSz="685800" rtl="0" eaLnBrk="1" latinLnBrk="0" hangingPunct="1">
+        <a:lnSpc>
+          <a:spcPct val="85000"/>
+        </a:lnSpc>
         <a:spcBef>
           <a:spcPct val="0"/>
         </a:spcBef>
         <a:buNone/>
-        <a:defRPr sz="3150" b="0" i="0" kern="1200">
+        <a:defRPr sz="3600" kern="1200" spc="-38" baseline="0">
           <a:solidFill>
-            <a:schemeClr val="tx2"/>
+            <a:schemeClr val="tx1">
+              <a:lumMod val="75000"/>
+              <a:lumOff val="25000"/>
+            </a:schemeClr>
           </a:solidFill>
           <a:latin typeface="+mj-lt"/>
           <a:ea typeface="+mj-ea"/>
           <a:cs typeface="+mj-cs"/>
         </a:defRPr>
       </a:lvl1pPr>
-      <a:lvl2pPr eaLnBrk="1" hangingPunct="1">
-        <a:defRPr>
+    </p:titleStyle>
+    <p:bodyStyle>
+      <a:lvl1pPr marL="68580" indent="-68580" algn="l" defTabSz="685800" rtl="0" eaLnBrk="1" latinLnBrk="0" hangingPunct="1">
+        <a:lnSpc>
+          <a:spcPct val="90000"/>
+        </a:lnSpc>
+        <a:spcBef>
+          <a:spcPts val="900"/>
+        </a:spcBef>
+        <a:spcAft>
+          <a:spcPts val="150"/>
+        </a:spcAft>
+        <a:buClr>
+          <a:schemeClr val="accent1"/>
+        </a:buClr>
+        <a:buSzPct val="100000"/>
+        <a:buFont typeface="Calibri" panose="020F0502020204030204" pitchFamily="34" charset="0"/>
+        <a:buChar char=" "/>
+        <a:defRPr sz="1500" kern="1200">
           <a:solidFill>
-            <a:schemeClr val="tx2"/>
+            <a:schemeClr val="tx1">
+              <a:lumMod val="75000"/>
+              <a:lumOff val="25000"/>
+            </a:schemeClr>
           </a:solidFill>
+          <a:latin typeface="+mn-lt"/>
+          <a:ea typeface="+mn-ea"/>
+          <a:cs typeface="+mn-cs"/>
+        </a:defRPr>
+      </a:lvl1pPr>
+      <a:lvl2pPr marL="288036" indent="-137160" algn="l" defTabSz="685800" rtl="0" eaLnBrk="1" latinLnBrk="0" hangingPunct="1">
+        <a:lnSpc>
+          <a:spcPct val="90000"/>
+        </a:lnSpc>
+        <a:spcBef>
+          <a:spcPts val="150"/>
+        </a:spcBef>
+        <a:spcAft>
+          <a:spcPts val="300"/>
+        </a:spcAft>
+        <a:buClr>
+          <a:schemeClr val="accent1"/>
+        </a:buClr>
+        <a:buFont typeface="Calibri" pitchFamily="34" charset="0"/>
+        <a:buChar char="◦"/>
+        <a:defRPr sz="1350" kern="1200">
+          <a:solidFill>
+            <a:schemeClr val="tx1">
+              <a:lumMod val="75000"/>
+              <a:lumOff val="25000"/>
+            </a:schemeClr>
+          </a:solidFill>
+          <a:latin typeface="+mn-lt"/>
+          <a:ea typeface="+mn-ea"/>
+          <a:cs typeface="+mn-cs"/>
         </a:defRPr>
       </a:lvl2pPr>
-      <a:lvl3pPr eaLnBrk="1" hangingPunct="1">
-        <a:defRPr>
+      <a:lvl3pPr marL="425196" indent="-137160" algn="l" defTabSz="685800" rtl="0" eaLnBrk="1" latinLnBrk="0" hangingPunct="1">
+        <a:lnSpc>
+          <a:spcPct val="90000"/>
+        </a:lnSpc>
+        <a:spcBef>
+          <a:spcPts val="150"/>
+        </a:spcBef>
+        <a:spcAft>
+          <a:spcPts val="300"/>
+        </a:spcAft>
+        <a:buClr>
+          <a:schemeClr val="accent1"/>
+        </a:buClr>
+        <a:buFont typeface="Calibri" pitchFamily="34" charset="0"/>
+        <a:buChar char="◦"/>
+        <a:defRPr sz="1050" kern="1200">
           <a:solidFill>
-            <a:schemeClr val="tx2"/>
+            <a:schemeClr val="tx1">
+              <a:lumMod val="75000"/>
+              <a:lumOff val="25000"/>
+            </a:schemeClr>
           </a:solidFill>
+          <a:latin typeface="+mn-lt"/>
+          <a:ea typeface="+mn-ea"/>
+          <a:cs typeface="+mn-cs"/>
         </a:defRPr>
       </a:lvl3pPr>
-      <a:lvl4pPr eaLnBrk="1" hangingPunct="1">
-        <a:defRPr>
+      <a:lvl4pPr marL="562356" indent="-137160" algn="l" defTabSz="685800" rtl="0" eaLnBrk="1" latinLnBrk="0" hangingPunct="1">
+        <a:lnSpc>
+          <a:spcPct val="90000"/>
+        </a:lnSpc>
+        <a:spcBef>
+          <a:spcPts val="150"/>
+        </a:spcBef>
+        <a:spcAft>
+          <a:spcPts val="300"/>
+        </a:spcAft>
+        <a:buClr>
+          <a:schemeClr val="accent1"/>
+        </a:buClr>
+        <a:buFont typeface="Calibri" pitchFamily="34" charset="0"/>
+        <a:buChar char="◦"/>
+        <a:defRPr sz="1050" kern="1200">
           <a:solidFill>
-            <a:schemeClr val="tx2"/>
+            <a:schemeClr val="tx1">
+              <a:lumMod val="75000"/>
+              <a:lumOff val="25000"/>
+            </a:schemeClr>
           </a:solidFill>
+          <a:latin typeface="+mn-lt"/>
+          <a:ea typeface="+mn-ea"/>
+          <a:cs typeface="+mn-cs"/>
         </a:defRPr>
       </a:lvl4pPr>
-      <a:lvl5pPr eaLnBrk="1" hangingPunct="1">
-        <a:defRPr>
+      <a:lvl5pPr marL="699516" indent="-137160" algn="l" defTabSz="685800" rtl="0" eaLnBrk="1" latinLnBrk="0" hangingPunct="1">
+        <a:lnSpc>
+          <a:spcPct val="90000"/>
+        </a:lnSpc>
+        <a:spcBef>
+          <a:spcPts val="150"/>
+        </a:spcBef>
+        <a:spcAft>
+          <a:spcPts val="300"/>
+        </a:spcAft>
+        <a:buClr>
+          <a:schemeClr val="accent1"/>
+        </a:buClr>
+        <a:buFont typeface="Calibri" pitchFamily="34" charset="0"/>
+        <a:buChar char="◦"/>
+        <a:defRPr sz="1050" kern="1200">
           <a:solidFill>
-            <a:schemeClr val="tx2"/>
+            <a:schemeClr val="tx1">
+              <a:lumMod val="75000"/>
+              <a:lumOff val="25000"/>
+            </a:schemeClr>
           </a:solidFill>
+          <a:latin typeface="+mn-lt"/>
+          <a:ea typeface="+mn-ea"/>
+          <a:cs typeface="+mn-cs"/>
         </a:defRPr>
       </a:lvl5pPr>
-      <a:lvl6pPr eaLnBrk="1" hangingPunct="1">
-        <a:defRPr>
+      <a:lvl6pPr marL="825000" indent="-171450" algn="l" defTabSz="685800" rtl="0" eaLnBrk="1" latinLnBrk="0" hangingPunct="1">
+        <a:lnSpc>
+          <a:spcPct val="90000"/>
+        </a:lnSpc>
+        <a:spcBef>
+          <a:spcPts val="150"/>
+        </a:spcBef>
+        <a:spcAft>
+          <a:spcPts val="300"/>
+        </a:spcAft>
+        <a:buClr>
+          <a:schemeClr val="accent1"/>
+        </a:buClr>
+        <a:buFont typeface="Calibri" pitchFamily="34" charset="0"/>
+        <a:buChar char="◦"/>
+        <a:defRPr sz="1050" kern="1200">
           <a:solidFill>
-            <a:schemeClr val="tx2"/>
+            <a:schemeClr val="tx1">
+              <a:lumMod val="75000"/>
+              <a:lumOff val="25000"/>
+            </a:schemeClr>
           </a:solidFill>
+          <a:latin typeface="+mn-lt"/>
+          <a:ea typeface="+mn-ea"/>
+          <a:cs typeface="+mn-cs"/>
         </a:defRPr>
       </a:lvl6pPr>
-      <a:lvl7pPr eaLnBrk="1" hangingPunct="1">
-        <a:defRPr>
+      <a:lvl7pPr marL="975000" indent="-171450" algn="l" defTabSz="685800" rtl="0" eaLnBrk="1" latinLnBrk="0" hangingPunct="1">
+        <a:lnSpc>
+          <a:spcPct val="90000"/>
+        </a:lnSpc>
+        <a:spcBef>
+          <a:spcPts val="150"/>
+        </a:spcBef>
+        <a:spcAft>
+          <a:spcPts val="300"/>
+        </a:spcAft>
+        <a:buClr>
+          <a:schemeClr val="accent1"/>
+        </a:buClr>
+        <a:buFont typeface="Calibri" pitchFamily="34" charset="0"/>
+        <a:buChar char="◦"/>
+        <a:defRPr sz="1050" kern="1200">
           <a:solidFill>
-            <a:schemeClr val="tx2"/>
+            <a:schemeClr val="tx1">
+              <a:lumMod val="75000"/>
+              <a:lumOff val="25000"/>
+            </a:schemeClr>
           </a:solidFill>
+          <a:latin typeface="+mn-lt"/>
+          <a:ea typeface="+mn-ea"/>
+          <a:cs typeface="+mn-cs"/>
         </a:defRPr>
       </a:lvl7pPr>
-      <a:lvl8pPr eaLnBrk="1" hangingPunct="1">
-        <a:defRPr>
+      <a:lvl8pPr marL="1125000" indent="-171450" algn="l" defTabSz="685800" rtl="0" eaLnBrk="1" latinLnBrk="0" hangingPunct="1">
+        <a:lnSpc>
+          <a:spcPct val="90000"/>
+        </a:lnSpc>
+        <a:spcBef>
+          <a:spcPts val="150"/>
+        </a:spcBef>
+        <a:spcAft>
+          <a:spcPts val="300"/>
+        </a:spcAft>
+        <a:buClr>
+          <a:schemeClr val="accent1"/>
+        </a:buClr>
+        <a:buFont typeface="Calibri" pitchFamily="34" charset="0"/>
+        <a:buChar char="◦"/>
+        <a:defRPr sz="1050" kern="1200">
           <a:solidFill>
-            <a:schemeClr val="tx2"/>
+            <a:schemeClr val="tx1">
+              <a:lumMod val="75000"/>
+              <a:lumOff val="25000"/>
+            </a:schemeClr>
           </a:solidFill>
+          <a:latin typeface="+mn-lt"/>
+          <a:ea typeface="+mn-ea"/>
+          <a:cs typeface="+mn-cs"/>
         </a:defRPr>
       </a:lvl8pPr>
-      <a:lvl9pPr eaLnBrk="1" hangingPunct="1">
-        <a:defRPr>
-          <a:solidFill>
-            <a:schemeClr val="tx2"/>
-          </a:solidFill>
-        </a:defRPr>
-      </a:lvl9pPr>
-    </p:titleStyle>
-    <p:bodyStyle>
-      <a:lvl1pPr marL="257175" indent="-257175" algn="l" defTabSz="342900" rtl="0" eaLnBrk="1" latinLnBrk="0" hangingPunct="1">
+      <a:lvl9pPr marL="1275000" indent="-171450" algn="l" defTabSz="685800" rtl="0" eaLnBrk="1" latinLnBrk="0" hangingPunct="1">
+        <a:lnSpc>
+          <a:spcPct val="90000"/>
+        </a:lnSpc>
         <a:spcBef>
-          <a:spcPts val="750"/>
+          <a:spcPts val="150"/>
         </a:spcBef>
         <a:spcAft>
-          <a:spcPts val="0"/>
+          <a:spcPts val="300"/>
         </a:spcAft>
         <a:buClr>
-          <a:schemeClr val="bg2">
-            <a:lumMod val="40000"/>
-            <a:lumOff val="60000"/>
-          </a:schemeClr>
+          <a:schemeClr val="accent1"/>
         </a:buClr>
-        <a:buSzPct val="80000"/>
-        <a:buFont typeface="Wingdings 3" charset="2"/>
-        <a:buChar char=""/>
-        <a:defRPr sz="1500" b="0" i="0" kern="1200">
+        <a:buFont typeface="Calibri" pitchFamily="34" charset="0"/>
+        <a:buChar char="◦"/>
+        <a:defRPr sz="1050" kern="1200">
           <a:solidFill>
-            <a:schemeClr val="tx1"/>
+            <a:schemeClr val="tx1">
+              <a:lumMod val="75000"/>
+              <a:lumOff val="25000"/>
+            </a:schemeClr>
           </a:solidFill>
-          <a:latin typeface="+mj-lt"/>
-          <a:ea typeface="+mj-ea"/>
-          <a:cs typeface="+mj-cs"/>
-        </a:defRPr>
-      </a:lvl1pPr>
-      <a:lvl2pPr marL="557213" indent="-214313" algn="l" defTabSz="342900" rtl="0" eaLnBrk="1" latinLnBrk="0" hangingPunct="1">
-        <a:spcBef>
-          <a:spcPts val="750"/>
-        </a:spcBef>
-        <a:spcAft>
-          <a:spcPts val="0"/>
-        </a:spcAft>
-        <a:buClr>
-          <a:schemeClr val="bg2">
-            <a:lumMod val="40000"/>
-            <a:lumOff val="60000"/>
-          </a:schemeClr>
-        </a:buClr>
-        <a:buSzPct val="80000"/>
-        <a:buFont typeface="Wingdings 3" charset="2"/>
-        <a:buChar char=""/>
-        <a:defRPr sz="1350" b="0" i="0" kern="1200">
-          <a:solidFill>
-            <a:schemeClr val="tx1"/>
-          </a:solidFill>
-          <a:latin typeface="+mj-lt"/>
-          <a:ea typeface="+mj-ea"/>
-          <a:cs typeface="+mj-cs"/>
-        </a:defRPr>
-      </a:lvl2pPr>
-      <a:lvl3pPr marL="857250" indent="-171450" algn="l" defTabSz="342900" rtl="0" eaLnBrk="1" latinLnBrk="0" hangingPunct="1">
-        <a:spcBef>
-          <a:spcPts val="750"/>
-        </a:spcBef>
-        <a:spcAft>
-          <a:spcPts val="0"/>
-        </a:spcAft>
-        <a:buClr>
-          <a:schemeClr val="bg2">
-            <a:lumMod val="40000"/>
-            <a:lumOff val="60000"/>
-          </a:schemeClr>
-        </a:buClr>
-        <a:buSzPct val="80000"/>
-        <a:buFont typeface="Wingdings 3" charset="2"/>
-        <a:buChar char=""/>
-        <a:defRPr sz="1200" b="0" i="0" kern="1200">
-          <a:solidFill>
-            <a:schemeClr val="tx1"/>
-          </a:solidFill>
-          <a:latin typeface="+mj-lt"/>
-          <a:ea typeface="+mj-ea"/>
-          <a:cs typeface="+mj-cs"/>
-        </a:defRPr>
-      </a:lvl3pPr>
-      <a:lvl4pPr marL="1200150" indent="-171450" algn="l" defTabSz="342900" rtl="0" eaLnBrk="1" latinLnBrk="0" hangingPunct="1">
-        <a:spcBef>
-          <a:spcPts val="750"/>
-        </a:spcBef>
-        <a:spcAft>
-          <a:spcPts val="0"/>
-        </a:spcAft>
-        <a:buClr>
-          <a:schemeClr val="bg2">
-            <a:lumMod val="40000"/>
-            <a:lumOff val="60000"/>
-          </a:schemeClr>
-        </a:buClr>
-        <a:buSzPct val="80000"/>
-        <a:buFont typeface="Wingdings 3" charset="2"/>
-        <a:buChar char=""/>
-        <a:defRPr sz="1050" b="0" i="0" kern="1200">
-          <a:solidFill>
-            <a:schemeClr val="tx1"/>
-          </a:solidFill>
-          <a:latin typeface="+mj-lt"/>
-          <a:ea typeface="+mj-ea"/>
-          <a:cs typeface="+mj-cs"/>
-        </a:defRPr>
-      </a:lvl4pPr>
-      <a:lvl5pPr marL="1543050" indent="-171450" algn="l" defTabSz="342900" rtl="0" eaLnBrk="1" latinLnBrk="0" hangingPunct="1">
-        <a:spcBef>
-          <a:spcPts val="750"/>
-        </a:spcBef>
-        <a:spcAft>
-          <a:spcPts val="0"/>
-        </a:spcAft>
-        <a:buClr>
-          <a:schemeClr val="bg2">
-            <a:lumMod val="40000"/>
-            <a:lumOff val="60000"/>
-          </a:schemeClr>
-        </a:buClr>
-        <a:buSzPct val="80000"/>
-        <a:buFont typeface="Wingdings 3" charset="2"/>
-        <a:buChar char=""/>
-        <a:defRPr sz="1050" b="0" i="0" kern="1200">
-          <a:solidFill>
-            <a:schemeClr val="tx1"/>
-          </a:solidFill>
-          <a:latin typeface="+mj-lt"/>
-          <a:ea typeface="+mj-ea"/>
-          <a:cs typeface="+mj-cs"/>
-        </a:defRPr>
-      </a:lvl5pPr>
-      <a:lvl6pPr marL="1879500" indent="-171450" algn="l" defTabSz="342900" rtl="0" eaLnBrk="1" latinLnBrk="0" hangingPunct="1">
-        <a:spcBef>
-          <a:spcPts val="750"/>
-        </a:spcBef>
-        <a:spcAft>
-          <a:spcPts val="0"/>
-        </a:spcAft>
-        <a:buClr>
-          <a:schemeClr val="bg2">
-            <a:lumMod val="40000"/>
-            <a:lumOff val="60000"/>
-          </a:schemeClr>
-        </a:buClr>
-        <a:buSzPct val="80000"/>
-        <a:buFont typeface="Wingdings 3" charset="2"/>
-        <a:buChar char=""/>
-        <a:defRPr sz="1050" b="0" i="0" kern="1200">
-          <a:solidFill>
-            <a:schemeClr val="tx1"/>
-          </a:solidFill>
-          <a:latin typeface="+mj-lt"/>
-          <a:ea typeface="+mj-ea"/>
-          <a:cs typeface="+mj-cs"/>
-        </a:defRPr>
-      </a:lvl6pPr>
-      <a:lvl7pPr marL="2228850" indent="-171450" algn="l" defTabSz="342900" rtl="0" eaLnBrk="1" latinLnBrk="0" hangingPunct="1">
-        <a:spcBef>
-          <a:spcPts val="750"/>
-        </a:spcBef>
-        <a:spcAft>
-          <a:spcPts val="0"/>
-        </a:spcAft>
-        <a:buClr>
-          <a:schemeClr val="bg2">
-            <a:lumMod val="40000"/>
-            <a:lumOff val="60000"/>
-          </a:schemeClr>
-        </a:buClr>
-        <a:buSzPct val="80000"/>
-        <a:buFont typeface="Wingdings 3" charset="2"/>
-        <a:buChar char=""/>
-        <a:defRPr sz="1050" b="0" i="0" kern="1200">
-          <a:solidFill>
-            <a:schemeClr val="tx1"/>
-          </a:solidFill>
-          <a:latin typeface="+mj-lt"/>
-          <a:ea typeface="+mj-ea"/>
-          <a:cs typeface="+mj-cs"/>
-        </a:defRPr>
-      </a:lvl7pPr>
-      <a:lvl8pPr marL="2571750" indent="-171450" algn="l" defTabSz="342900" rtl="0" eaLnBrk="1" latinLnBrk="0" hangingPunct="1">
-        <a:spcBef>
-          <a:spcPts val="750"/>
-        </a:spcBef>
-        <a:spcAft>
-          <a:spcPts val="0"/>
-        </a:spcAft>
-        <a:buClr>
-          <a:schemeClr val="bg2">
-            <a:lumMod val="40000"/>
-            <a:lumOff val="60000"/>
-          </a:schemeClr>
-        </a:buClr>
-        <a:buSzPct val="80000"/>
-        <a:buFont typeface="Wingdings 3" charset="2"/>
-        <a:buChar char=""/>
-        <a:defRPr sz="1050" b="0" i="0" kern="1200">
-          <a:solidFill>
-            <a:schemeClr val="tx1"/>
-          </a:solidFill>
-          <a:latin typeface="+mj-lt"/>
-          <a:ea typeface="+mj-ea"/>
-          <a:cs typeface="+mj-cs"/>
-        </a:defRPr>
-      </a:lvl8pPr>
-      <a:lvl9pPr marL="2914650" indent="-171450" algn="l" defTabSz="342900" rtl="0" eaLnBrk="1" latinLnBrk="0" hangingPunct="1">
-        <a:spcBef>
-          <a:spcPts val="750"/>
-        </a:spcBef>
-        <a:spcAft>
-          <a:spcPts val="0"/>
-        </a:spcAft>
-        <a:buClr>
-          <a:schemeClr val="bg2">
-            <a:lumMod val="40000"/>
-            <a:lumOff val="60000"/>
-          </a:schemeClr>
-        </a:buClr>
-        <a:buSzPct val="80000"/>
-        <a:buFont typeface="Wingdings 3" charset="2"/>
-        <a:buChar char=""/>
-        <a:defRPr sz="1050" b="0" i="0" kern="1200">
-          <a:solidFill>
-            <a:schemeClr val="tx1"/>
-          </a:solidFill>
-          <a:latin typeface="+mj-lt"/>
-          <a:ea typeface="+mj-ea"/>
-          <a:cs typeface="+mj-cs"/>
+          <a:latin typeface="+mn-lt"/>
+          <a:ea typeface="+mn-ea"/>
+          <a:cs typeface="+mn-cs"/>
         </a:defRPr>
       </a:lvl9pPr>
     </p:bodyStyle>
@@ -7704,7 +5815,7 @@
       <a:defPPr>
         <a:defRPr lang="en-US"/>
       </a:defPPr>
-      <a:lvl1pPr marL="0" algn="l" defTabSz="342900" rtl="0" eaLnBrk="1" latinLnBrk="0" hangingPunct="1">
+      <a:lvl1pPr marL="0" algn="l" defTabSz="685800" rtl="0" eaLnBrk="1" latinLnBrk="0" hangingPunct="1">
         <a:defRPr sz="1350" kern="1200">
           <a:solidFill>
             <a:schemeClr val="tx1"/>
@@ -7714,7 +5825,7 @@
           <a:cs typeface="+mn-cs"/>
         </a:defRPr>
       </a:lvl1pPr>
-      <a:lvl2pPr marL="342900" algn="l" defTabSz="342900" rtl="0" eaLnBrk="1" latinLnBrk="0" hangingPunct="1">
+      <a:lvl2pPr marL="342900" algn="l" defTabSz="685800" rtl="0" eaLnBrk="1" latinLnBrk="0" hangingPunct="1">
         <a:defRPr sz="1350" kern="1200">
           <a:solidFill>
             <a:schemeClr val="tx1"/>
@@ -7724,7 +5835,7 @@
           <a:cs typeface="+mn-cs"/>
         </a:defRPr>
       </a:lvl2pPr>
-      <a:lvl3pPr marL="685800" algn="l" defTabSz="342900" rtl="0" eaLnBrk="1" latinLnBrk="0" hangingPunct="1">
+      <a:lvl3pPr marL="685800" algn="l" defTabSz="685800" rtl="0" eaLnBrk="1" latinLnBrk="0" hangingPunct="1">
         <a:defRPr sz="1350" kern="1200">
           <a:solidFill>
             <a:schemeClr val="tx1"/>
@@ -7734,7 +5845,7 @@
           <a:cs typeface="+mn-cs"/>
         </a:defRPr>
       </a:lvl3pPr>
-      <a:lvl4pPr marL="1028700" algn="l" defTabSz="342900" rtl="0" eaLnBrk="1" latinLnBrk="0" hangingPunct="1">
+      <a:lvl4pPr marL="1028700" algn="l" defTabSz="685800" rtl="0" eaLnBrk="1" latinLnBrk="0" hangingPunct="1">
         <a:defRPr sz="1350" kern="1200">
           <a:solidFill>
             <a:schemeClr val="tx1"/>
@@ -7744,7 +5855,7 @@
           <a:cs typeface="+mn-cs"/>
         </a:defRPr>
       </a:lvl4pPr>
-      <a:lvl5pPr marL="1371600" algn="l" defTabSz="342900" rtl="0" eaLnBrk="1" latinLnBrk="0" hangingPunct="1">
+      <a:lvl5pPr marL="1371600" algn="l" defTabSz="685800" rtl="0" eaLnBrk="1" latinLnBrk="0" hangingPunct="1">
         <a:defRPr sz="1350" kern="1200">
           <a:solidFill>
             <a:schemeClr val="tx1"/>
@@ -7754,7 +5865,7 @@
           <a:cs typeface="+mn-cs"/>
         </a:defRPr>
       </a:lvl5pPr>
-      <a:lvl6pPr marL="1714500" algn="l" defTabSz="342900" rtl="0" eaLnBrk="1" latinLnBrk="0" hangingPunct="1">
+      <a:lvl6pPr marL="1714500" algn="l" defTabSz="685800" rtl="0" eaLnBrk="1" latinLnBrk="0" hangingPunct="1">
         <a:defRPr sz="1350" kern="1200">
           <a:solidFill>
             <a:schemeClr val="tx1"/>
@@ -7764,7 +5875,7 @@
           <a:cs typeface="+mn-cs"/>
         </a:defRPr>
       </a:lvl6pPr>
-      <a:lvl7pPr marL="2057400" algn="l" defTabSz="342900" rtl="0" eaLnBrk="1" latinLnBrk="0" hangingPunct="1">
+      <a:lvl7pPr marL="2057400" algn="l" defTabSz="685800" rtl="0" eaLnBrk="1" latinLnBrk="0" hangingPunct="1">
         <a:defRPr sz="1350" kern="1200">
           <a:solidFill>
             <a:schemeClr val="tx1"/>
@@ -7774,7 +5885,7 @@
           <a:cs typeface="+mn-cs"/>
         </a:defRPr>
       </a:lvl7pPr>
-      <a:lvl8pPr marL="2400300" algn="l" defTabSz="342900" rtl="0" eaLnBrk="1" latinLnBrk="0" hangingPunct="1">
+      <a:lvl8pPr marL="2400300" algn="l" defTabSz="685800" rtl="0" eaLnBrk="1" latinLnBrk="0" hangingPunct="1">
         <a:defRPr sz="1350" kern="1200">
           <a:solidFill>
             <a:schemeClr val="tx1"/>
@@ -7784,7 +5895,7 @@
           <a:cs typeface="+mn-cs"/>
         </a:defRPr>
       </a:lvl8pPr>
-      <a:lvl9pPr marL="2743200" algn="l" defTabSz="342900" rtl="0" eaLnBrk="1" latinLnBrk="0" hangingPunct="1">
+      <a:lvl9pPr marL="2743200" algn="l" defTabSz="685800" rtl="0" eaLnBrk="1" latinLnBrk="0" hangingPunct="1">
         <a:defRPr sz="1350" kern="1200">
           <a:solidFill>
             <a:schemeClr val="tx1"/>
@@ -7828,8 +5939,8 @@
         </p:nvSpPr>
         <p:spPr>
           <a:xfrm>
-            <a:off x="2456199" y="1598877"/>
-            <a:ext cx="4084765" cy="892200"/>
+            <a:off x="808382" y="178038"/>
+            <a:ext cx="7434469" cy="1138743"/>
           </a:xfrm>
           <a:prstGeom prst="rect">
             <a:avLst/>
@@ -7837,7 +5948,7 @@
         </p:spPr>
         <p:txBody>
           <a:bodyPr spcFirstLastPara="1" wrap="square" lIns="91425" tIns="91425" rIns="91425" bIns="91425" anchor="b" anchorCtr="0">
-            <a:normAutofit fontScale="90000"/>
+            <a:normAutofit/>
           </a:bodyPr>
           <a:lstStyle/>
           <a:p>
@@ -7851,10 +5962,10 @@
               <a:buNone/>
             </a:pPr>
             <a:r>
-              <a:rPr lang="en" dirty="0"/>
+              <a:rPr lang="en" sz="7200" dirty="0"/>
               <a:t>Minor Project-1</a:t>
             </a:r>
-            <a:endParaRPr dirty="0"/>
+            <a:endParaRPr sz="7200" dirty="0"/>
           </a:p>
         </p:txBody>
       </p:sp>
@@ -7870,8 +5981,8 @@
         </p:nvSpPr>
         <p:spPr>
           <a:xfrm>
-            <a:off x="1795427" y="3019380"/>
-            <a:ext cx="5646587" cy="701400"/>
+            <a:off x="1795427" y="2074820"/>
+            <a:ext cx="5646587" cy="920171"/>
           </a:xfrm>
           <a:prstGeom prst="rect">
             <a:avLst/>
@@ -7879,7 +5990,7 @@
         </p:spPr>
         <p:txBody>
           <a:bodyPr spcFirstLastPara="1" wrap="square" lIns="91425" tIns="91425" rIns="91425" bIns="91425" anchor="t" anchorCtr="0">
-            <a:normAutofit/>
+            <a:normAutofit fontScale="92500" lnSpcReduction="10000"/>
           </a:bodyPr>
           <a:lstStyle/>
           <a:p>
@@ -7893,10 +6004,18 @@
               <a:buNone/>
             </a:pPr>
             <a:r>
-              <a:rPr lang="en-US" b="1" u="sng" dirty="0"/>
+              <a:rPr lang="en-US" sz="3200" b="1" u="sng" dirty="0">
+                <a:solidFill>
+                  <a:schemeClr val="tx1"/>
+                </a:solidFill>
+              </a:rPr>
               <a:t>Image processing Using web Assembly</a:t>
             </a:r>
-            <a:endParaRPr b="1" u="sng" dirty="0"/>
+            <a:endParaRPr sz="3200" b="1" u="sng" dirty="0">
+              <a:solidFill>
+                <a:schemeClr val="tx1"/>
+              </a:solidFill>
+            </a:endParaRPr>
           </a:p>
         </p:txBody>
       </p:sp>
@@ -7908,8 +6027,8 @@
         </p:nvSpPr>
         <p:spPr>
           <a:xfrm>
-            <a:off x="115765" y="3749775"/>
-            <a:ext cx="3054600" cy="1138743"/>
+            <a:off x="808382" y="3274477"/>
+            <a:ext cx="3167269" cy="1446520"/>
           </a:xfrm>
           <a:prstGeom prst="rect">
             <a:avLst/>
@@ -7935,10 +6054,10 @@
               <a:buNone/>
             </a:pPr>
             <a:r>
-              <a:rPr lang="en" dirty="0"/>
-              <a:t>	Project Guide: </a:t>
-            </a:r>
-            <a:endParaRPr dirty="0"/>
+              <a:rPr lang="en" sz="2400" dirty="0"/>
+              <a:t>Project Guide: </a:t>
+            </a:r>
+            <a:endParaRPr sz="2400" dirty="0"/>
           </a:p>
           <a:p>
             <a:pPr marL="0" lvl="0" indent="0" algn="l" rtl="0">
@@ -7950,7 +6069,7 @@
               </a:spcAft>
               <a:buNone/>
             </a:pPr>
-            <a:endParaRPr sz="800" dirty="0"/>
+            <a:endParaRPr sz="1000" dirty="0"/>
           </a:p>
           <a:p>
             <a:pPr marL="0" lvl="0" indent="0" algn="l" rtl="0">
@@ -7963,15 +6082,15 @@
               <a:buNone/>
             </a:pPr>
             <a:r>
-              <a:rPr lang="en" dirty="0">
+              <a:rPr lang="en" sz="2400" dirty="0">
                 <a:solidFill>
                   <a:schemeClr val="dk1"/>
                 </a:solidFill>
               </a:rPr>
-              <a:t>  Mr. </a:t>
-            </a:r>
-            <a:r>
-              <a:rPr lang="en" b="1" u="sng" dirty="0">
+              <a:t>Mr. </a:t>
+            </a:r>
+            <a:r>
+              <a:rPr lang="en" sz="2400" b="1" u="sng" dirty="0">
                 <a:solidFill>
                   <a:schemeClr val="dk1"/>
                 </a:solidFill>
@@ -7979,7 +6098,7 @@
               <a:t>NavalJeet Singh</a:t>
             </a:r>
             <a:r>
-              <a:rPr lang="en" dirty="0">
+              <a:rPr lang="en" sz="2400" dirty="0">
                 <a:solidFill>
                   <a:schemeClr val="dk1"/>
                 </a:solidFill>
@@ -7987,7 +6106,7 @@
               <a:t> 	</a:t>
             </a:r>
             <a:r>
-              <a:rPr lang="en" b="1" u="sng" dirty="0">
+              <a:rPr lang="en" sz="2400" b="1" u="sng" dirty="0">
                 <a:solidFill>
                   <a:schemeClr val="dk1"/>
                 </a:solidFill>
@@ -7995,14 +6114,14 @@
               <a:t>Arora</a:t>
             </a:r>
             <a:r>
-              <a:rPr lang="en" dirty="0">
+              <a:rPr lang="en" sz="2400" dirty="0">
                 <a:solidFill>
                   <a:schemeClr val="dk1"/>
                 </a:solidFill>
               </a:rPr>
               <a:t> Sir</a:t>
             </a:r>
-            <a:endParaRPr dirty="0"/>
+            <a:endParaRPr sz="2400" dirty="0"/>
           </a:p>
         </p:txBody>
       </p:sp>
@@ -8014,8 +6133,8 @@
         </p:nvSpPr>
         <p:spPr>
           <a:xfrm>
-            <a:off x="4792257" y="3749775"/>
-            <a:ext cx="3984648" cy="1215687"/>
+            <a:off x="4764157" y="3220616"/>
+            <a:ext cx="3984648" cy="1554241"/>
           </a:xfrm>
           <a:prstGeom prst="rect">
             <a:avLst/>
@@ -8041,10 +6160,10 @@
               <a:buNone/>
             </a:pPr>
             <a:r>
-              <a:rPr lang="en" dirty="0"/>
-              <a:t>	    Project Team Members:</a:t>
-            </a:r>
-            <a:endParaRPr dirty="0"/>
+              <a:rPr lang="en" sz="2400" dirty="0"/>
+              <a:t>	Project Team Members:</a:t>
+            </a:r>
+            <a:endParaRPr sz="2400" dirty="0"/>
           </a:p>
           <a:p>
             <a:pPr marL="0" lvl="0" indent="0" algn="l" rtl="0">
@@ -8056,7 +6175,7 @@
               </a:spcAft>
               <a:buNone/>
             </a:pPr>
-            <a:endParaRPr sz="700" dirty="0"/>
+            <a:endParaRPr sz="900" dirty="0"/>
           </a:p>
           <a:p>
             <a:pPr marL="0" lvl="0" indent="0" algn="ctr" rtl="0">
@@ -8069,31 +6188,19 @@
               <a:buNone/>
             </a:pPr>
             <a:r>
-              <a:rPr lang="en" sz="1400" dirty="0"/>
+              <a:rPr lang="en" dirty="0"/>
               <a:t>     </a:t>
             </a:r>
             <a:r>
-              <a:rPr lang="en" sz="1400" b="1" u="sng" dirty="0">
-                <a:solidFill>
-                  <a:schemeClr val="bg1"/>
-                </a:solidFill>
-              </a:rPr>
+              <a:rPr lang="en" b="1" u="sng" dirty="0"/>
               <a:t>Mayank Singh Tomar</a:t>
             </a:r>
             <a:r>
-              <a:rPr lang="en" sz="1400" b="1" dirty="0">
-                <a:solidFill>
-                  <a:schemeClr val="bg1"/>
-                </a:solidFill>
-              </a:rPr>
+              <a:rPr lang="en" b="1" dirty="0"/>
               <a:t> </a:t>
             </a:r>
             <a:r>
-              <a:rPr lang="en" sz="1400" dirty="0">
-                <a:solidFill>
-                  <a:schemeClr val="bg1"/>
-                </a:solidFill>
-              </a:rPr>
+              <a:rPr lang="en" dirty="0"/>
               <a:t>(201b153)</a:t>
             </a:r>
           </a:p>
@@ -8108,26 +6215,14 @@
               <a:buNone/>
             </a:pPr>
             <a:r>
-              <a:rPr lang="en" sz="1400" b="1" u="sng" dirty="0">
-                <a:solidFill>
-                  <a:schemeClr val="bg1"/>
-                </a:solidFill>
-              </a:rPr>
+              <a:rPr lang="en" b="1" u="sng" dirty="0"/>
               <a:t>Himanshu Tiwari</a:t>
             </a:r>
             <a:r>
-              <a:rPr lang="en" sz="1400" dirty="0">
-                <a:solidFill>
-                  <a:schemeClr val="bg1"/>
-                </a:solidFill>
-              </a:rPr>
+              <a:rPr lang="en" dirty="0"/>
               <a:t> (201b373)</a:t>
             </a:r>
-            <a:endParaRPr lang="en" sz="1100" dirty="0">
-              <a:solidFill>
-                <a:schemeClr val="bg1"/>
-              </a:solidFill>
-            </a:endParaRPr>
+            <a:endParaRPr lang="en" sz="1400" dirty="0"/>
           </a:p>
           <a:p>
             <a:pPr marL="0" lvl="0" indent="0" algn="ctr" rtl="0">
@@ -8140,26 +6235,14 @@
               <a:buNone/>
             </a:pPr>
             <a:r>
-              <a:rPr lang="en" sz="1400" b="1" u="sng" dirty="0">
-                <a:solidFill>
-                  <a:schemeClr val="bg1"/>
-                </a:solidFill>
-              </a:rPr>
+              <a:rPr lang="en" b="1" u="sng" dirty="0"/>
               <a:t>Chirag Jain</a:t>
             </a:r>
             <a:r>
-              <a:rPr lang="en" sz="1400" dirty="0">
-                <a:solidFill>
-                  <a:schemeClr val="bg1"/>
-                </a:solidFill>
-              </a:rPr>
+              <a:rPr lang="en" dirty="0"/>
               <a:t> (201b087)</a:t>
             </a:r>
-            <a:endParaRPr sz="1400" dirty="0">
-              <a:solidFill>
-                <a:schemeClr val="bg1"/>
-              </a:solidFill>
-            </a:endParaRPr>
+            <a:endParaRPr dirty="0"/>
           </a:p>
         </p:txBody>
       </p:sp>
@@ -8171,8 +6254,8 @@
         </p:nvSpPr>
         <p:spPr>
           <a:xfrm>
-            <a:off x="3367950" y="2588275"/>
-            <a:ext cx="2408100" cy="431100"/>
+            <a:off x="1522839" y="1283639"/>
+            <a:ext cx="5646587" cy="492412"/>
           </a:xfrm>
           <a:prstGeom prst="rect">
             <a:avLst/>
@@ -8198,14 +6281,14 @@
               <a:buNone/>
             </a:pPr>
             <a:r>
-              <a:rPr lang="en" sz="1600" dirty="0"/>
+              <a:rPr lang="en" sz="2000" dirty="0"/>
               <a:t>Project Number - </a:t>
             </a:r>
             <a:r>
-              <a:rPr lang="en" sz="1600" b="1" u="sng" dirty="0"/>
+              <a:rPr lang="en" sz="2000" b="1" u="sng" dirty="0"/>
               <a:t>90</a:t>
             </a:r>
-            <a:endParaRPr sz="1600" b="1" u="sng" dirty="0"/>
+            <a:endParaRPr sz="2000" b="1" u="sng" dirty="0"/>
           </a:p>
         </p:txBody>
       </p:sp>
@@ -8282,9 +6365,6 @@
             </a:pPr>
             <a:r>
               <a:rPr lang="en" sz="2200" b="1" u="sng" dirty="0">
-                <a:solidFill>
-                  <a:srgbClr val="FFFF00"/>
-                </a:solidFill>
                 <a:latin typeface="Open Sans"/>
                 <a:ea typeface="Open Sans"/>
                 <a:cs typeface="Open Sans"/>
@@ -8293,9 +6373,6 @@
               <a:t>CONCEPTUAL ARCHITECTURE</a:t>
             </a:r>
             <a:endParaRPr sz="2200" b="1" u="sng" dirty="0">
-              <a:solidFill>
-                <a:srgbClr val="FFFF00"/>
-              </a:solidFill>
               <a:latin typeface="Open Sans"/>
               <a:ea typeface="Open Sans"/>
               <a:cs typeface="Open Sans"/>
@@ -8350,7 +6427,7 @@
   <p:cSld>
     <p:spTree>
       <p:nvGrpSpPr>
-        <p:cNvPr id="1" name="Shape 94"/>
+        <p:cNvPr id="1" name=""/>
         <p:cNvGrpSpPr/>
         <p:nvPr/>
       </p:nvGrpSpPr>
@@ -8364,18 +6441,22 @@
       </p:grpSpPr>
       <p:sp>
         <p:nvSpPr>
-          <p:cNvPr id="96" name="Google Shape;96;p18"/>
+          <p:cNvPr id="2" name="Google Shape;96;p18">
+            <a:extLst>
+              <a:ext uri="{FF2B5EF4-FFF2-40B4-BE49-F238E27FC236}">
+                <a16:creationId xmlns:a16="http://schemas.microsoft.com/office/drawing/2014/main" id="{9725E9E6-4328-CACF-91BD-0FB52E64A1AD}"/>
+              </a:ext>
+            </a:extLst>
+          </p:cNvPr>
           <p:cNvSpPr txBox="1">
-            <a:spLocks noGrp="1"/>
-          </p:cNvSpPr>
-          <p:nvPr>
-            <p:ph type="title"/>
-          </p:nvPr>
+            <a:spLocks/>
+          </p:cNvSpPr>
+          <p:nvPr/>
         </p:nvSpPr>
         <p:spPr>
           <a:xfrm>
-            <a:off x="311700" y="53397"/>
-            <a:ext cx="8520600" cy="588878"/>
+            <a:off x="311700" y="0"/>
+            <a:ext cx="8520600" cy="921026"/>
           </a:xfrm>
           <a:prstGeom prst="rect">
             <a:avLst/>
@@ -8383,41 +6464,62 @@
         </p:spPr>
         <p:txBody>
           <a:bodyPr spcFirstLastPara="1" wrap="square" lIns="91425" tIns="91425" rIns="91425" bIns="91425" anchor="b" anchorCtr="0">
-            <a:normAutofit fontScale="90000"/>
+            <a:normAutofit fontScale="97500"/>
           </a:bodyPr>
-          <a:lstStyle/>
-          <a:p>
-            <a:pPr marL="0" lvl="0" indent="0" algn="ctr" rtl="0">
+          <a:lstStyle>
+            <a:lvl1pPr algn="l" defTabSz="685800" rtl="0" eaLnBrk="1" latinLnBrk="0" hangingPunct="1">
+              <a:lnSpc>
+                <a:spcPct val="85000"/>
+              </a:lnSpc>
               <a:spcBef>
-                <a:spcPts val="0"/>
+                <a:spcPct val="0"/>
               </a:spcBef>
-              <a:spcAft>
-                <a:spcPts val="0"/>
-              </a:spcAft>
-              <a:buNone/>
+              <a:buNone/>
+              <a:defRPr sz="3600" kern="1200" spc="-38" baseline="0">
+                <a:solidFill>
+                  <a:schemeClr val="tx1">
+                    <a:lumMod val="75000"/>
+                    <a:lumOff val="25000"/>
+                  </a:schemeClr>
+                </a:solidFill>
+                <a:latin typeface="+mj-lt"/>
+                <a:ea typeface="+mj-ea"/>
+                <a:cs typeface="+mj-cs"/>
+              </a:defRPr>
+            </a:lvl1pPr>
+          </a:lstStyle>
+          <a:p>
+            <a:pPr algn="ctr">
+              <a:spcBef>
+                <a:spcPts val="0"/>
+              </a:spcBef>
             </a:pPr>
             <a:r>
-              <a:rPr lang="en" b="1" u="sng" dirty="0"/>
+              <a:rPr lang="en-IN" sz="4000" b="1" u="sng" dirty="0"/>
               <a:t>Project Phases</a:t>
             </a:r>
-            <a:endParaRPr b="1" dirty="0"/>
-          </a:p>
-        </p:txBody>
-      </p:sp>
-      <p:sp>
-        <p:nvSpPr>
-          <p:cNvPr id="95" name="Google Shape;95;p18"/>
+            <a:endParaRPr lang="en-IN" sz="4000" b="1" dirty="0"/>
+          </a:p>
+        </p:txBody>
+      </p:sp>
+      <p:sp>
+        <p:nvSpPr>
+          <p:cNvPr id="3" name="Google Shape;95;p18">
+            <a:extLst>
+              <a:ext uri="{FF2B5EF4-FFF2-40B4-BE49-F238E27FC236}">
+                <a16:creationId xmlns:a16="http://schemas.microsoft.com/office/drawing/2014/main" id="{B60922A2-897E-BBF5-34F2-39A7C43C63AA}"/>
+              </a:ext>
+            </a:extLst>
+          </p:cNvPr>
           <p:cNvSpPr txBox="1">
-            <a:spLocks noGrp="1"/>
-          </p:cNvSpPr>
-          <p:nvPr>
-            <p:ph type="body" idx="1"/>
-          </p:nvPr>
+            <a:spLocks/>
+          </p:cNvSpPr>
+          <p:nvPr/>
         </p:nvSpPr>
         <p:spPr>
           <a:xfrm>
-            <a:off x="311700" y="921073"/>
-            <a:ext cx="8520601" cy="3704323"/>
+            <a:off x="311700" y="854765"/>
+            <a:ext cx="8520601" cy="4147931"/>
           </a:xfrm>
           <a:prstGeom prst="rect">
             <a:avLst/>
@@ -8427,7 +6529,252 @@
           <a:bodyPr spcFirstLastPara="1" wrap="square" lIns="91425" tIns="91425" rIns="91425" bIns="91425" anchor="ctr" anchorCtr="0">
             <a:normAutofit fontScale="92500" lnSpcReduction="20000"/>
           </a:bodyPr>
-          <a:lstStyle/>
+          <a:lstStyle>
+            <a:lvl1pPr marL="68580" indent="-68580" algn="l" defTabSz="685800" rtl="0" eaLnBrk="1" latinLnBrk="0" hangingPunct="1">
+              <a:lnSpc>
+                <a:spcPct val="90000"/>
+              </a:lnSpc>
+              <a:spcBef>
+                <a:spcPts val="900"/>
+              </a:spcBef>
+              <a:spcAft>
+                <a:spcPts val="150"/>
+              </a:spcAft>
+              <a:buClr>
+                <a:schemeClr val="accent1"/>
+              </a:buClr>
+              <a:buSzPct val="100000"/>
+              <a:buFont typeface="Calibri" panose="020F0502020204030204" pitchFamily="34" charset="0"/>
+              <a:buChar char=" "/>
+              <a:defRPr sz="1500" kern="1200">
+                <a:solidFill>
+                  <a:schemeClr val="tx1">
+                    <a:lumMod val="75000"/>
+                    <a:lumOff val="25000"/>
+                  </a:schemeClr>
+                </a:solidFill>
+                <a:latin typeface="+mn-lt"/>
+                <a:ea typeface="+mn-ea"/>
+                <a:cs typeface="+mn-cs"/>
+              </a:defRPr>
+            </a:lvl1pPr>
+            <a:lvl2pPr marL="288036" indent="-137160" algn="l" defTabSz="685800" rtl="0" eaLnBrk="1" latinLnBrk="0" hangingPunct="1">
+              <a:lnSpc>
+                <a:spcPct val="90000"/>
+              </a:lnSpc>
+              <a:spcBef>
+                <a:spcPts val="150"/>
+              </a:spcBef>
+              <a:spcAft>
+                <a:spcPts val="300"/>
+              </a:spcAft>
+              <a:buClr>
+                <a:schemeClr val="accent1"/>
+              </a:buClr>
+              <a:buFont typeface="Calibri" pitchFamily="34" charset="0"/>
+              <a:buChar char="◦"/>
+              <a:defRPr sz="1350" kern="1200">
+                <a:solidFill>
+                  <a:schemeClr val="tx1">
+                    <a:lumMod val="75000"/>
+                    <a:lumOff val="25000"/>
+                  </a:schemeClr>
+                </a:solidFill>
+                <a:latin typeface="+mn-lt"/>
+                <a:ea typeface="+mn-ea"/>
+                <a:cs typeface="+mn-cs"/>
+              </a:defRPr>
+            </a:lvl2pPr>
+            <a:lvl3pPr marL="425196" indent="-137160" algn="l" defTabSz="685800" rtl="0" eaLnBrk="1" latinLnBrk="0" hangingPunct="1">
+              <a:lnSpc>
+                <a:spcPct val="90000"/>
+              </a:lnSpc>
+              <a:spcBef>
+                <a:spcPts val="150"/>
+              </a:spcBef>
+              <a:spcAft>
+                <a:spcPts val="300"/>
+              </a:spcAft>
+              <a:buClr>
+                <a:schemeClr val="accent1"/>
+              </a:buClr>
+              <a:buFont typeface="Calibri" pitchFamily="34" charset="0"/>
+              <a:buChar char="◦"/>
+              <a:defRPr sz="1050" kern="1200">
+                <a:solidFill>
+                  <a:schemeClr val="tx1">
+                    <a:lumMod val="75000"/>
+                    <a:lumOff val="25000"/>
+                  </a:schemeClr>
+                </a:solidFill>
+                <a:latin typeface="+mn-lt"/>
+                <a:ea typeface="+mn-ea"/>
+                <a:cs typeface="+mn-cs"/>
+              </a:defRPr>
+            </a:lvl3pPr>
+            <a:lvl4pPr marL="562356" indent="-137160" algn="l" defTabSz="685800" rtl="0" eaLnBrk="1" latinLnBrk="0" hangingPunct="1">
+              <a:lnSpc>
+                <a:spcPct val="90000"/>
+              </a:lnSpc>
+              <a:spcBef>
+                <a:spcPts val="150"/>
+              </a:spcBef>
+              <a:spcAft>
+                <a:spcPts val="300"/>
+              </a:spcAft>
+              <a:buClr>
+                <a:schemeClr val="accent1"/>
+              </a:buClr>
+              <a:buFont typeface="Calibri" pitchFamily="34" charset="0"/>
+              <a:buChar char="◦"/>
+              <a:defRPr sz="1050" kern="1200">
+                <a:solidFill>
+                  <a:schemeClr val="tx1">
+                    <a:lumMod val="75000"/>
+                    <a:lumOff val="25000"/>
+                  </a:schemeClr>
+                </a:solidFill>
+                <a:latin typeface="+mn-lt"/>
+                <a:ea typeface="+mn-ea"/>
+                <a:cs typeface="+mn-cs"/>
+              </a:defRPr>
+            </a:lvl4pPr>
+            <a:lvl5pPr marL="699516" indent="-137160" algn="l" defTabSz="685800" rtl="0" eaLnBrk="1" latinLnBrk="0" hangingPunct="1">
+              <a:lnSpc>
+                <a:spcPct val="90000"/>
+              </a:lnSpc>
+              <a:spcBef>
+                <a:spcPts val="150"/>
+              </a:spcBef>
+              <a:spcAft>
+                <a:spcPts val="300"/>
+              </a:spcAft>
+              <a:buClr>
+                <a:schemeClr val="accent1"/>
+              </a:buClr>
+              <a:buFont typeface="Calibri" pitchFamily="34" charset="0"/>
+              <a:buChar char="◦"/>
+              <a:defRPr sz="1050" kern="1200">
+                <a:solidFill>
+                  <a:schemeClr val="tx1">
+                    <a:lumMod val="75000"/>
+                    <a:lumOff val="25000"/>
+                  </a:schemeClr>
+                </a:solidFill>
+                <a:latin typeface="+mn-lt"/>
+                <a:ea typeface="+mn-ea"/>
+                <a:cs typeface="+mn-cs"/>
+              </a:defRPr>
+            </a:lvl5pPr>
+            <a:lvl6pPr marL="825000" indent="-171450" algn="l" defTabSz="685800" rtl="0" eaLnBrk="1" latinLnBrk="0" hangingPunct="1">
+              <a:lnSpc>
+                <a:spcPct val="90000"/>
+              </a:lnSpc>
+              <a:spcBef>
+                <a:spcPts val="150"/>
+              </a:spcBef>
+              <a:spcAft>
+                <a:spcPts val="300"/>
+              </a:spcAft>
+              <a:buClr>
+                <a:schemeClr val="accent1"/>
+              </a:buClr>
+              <a:buFont typeface="Calibri" pitchFamily="34" charset="0"/>
+              <a:buChar char="◦"/>
+              <a:defRPr sz="1050" kern="1200">
+                <a:solidFill>
+                  <a:schemeClr val="tx1">
+                    <a:lumMod val="75000"/>
+                    <a:lumOff val="25000"/>
+                  </a:schemeClr>
+                </a:solidFill>
+                <a:latin typeface="+mn-lt"/>
+                <a:ea typeface="+mn-ea"/>
+                <a:cs typeface="+mn-cs"/>
+              </a:defRPr>
+            </a:lvl6pPr>
+            <a:lvl7pPr marL="975000" indent="-171450" algn="l" defTabSz="685800" rtl="0" eaLnBrk="1" latinLnBrk="0" hangingPunct="1">
+              <a:lnSpc>
+                <a:spcPct val="90000"/>
+              </a:lnSpc>
+              <a:spcBef>
+                <a:spcPts val="150"/>
+              </a:spcBef>
+              <a:spcAft>
+                <a:spcPts val="300"/>
+              </a:spcAft>
+              <a:buClr>
+                <a:schemeClr val="accent1"/>
+              </a:buClr>
+              <a:buFont typeface="Calibri" pitchFamily="34" charset="0"/>
+              <a:buChar char="◦"/>
+              <a:defRPr sz="1050" kern="1200">
+                <a:solidFill>
+                  <a:schemeClr val="tx1">
+                    <a:lumMod val="75000"/>
+                    <a:lumOff val="25000"/>
+                  </a:schemeClr>
+                </a:solidFill>
+                <a:latin typeface="+mn-lt"/>
+                <a:ea typeface="+mn-ea"/>
+                <a:cs typeface="+mn-cs"/>
+              </a:defRPr>
+            </a:lvl7pPr>
+            <a:lvl8pPr marL="1125000" indent="-171450" algn="l" defTabSz="685800" rtl="0" eaLnBrk="1" latinLnBrk="0" hangingPunct="1">
+              <a:lnSpc>
+                <a:spcPct val="90000"/>
+              </a:lnSpc>
+              <a:spcBef>
+                <a:spcPts val="150"/>
+              </a:spcBef>
+              <a:spcAft>
+                <a:spcPts val="300"/>
+              </a:spcAft>
+              <a:buClr>
+                <a:schemeClr val="accent1"/>
+              </a:buClr>
+              <a:buFont typeface="Calibri" pitchFamily="34" charset="0"/>
+              <a:buChar char="◦"/>
+              <a:defRPr sz="1050" kern="1200">
+                <a:solidFill>
+                  <a:schemeClr val="tx1">
+                    <a:lumMod val="75000"/>
+                    <a:lumOff val="25000"/>
+                  </a:schemeClr>
+                </a:solidFill>
+                <a:latin typeface="+mn-lt"/>
+                <a:ea typeface="+mn-ea"/>
+                <a:cs typeface="+mn-cs"/>
+              </a:defRPr>
+            </a:lvl8pPr>
+            <a:lvl9pPr marL="1275000" indent="-171450" algn="l" defTabSz="685800" rtl="0" eaLnBrk="1" latinLnBrk="0" hangingPunct="1">
+              <a:lnSpc>
+                <a:spcPct val="90000"/>
+              </a:lnSpc>
+              <a:spcBef>
+                <a:spcPts val="150"/>
+              </a:spcBef>
+              <a:spcAft>
+                <a:spcPts val="300"/>
+              </a:spcAft>
+              <a:buClr>
+                <a:schemeClr val="accent1"/>
+              </a:buClr>
+              <a:buFont typeface="Calibri" pitchFamily="34" charset="0"/>
+              <a:buChar char="◦"/>
+              <a:defRPr sz="1050" kern="1200">
+                <a:solidFill>
+                  <a:schemeClr val="tx1">
+                    <a:lumMod val="75000"/>
+                    <a:lumOff val="25000"/>
+                  </a:schemeClr>
+                </a:solidFill>
+                <a:latin typeface="+mn-lt"/>
+                <a:ea typeface="+mn-ea"/>
+                <a:cs typeface="+mn-cs"/>
+              </a:defRPr>
+            </a:lvl9pPr>
+          </a:lstStyle>
           <a:p>
             <a:pPr marL="342900">
               <a:spcAft>
@@ -8437,18 +6784,46 @@
               <a:buChar char="Ø"/>
             </a:pPr>
             <a:r>
-              <a:rPr lang="en-US" sz="2000" dirty="0"/>
-              <a:t>Phase I: Adding Basic Structure :: </a:t>
-            </a:r>
-            <a:r>
-              <a:rPr lang="en-US" sz="2000" dirty="0">
+              <a:rPr lang="en-US" sz="1600" dirty="0">
+                <a:solidFill>
+                  <a:schemeClr val="tx1"/>
+                </a:solidFill>
+              </a:rPr>
+              <a:t>Phase I: Adding Basic Structure:: </a:t>
+            </a:r>
+            <a:r>
+              <a:rPr lang="en-US" sz="1600" dirty="0">
                 <a:solidFill>
                   <a:srgbClr val="00B0F0"/>
                 </a:solidFill>
+                <a:hlinkClick r:id="rId2">
+                  <a:extLst>
+                    <a:ext uri="{A12FA001-AC4F-418D-AE19-62706E023703}">
+                      <ahyp:hlinkClr xmlns:ahyp="http://schemas.microsoft.com/office/drawing/2018/hyperlinkcolor" val="tx"/>
+                    </a:ext>
+                  </a:extLst>
+                </a:hlinkClick>
               </a:rPr>
               <a:t>Completed</a:t>
             </a:r>
-            <a:endParaRPr lang="en-US" sz="2000" dirty="0"/>
+            <a:endParaRPr lang="en-US" sz="1600" dirty="0">
+              <a:solidFill>
+                <a:srgbClr val="00B0F0"/>
+              </a:solidFill>
+            </a:endParaRPr>
+          </a:p>
+          <a:p>
+            <a:pPr marL="274320" indent="0">
+              <a:spcAft>
+                <a:spcPts val="1200"/>
+              </a:spcAft>
+              <a:buNone/>
+            </a:pPr>
+            <a:endParaRPr lang="en-US" sz="1600" dirty="0">
+              <a:solidFill>
+                <a:schemeClr val="tx1"/>
+              </a:solidFill>
+            </a:endParaRPr>
           </a:p>
           <a:p>
             <a:pPr marL="342900">
@@ -8458,33 +6833,34 @@
               <a:buFont typeface="Wingdings" panose="05000000000000000000" pitchFamily="2" charset="2"/>
               <a:buChar char="Ø"/>
             </a:pPr>
+            <a:r>
+              <a:rPr lang="en-US" sz="1600" dirty="0">
+                <a:solidFill>
+                  <a:schemeClr val="tx1"/>
+                </a:solidFill>
+              </a:rPr>
+              <a:t>Phase II: Adding Basic Functionalities:: </a:t>
+            </a:r>
+            <a:r>
+              <a:rPr lang="en-US" sz="1600" dirty="0">
+                <a:solidFill>
+                  <a:srgbClr val="00B0F0"/>
+                </a:solidFill>
+                <a:hlinkClick r:id="rId3">
+                  <a:extLst>
+                    <a:ext uri="{A12FA001-AC4F-418D-AE19-62706E023703}">
+                      <ahyp:hlinkClr xmlns:ahyp="http://schemas.microsoft.com/office/drawing/2018/hyperlinkcolor" val="tx"/>
+                    </a:ext>
+                  </a:extLst>
+                </a:hlinkClick>
+              </a:rPr>
+              <a:t>Completed</a:t>
+            </a:r>
             <a:endParaRPr lang="en-US" sz="1600" dirty="0">
               <a:solidFill>
                 <a:srgbClr val="00B0F0"/>
               </a:solidFill>
             </a:endParaRPr>
-          </a:p>
-          <a:p>
-            <a:pPr marL="342900">
-              <a:spcAft>
-                <a:spcPts val="1200"/>
-              </a:spcAft>
-              <a:buFont typeface="Wingdings" panose="05000000000000000000" pitchFamily="2" charset="2"/>
-              <a:buChar char="Ø"/>
-            </a:pPr>
-            <a:r>
-              <a:rPr lang="en-US" sz="2000" dirty="0"/>
-              <a:t>Phase II: Adding Basic Functionalities :: </a:t>
-            </a:r>
-            <a:r>
-              <a:rPr lang="en-US" sz="2000" dirty="0">
-                <a:solidFill>
-                  <a:srgbClr val="00B0F0"/>
-                </a:solidFill>
-              </a:rPr>
-              <a:t>Still In Progress</a:t>
-            </a:r>
-            <a:endParaRPr lang="en-US" sz="2000" dirty="0"/>
           </a:p>
           <a:p>
             <a:pPr marL="342900">
@@ -8496,7 +6872,7 @@
             </a:pPr>
             <a:endParaRPr lang="en-US" sz="1600" dirty="0">
               <a:solidFill>
-                <a:srgbClr val="00B0F0"/>
+                <a:schemeClr val="tx1"/>
               </a:solidFill>
             </a:endParaRPr>
           </a:p>
@@ -8509,18 +6885,21 @@
               <a:buChar char="Ø"/>
             </a:pPr>
             <a:r>
-              <a:rPr lang="en-US" sz="2000" dirty="0"/>
-              <a:t>Phase III: Adding Additional Image Effects :: </a:t>
-            </a:r>
-            <a:r>
-              <a:rPr lang="en-US" sz="2000" dirty="0">
+              <a:rPr lang="en-US" sz="1600" dirty="0">
+                <a:solidFill>
+                  <a:schemeClr val="tx1"/>
+                </a:solidFill>
+              </a:rPr>
+              <a:t>Phase III: Adding Additional Image Effects:: </a:t>
+            </a:r>
+            <a:r>
+              <a:rPr lang="en-US" sz="1600" dirty="0">
                 <a:solidFill>
                   <a:srgbClr val="FF0000"/>
                 </a:solidFill>
               </a:rPr>
               <a:t>On Hold</a:t>
             </a:r>
-            <a:endParaRPr lang="en-US" sz="2000" dirty="0"/>
           </a:p>
           <a:p>
             <a:pPr marL="342900">
@@ -8532,7 +6911,7 @@
             </a:pPr>
             <a:endParaRPr lang="en-US" sz="1600" dirty="0">
               <a:solidFill>
-                <a:srgbClr val="FF0000"/>
+                <a:schemeClr val="tx1"/>
               </a:solidFill>
             </a:endParaRPr>
           </a:p>
@@ -8545,18 +6924,21 @@
               <a:buChar char="Ø"/>
             </a:pPr>
             <a:r>
-              <a:rPr lang="en-US" sz="2000" dirty="0"/>
-              <a:t>Phase IV: Adding Color Filters To Image &amp; Other Effects :: </a:t>
-            </a:r>
-            <a:r>
-              <a:rPr lang="en-US" sz="2000" dirty="0">
+              <a:rPr lang="en-US" sz="1600" dirty="0">
+                <a:solidFill>
+                  <a:schemeClr val="tx1"/>
+                </a:solidFill>
+              </a:rPr>
+              <a:t>Phase IV: Adding Color Filters To Image &amp; Other Effects:: </a:t>
+            </a:r>
+            <a:r>
+              <a:rPr lang="en-US" sz="1600" dirty="0">
                 <a:solidFill>
                   <a:srgbClr val="FF0000"/>
                 </a:solidFill>
               </a:rPr>
               <a:t>On Hold</a:t>
             </a:r>
-            <a:endParaRPr lang="en-US" sz="2000" dirty="0"/>
           </a:p>
           <a:p>
             <a:pPr marL="342900">
@@ -8566,9 +6948,9 @@
               <a:buFont typeface="Wingdings" panose="05000000000000000000" pitchFamily="2" charset="2"/>
               <a:buChar char="ü"/>
             </a:pPr>
-            <a:endParaRPr lang="en-US" sz="2000" dirty="0">
+            <a:endParaRPr lang="en-US" sz="1600" dirty="0">
               <a:solidFill>
-                <a:srgbClr val="FF0000"/>
+                <a:schemeClr val="tx1"/>
               </a:solidFill>
             </a:endParaRPr>
           </a:p>
@@ -8581,29 +6963,39 @@
               <a:buChar char="Ø"/>
             </a:pPr>
             <a:r>
-              <a:rPr lang="en-US" sz="2000" dirty="0"/>
-              <a:t>Phase V: Hosting  Whole Package :: </a:t>
-            </a:r>
-            <a:r>
-              <a:rPr lang="en-US" sz="2000" dirty="0">
+              <a:rPr lang="en-US" sz="1600" dirty="0">
+                <a:solidFill>
+                  <a:schemeClr val="tx1"/>
+                </a:solidFill>
+              </a:rPr>
+              <a:t>Phase V: Hosting  Whole Package:: </a:t>
+            </a:r>
+            <a:r>
+              <a:rPr lang="en-US" sz="1600" dirty="0">
                 <a:solidFill>
                   <a:srgbClr val="FF0000"/>
                 </a:solidFill>
               </a:rPr>
               <a:t>On Hold</a:t>
             </a:r>
-            <a:endParaRPr lang="en-US" sz="1400" dirty="0"/>
+            <a:endParaRPr lang="en-US" sz="1400" dirty="0">
+              <a:solidFill>
+                <a:srgbClr val="FF0000"/>
+              </a:solidFill>
+            </a:endParaRPr>
           </a:p>
         </p:txBody>
       </p:sp>
     </p:spTree>
+    <p:extLst>
+      <p:ext uri="{BB962C8B-B14F-4D97-AF65-F5344CB8AC3E}">
+        <p14:creationId xmlns:p14="http://schemas.microsoft.com/office/powerpoint/2010/main" val="2295465857"/>
+      </p:ext>
+    </p:extLst>
   </p:cSld>
   <p:clrMapOvr>
     <a:masterClrMapping/>
   </p:clrMapOvr>
-  <p:transition spd="slow">
-    <p:push dir="u"/>
-  </p:transition>
 </p:sld>
 </file>
 
@@ -8781,11 +7173,25 @@
           <a:p>
             <a:pPr algn="ctr"/>
             <a:r>
-              <a:rPr lang="en-US" dirty="0"/>
+              <a:rPr lang="en-US" dirty="0">
+                <a:solidFill>
+                  <a:schemeClr val="tx1">
+                    <a:lumMod val="95000"/>
+                    <a:lumOff val="5000"/>
+                  </a:schemeClr>
+                </a:solidFill>
+              </a:rPr>
               <a:t> </a:t>
             </a:r>
             <a:r>
-              <a:rPr lang="en-US" b="1" u="sng" dirty="0"/>
+              <a:rPr lang="en-US" b="1" u="sng" dirty="0">
+                <a:solidFill>
+                  <a:schemeClr val="tx1">
+                    <a:lumMod val="95000"/>
+                    <a:lumOff val="5000"/>
+                  </a:schemeClr>
+                </a:solidFill>
+              </a:rPr>
               <a:t>Project By</a:t>
             </a:r>
           </a:p>
@@ -8819,19 +7225,47 @@
           <a:p>
             <a:pPr algn="ctr"/>
             <a:r>
-              <a:rPr lang="en-US" b="1" dirty="0"/>
+              <a:rPr lang="en-US" b="1" dirty="0">
+                <a:solidFill>
+                  <a:schemeClr val="tx1">
+                    <a:lumMod val="95000"/>
+                    <a:lumOff val="5000"/>
+                  </a:schemeClr>
+                </a:solidFill>
+              </a:rPr>
               <a:t>Mayank Singh Tomar</a:t>
             </a:r>
             <a:r>
-              <a:rPr lang="en-US" dirty="0"/>
+              <a:rPr lang="en-US" dirty="0">
+                <a:solidFill>
+                  <a:schemeClr val="tx1">
+                    <a:lumMod val="95000"/>
+                    <a:lumOff val="5000"/>
+                  </a:schemeClr>
+                </a:solidFill>
+              </a:rPr>
               <a:t> (</a:t>
             </a:r>
             <a:r>
-              <a:rPr lang="en-US" i="1" u="sng" dirty="0"/>
+              <a:rPr lang="en-US" i="1" u="sng" dirty="0">
+                <a:solidFill>
+                  <a:schemeClr val="tx1">
+                    <a:lumMod val="95000"/>
+                    <a:lumOff val="5000"/>
+                  </a:schemeClr>
+                </a:solidFill>
+              </a:rPr>
               <a:t>201b153</a:t>
             </a:r>
             <a:r>
-              <a:rPr lang="en-US" dirty="0"/>
+              <a:rPr lang="en-US" dirty="0">
+                <a:solidFill>
+                  <a:schemeClr val="tx1">
+                    <a:lumMod val="95000"/>
+                    <a:lumOff val="5000"/>
+                  </a:schemeClr>
+                </a:solidFill>
+              </a:rPr>
               <a:t>)</a:t>
             </a:r>
           </a:p>
@@ -8858,7 +7292,14 @@
           <a:bodyPr/>
           <a:lstStyle/>
           <a:p>
-            <a:endParaRPr lang="en-US" dirty="0"/>
+            <a:endParaRPr lang="en-US" dirty="0">
+              <a:solidFill>
+                <a:schemeClr val="tx1">
+                  <a:lumMod val="95000"/>
+                  <a:lumOff val="5000"/>
+                </a:schemeClr>
+              </a:solidFill>
+            </a:endParaRPr>
           </a:p>
         </p:txBody>
       </p:sp>
@@ -8880,8 +7321,8 @@
         </p:nvSpPr>
         <p:spPr>
           <a:xfrm>
-            <a:off x="2912745" y="1221426"/>
-            <a:ext cx="2202181" cy="696672"/>
+            <a:off x="2912745" y="1361588"/>
+            <a:ext cx="2202181" cy="556510"/>
           </a:xfrm>
         </p:spPr>
         <p:txBody>
@@ -8890,22 +7331,50 @@
           <a:p>
             <a:pPr algn="ctr"/>
             <a:r>
-              <a:rPr lang="en-US" b="1" dirty="0"/>
+              <a:rPr lang="en-US" sz="1400" b="1" dirty="0">
+                <a:solidFill>
+                  <a:schemeClr val="tx1">
+                    <a:lumMod val="95000"/>
+                    <a:lumOff val="5000"/>
+                  </a:schemeClr>
+                </a:solidFill>
+              </a:rPr>
               <a:t>Himanshu Tiwari</a:t>
             </a:r>
           </a:p>
           <a:p>
             <a:pPr algn="ctr"/>
             <a:r>
-              <a:rPr lang="en-US" dirty="0"/>
+              <a:rPr lang="en-US" sz="1400" dirty="0">
+                <a:solidFill>
+                  <a:schemeClr val="tx1">
+                    <a:lumMod val="95000"/>
+                    <a:lumOff val="5000"/>
+                  </a:schemeClr>
+                </a:solidFill>
+              </a:rPr>
               <a:t> (</a:t>
             </a:r>
             <a:r>
-              <a:rPr lang="en-US" i="1" u="sng" dirty="0"/>
+              <a:rPr lang="en-US" sz="1400" i="1" u="sng" dirty="0">
+                <a:solidFill>
+                  <a:schemeClr val="tx1">
+                    <a:lumMod val="95000"/>
+                    <a:lumOff val="5000"/>
+                  </a:schemeClr>
+                </a:solidFill>
+              </a:rPr>
               <a:t>201b373</a:t>
             </a:r>
             <a:r>
-              <a:rPr lang="en-US" dirty="0"/>
+              <a:rPr lang="en-US" sz="1400" dirty="0">
+                <a:solidFill>
+                  <a:schemeClr val="tx1">
+                    <a:lumMod val="95000"/>
+                    <a:lumOff val="5000"/>
+                  </a:schemeClr>
+                </a:solidFill>
+              </a:rPr>
               <a:t>)</a:t>
             </a:r>
           </a:p>
@@ -8932,7 +7401,14 @@
           <a:bodyPr/>
           <a:lstStyle/>
           <a:p>
-            <a:endParaRPr lang="en-US" dirty="0"/>
+            <a:endParaRPr lang="en-US" dirty="0">
+              <a:solidFill>
+                <a:schemeClr val="tx1">
+                  <a:lumMod val="95000"/>
+                  <a:lumOff val="5000"/>
+                </a:schemeClr>
+              </a:solidFill>
+            </a:endParaRPr>
           </a:p>
         </p:txBody>
       </p:sp>
@@ -8964,22 +7440,50 @@
           <a:p>
             <a:pPr algn="ctr"/>
             <a:r>
-              <a:rPr lang="en-US" b="1" dirty="0"/>
+              <a:rPr lang="en-US" sz="1400" b="1" dirty="0">
+                <a:solidFill>
+                  <a:schemeClr val="tx1">
+                    <a:lumMod val="95000"/>
+                    <a:lumOff val="5000"/>
+                  </a:schemeClr>
+                </a:solidFill>
+              </a:rPr>
               <a:t>Chirag Jain</a:t>
             </a:r>
           </a:p>
           <a:p>
             <a:pPr algn="ctr"/>
             <a:r>
-              <a:rPr lang="en-US" dirty="0"/>
+              <a:rPr lang="en-US" sz="1400" dirty="0">
+                <a:solidFill>
+                  <a:schemeClr val="tx1">
+                    <a:lumMod val="95000"/>
+                    <a:lumOff val="5000"/>
+                  </a:schemeClr>
+                </a:solidFill>
+              </a:rPr>
               <a:t>(</a:t>
             </a:r>
             <a:r>
-              <a:rPr lang="en-US" i="1" u="sng" dirty="0"/>
+              <a:rPr lang="en-US" sz="1400" i="1" u="sng" dirty="0">
+                <a:solidFill>
+                  <a:schemeClr val="tx1">
+                    <a:lumMod val="95000"/>
+                    <a:lumOff val="5000"/>
+                  </a:schemeClr>
+                </a:solidFill>
+              </a:rPr>
               <a:t>201b087</a:t>
             </a:r>
             <a:r>
-              <a:rPr lang="en-US" dirty="0"/>
+              <a:rPr lang="en-US" sz="1400" dirty="0">
+                <a:solidFill>
+                  <a:schemeClr val="tx1">
+                    <a:lumMod val="95000"/>
+                    <a:lumOff val="5000"/>
+                  </a:schemeClr>
+                </a:solidFill>
+              </a:rPr>
               <a:t>)</a:t>
             </a:r>
           </a:p>
@@ -9006,7 +7510,14 @@
           <a:bodyPr/>
           <a:lstStyle/>
           <a:p>
-            <a:endParaRPr lang="en-US"/>
+            <a:endParaRPr lang="en-US">
+              <a:solidFill>
+                <a:schemeClr val="tx1">
+                  <a:lumMod val="95000"/>
+                  <a:lumOff val="5000"/>
+                </a:schemeClr>
+              </a:solidFill>
+            </a:endParaRPr>
           </a:p>
         </p:txBody>
       </p:sp>
@@ -9285,65 +7796,29 @@
       </p:grpSpPr>
       <p:sp>
         <p:nvSpPr>
-          <p:cNvPr id="2" name="Title 1">
+          <p:cNvPr id="3" name="TextBox 2">
             <a:extLst>
               <a:ext uri="{FF2B5EF4-FFF2-40B4-BE49-F238E27FC236}">
-                <a16:creationId xmlns:a16="http://schemas.microsoft.com/office/drawing/2014/main" id="{66C6E667-4D08-789F-79CE-E81BFD768892}"/>
+                <a16:creationId xmlns:a16="http://schemas.microsoft.com/office/drawing/2014/main" id="{3790D4BB-CB0E-FDDB-5E20-E726B68B31A7}"/>
               </a:ext>
             </a:extLst>
           </p:cNvPr>
-          <p:cNvSpPr>
-            <a:spLocks noGrp="1"/>
-          </p:cNvSpPr>
-          <p:nvPr>
-            <p:ph type="title"/>
-          </p:nvPr>
+          <p:cNvSpPr txBox="1"/>
+          <p:nvPr/>
         </p:nvSpPr>
         <p:spPr>
           <a:xfrm>
-            <a:off x="-1" y="0"/>
-            <a:ext cx="9143999" cy="867679"/>
+            <a:off x="490331" y="849376"/>
+            <a:ext cx="8302487" cy="4294124"/>
           </a:xfrm>
-        </p:spPr>
-        <p:txBody>
-          <a:bodyPr>
-            <a:normAutofit/>
-          </a:bodyPr>
-          <a:lstStyle/>
-          <a:p>
-            <a:pPr algn="ctr"/>
-            <a:r>
-              <a:rPr lang="en-US" b="1" u="sng" dirty="0"/>
-              <a:t>Index</a:t>
-            </a:r>
-          </a:p>
-        </p:txBody>
-      </p:sp>
-      <p:sp>
-        <p:nvSpPr>
-          <p:cNvPr id="3" name="Text Placeholder 2">
-            <a:extLst>
-              <a:ext uri="{FF2B5EF4-FFF2-40B4-BE49-F238E27FC236}">
-                <a16:creationId xmlns:a16="http://schemas.microsoft.com/office/drawing/2014/main" id="{DECFF3D3-20F6-0BD9-E927-5D78B0E06EB5}"/>
-              </a:ext>
-            </a:extLst>
-          </p:cNvPr>
-          <p:cNvSpPr>
-            <a:spLocks noGrp="1"/>
-          </p:cNvSpPr>
-          <p:nvPr>
-            <p:ph type="body" idx="1"/>
-          </p:nvPr>
-        </p:nvSpPr>
-        <p:spPr>
-          <a:xfrm>
-            <a:off x="320373" y="816016"/>
-            <a:ext cx="8823627" cy="3750198"/>
-          </a:xfrm>
-        </p:spPr>
-        <p:txBody>
-          <a:bodyPr>
-            <a:normAutofit fontScale="85000" lnSpcReduction="10000"/>
+          <a:prstGeom prst="rect">
+            <a:avLst/>
+          </a:prstGeom>
+          <a:noFill/>
+        </p:spPr>
+        <p:txBody>
+          <a:bodyPr wrap="square">
+            <a:spAutoFit/>
           </a:bodyPr>
           <a:lstStyle/>
           <a:p>
@@ -9355,16 +7830,16 @@
               <a:buChar char="v"/>
             </a:pPr>
             <a:r>
-              <a:rPr lang="en-US" sz="1800" dirty="0"/>
-              <a:t>Need of </a:t>
-            </a:r>
-            <a:r>
-              <a:rPr lang="en-US" sz="1800" u="sng" dirty="0">
+              <a:rPr lang="en-US" sz="1600" dirty="0"/>
+              <a:t>Need for </a:t>
+            </a:r>
+            <a:r>
+              <a:rPr lang="en-US" sz="1600" u="sng" dirty="0">
                 <a:hlinkClick r:id="rId2" action="ppaction://hlinksldjump"/>
               </a:rPr>
               <a:t>Image Processing</a:t>
             </a:r>
-            <a:endParaRPr lang="en-US" sz="1800" u="sng" dirty="0"/>
+            <a:endParaRPr lang="en-US" sz="1600" u="sng" dirty="0"/>
           </a:p>
           <a:p>
             <a:pPr>
@@ -9375,16 +7850,16 @@
               <a:buChar char="v"/>
             </a:pPr>
             <a:r>
-              <a:rPr lang="en-US" sz="1800" dirty="0"/>
-              <a:t>Need of </a:t>
-            </a:r>
-            <a:r>
-              <a:rPr lang="en-US" sz="1800" u="sng" dirty="0">
+              <a:rPr lang="en-US" sz="1600" dirty="0"/>
+              <a:t>Need for </a:t>
+            </a:r>
+            <a:r>
+              <a:rPr lang="en-US" sz="1600" u="sng" dirty="0" err="1">
                 <a:hlinkClick r:id="rId3" action="ppaction://hlinksldjump"/>
               </a:rPr>
               <a:t>WebAssembly</a:t>
             </a:r>
-            <a:endParaRPr lang="en-US" sz="1800" u="sng" dirty="0"/>
+            <a:endParaRPr lang="en-US" sz="1600" u="sng" dirty="0"/>
           </a:p>
           <a:p>
             <a:pPr>
@@ -9395,16 +7870,22 @@
               <a:buChar char="v"/>
             </a:pPr>
             <a:r>
-              <a:rPr lang="en-US" sz="1800" dirty="0"/>
+              <a:rPr lang="en-US" sz="1600" dirty="0"/>
               <a:t>More About </a:t>
             </a:r>
             <a:r>
-              <a:rPr lang="en-US" sz="1800" u="sng" dirty="0">
+              <a:rPr lang="en-US" sz="1600" u="sng" dirty="0" err="1">
                 <a:hlinkClick r:id="rId4" action="ppaction://hlinksldjump"/>
               </a:rPr>
-              <a:t>WebAssembly and Image Processing</a:t>
-            </a:r>
-            <a:endParaRPr lang="en-US" sz="1800" u="sng" dirty="0"/>
+              <a:t>WebAssembly</a:t>
+            </a:r>
+            <a:r>
+              <a:rPr lang="en-US" sz="1600" u="sng" dirty="0">
+                <a:hlinkClick r:id="rId4" action="ppaction://hlinksldjump"/>
+              </a:rPr>
+              <a:t> and Image Processing</a:t>
+            </a:r>
+            <a:endParaRPr lang="en-US" sz="1600" u="sng" dirty="0"/>
           </a:p>
           <a:p>
             <a:pPr>
@@ -9415,13 +7896,13 @@
               <a:buChar char="v"/>
             </a:pPr>
             <a:r>
-              <a:rPr lang="en-US" sz="1800" u="sng" dirty="0">
+              <a:rPr lang="en-US" sz="1600" u="sng" dirty="0">
                 <a:hlinkClick r:id="rId5" action="ppaction://hlinksldjump"/>
               </a:rPr>
               <a:t>Techs &amp; Languages</a:t>
             </a:r>
             <a:r>
-              <a:rPr lang="en-US" sz="1800" dirty="0"/>
+              <a:rPr lang="en-US" sz="1600" dirty="0"/>
               <a:t> used in the Project</a:t>
             </a:r>
           </a:p>
@@ -9434,13 +7915,13 @@
               <a:buChar char="v"/>
             </a:pPr>
             <a:r>
-              <a:rPr lang="en-US" sz="1800" u="sng" dirty="0">
+              <a:rPr lang="en-US" sz="1600" u="sng" dirty="0">
                 <a:hlinkClick r:id="rId6" action="ppaction://hlinksldjump"/>
               </a:rPr>
               <a:t>Package Managers</a:t>
             </a:r>
             <a:r>
-              <a:rPr lang="en-US" sz="1800" dirty="0"/>
+              <a:rPr lang="en-US" sz="1600" dirty="0"/>
               <a:t> used in the Project</a:t>
             </a:r>
           </a:p>
@@ -9453,16 +7934,16 @@
               <a:buChar char="v"/>
             </a:pPr>
             <a:r>
-              <a:rPr lang="en-US" sz="1800" dirty="0"/>
+              <a:rPr lang="en-US" sz="1600" dirty="0"/>
               <a:t>Project </a:t>
             </a:r>
             <a:r>
-              <a:rPr lang="en-US" sz="1800" u="sng" dirty="0">
+              <a:rPr lang="en-US" sz="1600" u="sng" dirty="0">
                 <a:hlinkClick r:id="rId7" action="ppaction://hlinksldjump"/>
               </a:rPr>
               <a:t>Objectives</a:t>
             </a:r>
-            <a:endParaRPr lang="en-US" sz="1800" u="sng" dirty="0"/>
+            <a:endParaRPr lang="en-US" sz="1600" u="sng" dirty="0"/>
           </a:p>
           <a:p>
             <a:pPr>
@@ -9473,16 +7954,16 @@
               <a:buChar char="v"/>
             </a:pPr>
             <a:r>
-              <a:rPr lang="en-US" sz="1800" dirty="0"/>
+              <a:rPr lang="en-US" sz="1600" dirty="0"/>
               <a:t>Project </a:t>
             </a:r>
             <a:r>
-              <a:rPr lang="en-US" sz="1800" u="sng" dirty="0">
+              <a:rPr lang="en-US" sz="1600" u="sng" dirty="0">
                 <a:hlinkClick r:id="rId8" action="ppaction://hlinksldjump"/>
               </a:rPr>
               <a:t>Working</a:t>
             </a:r>
-            <a:endParaRPr lang="en-US" sz="1800" u="sng" dirty="0"/>
+            <a:endParaRPr lang="en-US" sz="1600" u="sng" dirty="0"/>
           </a:p>
           <a:p>
             <a:pPr>
@@ -9493,16 +7974,16 @@
               <a:buChar char="v"/>
             </a:pPr>
             <a:r>
-              <a:rPr lang="en-US" sz="1800" dirty="0"/>
+              <a:rPr lang="en-US" sz="1600" dirty="0"/>
               <a:t>Conceptual </a:t>
             </a:r>
             <a:r>
-              <a:rPr lang="en-US" sz="1800" u="sng" dirty="0">
+              <a:rPr lang="en-US" sz="1600" u="sng" dirty="0">
                 <a:hlinkClick r:id="rId9" action="ppaction://hlinksldjump"/>
               </a:rPr>
-              <a:t>Architechture</a:t>
-            </a:r>
-            <a:endParaRPr lang="en-US" sz="1800" u="sng" dirty="0"/>
+              <a:t>Architecture</a:t>
+            </a:r>
+            <a:endParaRPr lang="en-US" sz="1600" u="sng" dirty="0"/>
           </a:p>
           <a:p>
             <a:pPr>
@@ -9513,16 +7994,16 @@
               <a:buChar char="v"/>
             </a:pPr>
             <a:r>
-              <a:rPr lang="en-US" sz="1800" dirty="0"/>
+              <a:rPr lang="en-US" sz="1600" dirty="0"/>
               <a:t>Project </a:t>
             </a:r>
             <a:r>
-              <a:rPr lang="en-US" sz="1800" u="sng" dirty="0">
+              <a:rPr lang="en-US" sz="1600" u="sng" dirty="0">
                 <a:hlinkClick r:id="rId10" action="ppaction://hlinksldjump"/>
               </a:rPr>
-              <a:t>Phases</a:t>
-            </a:r>
-            <a:endParaRPr lang="en-US" sz="1800" u="sng" dirty="0"/>
+              <a:t>Progress</a:t>
+            </a:r>
+            <a:endParaRPr lang="en-US" sz="1600" u="sng" dirty="0"/>
           </a:p>
           <a:p>
             <a:pPr>
@@ -9533,16 +8014,16 @@
               <a:buChar char="v"/>
             </a:pPr>
             <a:r>
-              <a:rPr lang="en-US" sz="1800" dirty="0"/>
+              <a:rPr lang="en-US" sz="1600" dirty="0"/>
               <a:t>Approx </a:t>
             </a:r>
             <a:r>
-              <a:rPr lang="en-US" sz="1800" u="sng" dirty="0">
-                <a:hlinkClick r:id="rId11" action="ppaction://hlinksldjump"/>
+              <a:rPr lang="en-US" sz="1600" u="sng" dirty="0">
+                <a:hlinkClick r:id="rId10" action="ppaction://hlinksldjump"/>
               </a:rPr>
               <a:t>Result</a:t>
             </a:r>
-            <a:endParaRPr lang="en-US" sz="1800" u="sng" dirty="0"/>
+            <a:endParaRPr lang="en-US" sz="1600" u="sng" dirty="0"/>
           </a:p>
           <a:p>
             <a:pPr>
@@ -9552,23 +8033,57 @@
               <a:buFont typeface="Wingdings" panose="05000000000000000000" pitchFamily="2" charset="2"/>
               <a:buChar char="v"/>
             </a:pPr>
-            <a:endParaRPr lang="en-US" sz="1200" dirty="0"/>
+            <a:endParaRPr lang="en-US" sz="1100" dirty="0"/>
+          </a:p>
+        </p:txBody>
+      </p:sp>
+      <p:sp>
+        <p:nvSpPr>
+          <p:cNvPr id="5" name="TextBox 4">
+            <a:extLst>
+              <a:ext uri="{FF2B5EF4-FFF2-40B4-BE49-F238E27FC236}">
+                <a16:creationId xmlns:a16="http://schemas.microsoft.com/office/drawing/2014/main" id="{88501696-BFDF-3AE3-48BE-CB77589BBD0A}"/>
+              </a:ext>
+            </a:extLst>
+          </p:cNvPr>
+          <p:cNvSpPr txBox="1"/>
+          <p:nvPr/>
+        </p:nvSpPr>
+        <p:spPr>
+          <a:xfrm>
+            <a:off x="490331" y="326156"/>
+            <a:ext cx="8302486" cy="523220"/>
+          </a:xfrm>
+          <a:prstGeom prst="rect">
+            <a:avLst/>
+          </a:prstGeom>
+          <a:noFill/>
+        </p:spPr>
+        <p:txBody>
+          <a:bodyPr wrap="square">
+            <a:spAutoFit/>
+          </a:bodyPr>
+          <a:lstStyle/>
+          <a:p>
+            <a:pPr algn="ctr"/>
+            <a:r>
+              <a:rPr lang="en-US" sz="2800" b="1" u="sng" dirty="0"/>
+              <a:t>Index</a:t>
+            </a:r>
+            <a:endParaRPr lang="en-IN" dirty="0"/>
           </a:p>
         </p:txBody>
       </p:sp>
     </p:spTree>
     <p:extLst>
       <p:ext uri="{BB962C8B-B14F-4D97-AF65-F5344CB8AC3E}">
-        <p14:creationId xmlns:p14="http://schemas.microsoft.com/office/powerpoint/2010/main" val="2783983040"/>
+        <p14:creationId xmlns:p14="http://schemas.microsoft.com/office/powerpoint/2010/main" val="2118552453"/>
       </p:ext>
     </p:extLst>
   </p:cSld>
   <p:clrMapOvr>
     <a:masterClrMapping/>
   </p:clrMapOvr>
-  <p:transition spd="slow">
-    <p:wipe/>
-  </p:transition>
 </p:sld>
 </file>
 
@@ -9628,7 +8143,7 @@
                   </a:schemeClr>
                 </a:solidFill>
               </a:rPr>
-              <a:t>Need of Image Processing</a:t>
+              <a:t>Need for Image Processing</a:t>
             </a:r>
             <a:endParaRPr sz="3320" b="1" u="sng" dirty="0">
               <a:solidFill>
@@ -9652,7 +8167,7 @@
         </p:nvSpPr>
         <p:spPr>
           <a:xfrm>
-            <a:off x="311700" y="1480457"/>
+            <a:off x="311700" y="1334683"/>
             <a:ext cx="8520600" cy="3347118"/>
           </a:xfrm>
           <a:prstGeom prst="rect">
@@ -9661,7 +8176,7 @@
         </p:spPr>
         <p:txBody>
           <a:bodyPr spcFirstLastPara="1" wrap="square" lIns="91425" tIns="91425" rIns="91425" bIns="91425" anchor="t" anchorCtr="0">
-            <a:normAutofit/>
+            <a:normAutofit lnSpcReduction="10000"/>
           </a:bodyPr>
           <a:lstStyle/>
           <a:p>
@@ -9675,7 +8190,11 @@
               <a:buSzPts val="1800"/>
               <a:buNone/>
             </a:pPr>
-            <a:endParaRPr lang="en-US" dirty="0"/>
+            <a:endParaRPr lang="en-US" sz="1800" dirty="0">
+              <a:solidFill>
+                <a:schemeClr val="tx1"/>
+              </a:solidFill>
+            </a:endParaRPr>
           </a:p>
           <a:p>
             <a:pPr lvl="0" algn="just" rtl="0">
@@ -9690,7 +8209,11 @@
               <a:buChar char="§"/>
             </a:pPr>
             <a:r>
-              <a:rPr lang="en-US" sz="1600" dirty="0"/>
+              <a:rPr lang="en-US" sz="2000" dirty="0">
+                <a:solidFill>
+                  <a:schemeClr val="tx1"/>
+                </a:solidFill>
+              </a:rPr>
               <a:t>Image processing’s applications range from medicine to entertainment, passing by geological processing and remote sensing.</a:t>
             </a:r>
           </a:p>
@@ -9706,7 +8229,11 @@
               <a:buFont typeface="Wingdings" panose="05000000000000000000" pitchFamily="2" charset="2"/>
               <a:buChar char="§"/>
             </a:pPr>
-            <a:endParaRPr lang="en-US" sz="1600" dirty="0"/>
+            <a:endParaRPr lang="en-US" sz="2000" dirty="0">
+              <a:solidFill>
+                <a:schemeClr val="tx1"/>
+              </a:solidFill>
+            </a:endParaRPr>
           </a:p>
           <a:p>
             <a:pPr algn="just">
@@ -9714,7 +8241,11 @@
               <a:buChar char="§"/>
             </a:pPr>
             <a:r>
-              <a:rPr lang="en-US" sz="1600" dirty="0"/>
+              <a:rPr lang="en-US" sz="2000" dirty="0">
+                <a:solidFill>
+                  <a:schemeClr val="tx1"/>
+                </a:solidFill>
+              </a:rPr>
               <a:t>The processing of digital images can be divided into several classes: image enhancement, image restoration, image analysis, and image compression. </a:t>
             </a:r>
           </a:p>
@@ -9723,7 +8254,11 @@
               <a:buFont typeface="Wingdings" panose="05000000000000000000" pitchFamily="2" charset="2"/>
               <a:buChar char="§"/>
             </a:pPr>
-            <a:endParaRPr lang="en-US" sz="1600" dirty="0"/>
+            <a:endParaRPr lang="en-US" sz="2000" dirty="0">
+              <a:solidFill>
+                <a:schemeClr val="tx1"/>
+              </a:solidFill>
+            </a:endParaRPr>
           </a:p>
           <a:p>
             <a:pPr algn="just">
@@ -9731,8 +8266,12 @@
               <a:buChar char="§"/>
             </a:pPr>
             <a:r>
-              <a:rPr lang="en-US" sz="1600" dirty="0"/>
-              <a:t>Currently, we process image using various libraries written in languages like python, 	JavaScript, C# and etc.</a:t>
+              <a:rPr lang="en-US" sz="2000" dirty="0">
+                <a:solidFill>
+                  <a:schemeClr val="tx1"/>
+                </a:solidFill>
+              </a:rPr>
+              <a:t>Currently, we process images using various libraries written in languages like python, 	JavaScript, C#, etc.</a:t>
             </a:r>
           </a:p>
           <a:p>
@@ -9740,7 +8279,11 @@
               <a:buFont typeface="Wingdings" panose="05000000000000000000" pitchFamily="2" charset="2"/>
               <a:buChar char="§"/>
             </a:pPr>
-            <a:endParaRPr lang="en-US" sz="1600" dirty="0"/>
+            <a:endParaRPr lang="en-US" sz="2000" dirty="0">
+              <a:solidFill>
+                <a:schemeClr val="tx1"/>
+              </a:solidFill>
+            </a:endParaRPr>
           </a:p>
           <a:p>
             <a:pPr algn="just">
@@ -9748,7 +8291,11 @@
               <a:buChar char="§"/>
             </a:pPr>
             <a:r>
-              <a:rPr lang="en-US" sz="1600" dirty="0"/>
+              <a:rPr lang="en-US" sz="2000" dirty="0">
+                <a:solidFill>
+                  <a:schemeClr val="tx1"/>
+                </a:solidFill>
+              </a:rPr>
               <a:t>New technological breakthrough in the areas of digital computation and telecommunication has relevance for future applications of image processing.</a:t>
             </a:r>
           </a:p>
@@ -9757,7 +8304,11 @@
               <a:buFont typeface="Wingdings" panose="05000000000000000000" pitchFamily="2" charset="2"/>
               <a:buChar char="§"/>
             </a:pPr>
-            <a:endParaRPr lang="en-US" sz="1600" dirty="0"/>
+            <a:endParaRPr lang="en-US" sz="2000" dirty="0">
+              <a:solidFill>
+                <a:schemeClr val="tx1"/>
+              </a:solidFill>
+            </a:endParaRPr>
           </a:p>
         </p:txBody>
       </p:sp>
@@ -9813,7 +8364,7 @@
             <a:pPr algn="ctr"/>
             <a:r>
               <a:rPr lang="en-US" b="1" u="sng" dirty="0"/>
-              <a:t>Need of </a:t>
+              <a:t>Need for </a:t>
             </a:r>
             <a:r>
               <a:rPr lang="en-US" b="1" u="sng" dirty="0" err="1"/>
@@ -9856,15 +8407,15 @@
               <a:buChar char="§"/>
             </a:pPr>
             <a:r>
-              <a:rPr lang="en-US" sz="1800" dirty="0"/>
-              <a:t>WebAssembly is totally new topic with daily new discoveries and huge scope  for    improvement and development.</a:t>
+              <a:rPr lang="en-US" sz="2400" dirty="0"/>
+              <a:t>WebAssembly is a new topic with daily discoveries and huge scope for improvement and development.</a:t>
             </a:r>
           </a:p>
           <a:p>
             <a:pPr marL="114300" indent="0">
               <a:buNone/>
             </a:pPr>
-            <a:endParaRPr lang="en-US" sz="1800" dirty="0"/>
+            <a:endParaRPr lang="en-US" sz="2400" dirty="0"/>
           </a:p>
           <a:p>
             <a:pPr>
@@ -9872,15 +8423,15 @@
               <a:buChar char="§"/>
             </a:pPr>
             <a:r>
-              <a:rPr lang="en-US" sz="1800" dirty="0"/>
-              <a:t>It is compiles almost any type of low-level language including C/C++, Rust, JavaScript, python, etc. allowing us to easily import our projects to </a:t>
-            </a:r>
-            <a:r>
-              <a:rPr lang="en-US" sz="1800" dirty="0" err="1"/>
+              <a:rPr lang="en-US" sz="2400" dirty="0"/>
+              <a:t>It compiles almost any type of low-level language including C/C++, Rust, JavaScript, Python, etc. allowing us to easily import our projects to </a:t>
+            </a:r>
+            <a:r>
+              <a:rPr lang="en-US" sz="2400" dirty="0" err="1"/>
               <a:t>wasm</a:t>
             </a:r>
             <a:r>
-              <a:rPr lang="en-US" sz="1800" dirty="0"/>
+              <a:rPr lang="en-US" sz="2400" dirty="0"/>
               <a:t> based.</a:t>
             </a:r>
           </a:p>
@@ -9889,7 +8440,7 @@
               <a:buNone/>
             </a:pPr>
             <a:r>
-              <a:rPr lang="en-US" sz="1800" dirty="0"/>
+              <a:rPr lang="en-US" sz="2400" dirty="0"/>
               <a:t>  	  </a:t>
             </a:r>
           </a:p>
@@ -9899,15 +8450,15 @@
               <a:buChar char="§"/>
             </a:pPr>
             <a:r>
-              <a:rPr lang="en-US" sz="1800" dirty="0"/>
-              <a:t>WebAssembly ensures that the task carried out is fast, efficient while making it     secure over the duration.</a:t>
+              <a:rPr lang="en-US" sz="2400" dirty="0"/>
+              <a:t>WebAssembly ensures that the task carried out is fast, and efficient while making it secure over the duration.</a:t>
             </a:r>
           </a:p>
           <a:p>
             <a:pPr marL="114300" indent="0">
               <a:buNone/>
             </a:pPr>
-            <a:endParaRPr lang="en-US" sz="1800" dirty="0"/>
+            <a:endParaRPr lang="en-US" sz="2400" dirty="0"/>
           </a:p>
         </p:txBody>
       </p:sp>
@@ -9999,7 +8550,7 @@
         <p:spPr>
           <a:xfrm>
             <a:off x="307025" y="1551009"/>
-            <a:ext cx="8525275" cy="2812647"/>
+            <a:ext cx="8525275" cy="3047495"/>
           </a:xfrm>
           <a:prstGeom prst="rect">
             <a:avLst/>
@@ -10007,7 +8558,7 @@
         </p:spPr>
         <p:txBody>
           <a:bodyPr spcFirstLastPara="1" wrap="square" lIns="91425" tIns="91425" rIns="91425" bIns="91425" anchor="b" anchorCtr="0">
-            <a:normAutofit/>
+            <a:normAutofit lnSpcReduction="10000"/>
           </a:bodyPr>
           <a:lstStyle/>
           <a:p>
@@ -10016,27 +8567,27 @@
               <a:buChar char="§"/>
             </a:pPr>
             <a:r>
-              <a:rPr lang="en-US" sz="1400" b="1" u="sng" dirty="0"/>
+              <a:rPr lang="en-US" sz="2000" b="1" u="sng" dirty="0"/>
               <a:t>Web Assembly</a:t>
             </a:r>
             <a:r>
-              <a:rPr lang="en-US" sz="1400" dirty="0"/>
+              <a:rPr lang="en-US" sz="2000" dirty="0"/>
               <a:t>: WebAssembly (abbreviated </a:t>
             </a:r>
             <a:r>
-              <a:rPr lang="en-US" sz="1400" dirty="0" err="1"/>
+              <a:rPr lang="en-US" sz="2000" dirty="0" err="1"/>
               <a:t>Wasm</a:t>
             </a:r>
             <a:r>
-              <a:rPr lang="en-US" sz="1400" dirty="0"/>
+              <a:rPr lang="en-US" sz="2000" dirty="0"/>
               <a:t>) is a binary instruction format for a stack-based virtual machine. </a:t>
             </a:r>
             <a:r>
-              <a:rPr lang="en-US" sz="1400" dirty="0" err="1"/>
+              <a:rPr lang="en-US" sz="2000" dirty="0" err="1"/>
               <a:t>Wasm</a:t>
             </a:r>
             <a:r>
-              <a:rPr lang="en-US" sz="1400" dirty="0"/>
+              <a:rPr lang="en-US" sz="2000" dirty="0"/>
               <a:t> is designed as a portable compilation target for programming languages, enabling deployment on the web for client and server applications.</a:t>
             </a:r>
           </a:p>
@@ -10044,7 +8595,7 @@
             <a:pPr marL="114300" indent="0" algn="just">
               <a:buNone/>
             </a:pPr>
-            <a:endParaRPr lang="en-US" sz="1400" dirty="0"/>
+            <a:endParaRPr lang="en-US" sz="2000" dirty="0"/>
           </a:p>
           <a:p>
             <a:pPr algn="just">
@@ -10052,19 +8603,19 @@
               <a:buChar char="§"/>
             </a:pPr>
             <a:r>
-              <a:rPr lang="en-US" sz="1400" b="1" u="sng" dirty="0"/>
+              <a:rPr lang="en-US" sz="2000" b="1" u="sng" dirty="0"/>
               <a:t>Image Processing</a:t>
             </a:r>
             <a:r>
-              <a:rPr lang="en-US" sz="1400" dirty="0"/>
-              <a:t>: Image processing is a method to perform some operations on an image, in order to get an enhanced image or to extract some useful information from it.</a:t>
+              <a:rPr lang="en-US" sz="2000" dirty="0"/>
+              <a:t>: Image processing is a method to perform some operations on an image to get an enhanced image or extract some useful information from it.</a:t>
             </a:r>
           </a:p>
           <a:p>
             <a:pPr marL="114300" indent="0" algn="just">
               <a:buNone/>
             </a:pPr>
-            <a:endParaRPr lang="en-US" sz="1400" dirty="0"/>
+            <a:endParaRPr lang="en-US" sz="2000" dirty="0"/>
           </a:p>
           <a:p>
             <a:pPr algn="just">
@@ -10072,23 +8623,23 @@
               <a:buChar char="§"/>
             </a:pPr>
             <a:r>
-              <a:rPr lang="en-US" sz="1400" dirty="0"/>
+              <a:rPr lang="en-US" sz="2000" dirty="0"/>
               <a:t>We will use a </a:t>
             </a:r>
             <a:r>
-              <a:rPr lang="en-US" sz="1400" b="1" u="sng" dirty="0"/>
+              <a:rPr lang="en-US" sz="2000" b="1" u="sng" dirty="0"/>
               <a:t>low-level language like Rust</a:t>
             </a:r>
             <a:r>
-              <a:rPr lang="en-US" sz="1400" dirty="0"/>
-              <a:t>  for better and higher performance backend which provides all image processing functions.</a:t>
+              <a:rPr lang="en-US" sz="2000" dirty="0"/>
+              <a:t> for a better and higher performance backend which provides all image processing functions.</a:t>
             </a:r>
           </a:p>
           <a:p>
             <a:pPr marL="114300" indent="0" algn="just">
               <a:buNone/>
             </a:pPr>
-            <a:endParaRPr lang="en-US" sz="1400" dirty="0"/>
+            <a:endParaRPr lang="en-US" sz="2000" dirty="0"/>
           </a:p>
         </p:txBody>
       </p:sp>
@@ -10328,7 +8879,7 @@
         </p:nvGraphicFramePr>
         <p:xfrm>
           <a:off x="311700" y="1962746"/>
-          <a:ext cx="8520600" cy="3063240"/>
+          <a:ext cx="8520600" cy="2929628"/>
         </p:xfrm>
         <a:graphic>
           <a:graphicData uri="http://schemas.openxmlformats.org/drawingml/2006/table">
@@ -10880,7 +9431,7 @@
         </p:nvGraphicFramePr>
         <p:xfrm>
           <a:off x="166860" y="2260206"/>
-          <a:ext cx="8665440" cy="2719947"/>
+          <a:ext cx="8665440" cy="2625493"/>
         </p:xfrm>
         <a:graphic>
           <a:graphicData uri="http://schemas.openxmlformats.org/drawingml/2006/table">
@@ -11218,8 +9769,8 @@
         </p:nvSpPr>
         <p:spPr>
           <a:xfrm>
-            <a:off x="827483" y="1539688"/>
-            <a:ext cx="7508907" cy="2996437"/>
+            <a:off x="914400" y="1543878"/>
+            <a:ext cx="7421990" cy="2992247"/>
           </a:xfrm>
         </p:spPr>
         <p:txBody>
@@ -11228,37 +9779,79 @@
           </a:bodyPr>
           <a:lstStyle/>
           <a:p>
-            <a:r>
-              <a:rPr lang="en-US" sz="1600" dirty="0"/>
-              <a:t>The main objective of this project is to make a web app that works on the basic principle’s of image processing  and returns a processed image.</a:t>
-            </a:r>
-          </a:p>
-          <a:p>
-            <a:pPr marL="0" indent="0">
-              <a:buNone/>
+            <a:pPr>
+              <a:buFont typeface="Wingdings" panose="05000000000000000000" pitchFamily="2" charset="2"/>
+              <a:buChar char="Ø"/>
             </a:pPr>
-            <a:endParaRPr lang="en-US" sz="1600" dirty="0"/>
-          </a:p>
-          <a:p>
-            <a:r>
-              <a:rPr lang="en-US" sz="1600" dirty="0"/>
-              <a:t>The goal here is to achieve much faster, efficient and secure method of providing better quality images.</a:t>
-            </a:r>
-          </a:p>
-          <a:p>
-            <a:pPr marL="0" indent="0">
-              <a:buNone/>
+            <a:r>
+              <a:rPr lang="en-US" sz="1800" dirty="0">
+                <a:solidFill>
+                  <a:schemeClr val="tx1"/>
+                </a:solidFill>
+              </a:rPr>
+              <a:t>The main objective of this project is to make a web app that works on the basic principles of image transformation and returns a processed image.</a:t>
+            </a:r>
+          </a:p>
+          <a:p>
+            <a:pPr>
+              <a:buFont typeface="Wingdings" panose="05000000000000000000" pitchFamily="2" charset="2"/>
+              <a:buChar char="Ø"/>
             </a:pPr>
-            <a:endParaRPr lang="en-US" sz="1600" dirty="0"/>
-          </a:p>
-          <a:p>
-            <a:r>
-              <a:rPr lang="en-US" sz="1600" dirty="0"/>
-              <a:t>This Image processor will provide multiple options applicable on image, making it a wide range application.</a:t>
-            </a:r>
-          </a:p>
-          <a:p>
-            <a:endParaRPr lang="en-US" sz="1600" dirty="0"/>
+            <a:endParaRPr lang="en-US" sz="1800" dirty="0">
+              <a:solidFill>
+                <a:schemeClr val="tx1"/>
+              </a:solidFill>
+            </a:endParaRPr>
+          </a:p>
+          <a:p>
+            <a:pPr>
+              <a:buFont typeface="Wingdings" panose="05000000000000000000" pitchFamily="2" charset="2"/>
+              <a:buChar char="Ø"/>
+            </a:pPr>
+            <a:r>
+              <a:rPr lang="en-US" sz="1800" dirty="0">
+                <a:solidFill>
+                  <a:schemeClr val="tx1"/>
+                </a:solidFill>
+              </a:rPr>
+              <a:t>The goal here is to achieve a much faster, more efficient, and more secure method of providing better-quality images.</a:t>
+            </a:r>
+          </a:p>
+          <a:p>
+            <a:pPr>
+              <a:buFont typeface="Wingdings" panose="05000000000000000000" pitchFamily="2" charset="2"/>
+              <a:buChar char="Ø"/>
+            </a:pPr>
+            <a:endParaRPr lang="en-US" sz="1800" dirty="0">
+              <a:solidFill>
+                <a:schemeClr val="tx1"/>
+              </a:solidFill>
+            </a:endParaRPr>
+          </a:p>
+          <a:p>
+            <a:pPr>
+              <a:buFont typeface="Wingdings" panose="05000000000000000000" pitchFamily="2" charset="2"/>
+              <a:buChar char="Ø"/>
+            </a:pPr>
+            <a:r>
+              <a:rPr lang="en-US" sz="1800" dirty="0">
+                <a:solidFill>
+                  <a:schemeClr val="tx1"/>
+                </a:solidFill>
+              </a:rPr>
+              <a:t>This Image processor will provide multiple options applicable to the image, making it a wide-range application.</a:t>
+            </a:r>
+          </a:p>
+          <a:p>
+            <a:pPr>
+              <a:buFont typeface="Wingdings" panose="05000000000000000000" pitchFamily="2" charset="2"/>
+              <a:buChar char="Ø"/>
+            </a:pPr>
+            <a:endParaRPr lang="en-US" sz="1800" dirty="0">
+              <a:solidFill>
+                <a:schemeClr val="tx1"/>
+              </a:solidFill>
+            </a:endParaRPr>
           </a:p>
         </p:txBody>
       </p:sp>
@@ -11306,6 +9899,10 @@
           </p:nvPr>
         </p:nvSpPr>
         <p:spPr>
+          <a:xfrm>
+            <a:off x="311700" y="315925"/>
+            <a:ext cx="8520600" cy="1128562"/>
+          </a:xfrm>
           <a:prstGeom prst="rect">
             <a:avLst/>
           </a:prstGeom>
@@ -11354,7 +9951,7 @@
         </p:spPr>
         <p:txBody>
           <a:bodyPr spcFirstLastPara="1" wrap="square" lIns="91425" tIns="91425" rIns="91425" bIns="91425" anchor="t" anchorCtr="0">
-            <a:normAutofit/>
+            <a:normAutofit lnSpcReduction="10000"/>
           </a:bodyPr>
           <a:lstStyle/>
           <a:p>
@@ -11369,7 +9966,11 @@
               <a:buChar char="v"/>
             </a:pPr>
             <a:r>
-              <a:rPr lang="en-US" dirty="0"/>
+              <a:rPr lang="en-US" sz="1800" dirty="0">
+                <a:solidFill>
+                  <a:schemeClr val="tx1"/>
+                </a:solidFill>
+              </a:rPr>
               <a:t>The project works in four stages :</a:t>
             </a:r>
           </a:p>
@@ -11383,7 +9984,11 @@
               </a:spcAft>
               <a:buNone/>
             </a:pPr>
-            <a:endParaRPr lang="en-US" dirty="0"/>
+            <a:endParaRPr lang="en-US" sz="1800" dirty="0">
+              <a:solidFill>
+                <a:schemeClr val="tx1"/>
+              </a:solidFill>
+            </a:endParaRPr>
           </a:p>
           <a:p>
             <a:pPr marL="285750" lvl="0" indent="-285750" algn="l" rtl="0">
@@ -11397,11 +10002,19 @@
               <a:buChar char="Ø"/>
             </a:pPr>
             <a:r>
-              <a:rPr lang="en-US" dirty="0"/>
-              <a:t> 	</a:t>
-            </a:r>
-            <a:r>
-              <a:rPr lang="en-US" sz="1800" dirty="0"/>
+              <a:rPr lang="en-US" sz="1800" dirty="0">
+                <a:solidFill>
+                  <a:schemeClr val="tx1"/>
+                </a:solidFill>
+              </a:rPr>
+              <a:t> </a:t>
+            </a:r>
+            <a:r>
+              <a:rPr lang="en-US" sz="2400" dirty="0">
+                <a:solidFill>
+                  <a:schemeClr val="tx1"/>
+                </a:solidFill>
+              </a:rPr>
               <a:t>Input Image at frontend</a:t>
             </a:r>
           </a:p>
@@ -11415,7 +10028,11 @@
               </a:spcAft>
               <a:buNone/>
             </a:pPr>
-            <a:endParaRPr lang="en-US" sz="1800" dirty="0"/>
+            <a:endParaRPr lang="en-US" sz="2400" dirty="0">
+              <a:solidFill>
+                <a:schemeClr val="tx1"/>
+              </a:solidFill>
+            </a:endParaRPr>
           </a:p>
           <a:p>
             <a:pPr marL="285750" lvl="0" indent="-285750" algn="l" rtl="0">
@@ -11429,8 +10046,12 @@
               <a:buChar char="Ø"/>
             </a:pPr>
             <a:r>
-              <a:rPr lang="en-US" sz="1800" dirty="0"/>
-              <a:t>Compilation of image processing functions on backend</a:t>
+              <a:rPr lang="en-US" sz="2400" dirty="0">
+                <a:solidFill>
+                  <a:schemeClr val="tx1"/>
+                </a:solidFill>
+              </a:rPr>
+              <a:t>Compilation of image transformation functions on the backend</a:t>
             </a:r>
           </a:p>
           <a:p>
@@ -11443,7 +10064,11 @@
               </a:spcAft>
               <a:buNone/>
             </a:pPr>
-            <a:endParaRPr lang="en-US" sz="1800" dirty="0"/>
+            <a:endParaRPr lang="en-US" sz="2400" dirty="0">
+              <a:solidFill>
+                <a:schemeClr val="tx1"/>
+              </a:solidFill>
+            </a:endParaRPr>
           </a:p>
           <a:p>
             <a:pPr marL="285750" lvl="0" indent="-285750" algn="l" rtl="0">
@@ -11457,7 +10082,11 @@
               <a:buChar char="Ø"/>
             </a:pPr>
             <a:r>
-              <a:rPr lang="en-US" sz="1800" dirty="0"/>
+              <a:rPr lang="en-US" sz="2400" dirty="0">
+                <a:solidFill>
+                  <a:schemeClr val="tx1"/>
+                </a:solidFill>
+              </a:rPr>
               <a:t>Applying functions on frontend</a:t>
             </a:r>
           </a:p>
@@ -11471,7 +10100,11 @@
               </a:spcAft>
               <a:buNone/>
             </a:pPr>
-            <a:endParaRPr lang="en-US" sz="1800" dirty="0"/>
+            <a:endParaRPr lang="en-US" sz="2400" dirty="0">
+              <a:solidFill>
+                <a:schemeClr val="tx1"/>
+              </a:solidFill>
+            </a:endParaRPr>
           </a:p>
           <a:p>
             <a:pPr marL="285750" lvl="0" indent="-285750" algn="l" rtl="0">
@@ -11485,10 +10118,18 @@
               <a:buChar char="Ø"/>
             </a:pPr>
             <a:r>
-              <a:rPr lang="en-US" sz="1800" dirty="0"/>
+              <a:rPr lang="en-US" sz="2400" dirty="0">
+                <a:solidFill>
+                  <a:schemeClr val="tx1"/>
+                </a:solidFill>
+              </a:rPr>
               <a:t>Returning processed Image</a:t>
             </a:r>
-            <a:endParaRPr sz="1800" dirty="0"/>
+            <a:endParaRPr sz="2400" dirty="0">
+              <a:solidFill>
+                <a:schemeClr val="tx1"/>
+              </a:solidFill>
+            </a:endParaRPr>
           </a:p>
         </p:txBody>
       </p:sp>
@@ -11504,52 +10145,52 @@
 </file>
 
 <file path=ppt/theme/theme1.xml><?xml version="1.0" encoding="utf-8"?>
-<a:theme xmlns:a="http://schemas.openxmlformats.org/drawingml/2006/main" name="Ion">
+<a:theme xmlns:a="http://schemas.openxmlformats.org/drawingml/2006/main" name="Retrospect">
   <a:themeElements>
-    <a:clrScheme name="Ion">
+    <a:clrScheme name="Retrospect">
       <a:dk1>
-        <a:sysClr val="windowText" lastClr="000000"/>
+        <a:srgbClr val="000000"/>
       </a:dk1>
       <a:lt1>
         <a:sysClr val="window" lastClr="FFFFFF"/>
       </a:lt1>
       <a:dk2>
-        <a:srgbClr val="1E5155"/>
+        <a:srgbClr val="637052"/>
       </a:dk2>
       <a:lt2>
-        <a:srgbClr val="EBEBEB"/>
+        <a:srgbClr val="CCDDEA"/>
       </a:lt2>
       <a:accent1>
-        <a:srgbClr val="B01513"/>
+        <a:srgbClr val="E48312"/>
       </a:accent1>
       <a:accent2>
-        <a:srgbClr val="EA6312"/>
+        <a:srgbClr val="BD582C"/>
       </a:accent2>
       <a:accent3>
-        <a:srgbClr val="E6B729"/>
+        <a:srgbClr val="865640"/>
       </a:accent3>
       <a:accent4>
-        <a:srgbClr val="6AAC90"/>
+        <a:srgbClr val="9B8357"/>
       </a:accent4>
       <a:accent5>
-        <a:srgbClr val="54849A"/>
+        <a:srgbClr val="C2BC80"/>
       </a:accent5>
       <a:accent6>
-        <a:srgbClr val="9E5E9B"/>
+        <a:srgbClr val="94A088"/>
       </a:accent6>
       <a:hlink>
-        <a:srgbClr val="58C1BA"/>
+        <a:srgbClr val="2998E3"/>
       </a:hlink>
       <a:folHlink>
-        <a:srgbClr val="9DFFCB"/>
+        <a:srgbClr val="8C8C8C"/>
       </a:folHlink>
     </a:clrScheme>
-    <a:fontScheme name="Ion">
+    <a:fontScheme name="Retrospect">
       <a:majorFont>
-        <a:latin typeface="Century Gothic" panose="020B0502020202020204"/>
+        <a:latin typeface="Calibri Light" panose="020F0302020204030204"/>
         <a:ea typeface=""/>
         <a:cs typeface=""/>
-        <a:font script="Jpan" typeface="メイリオ"/>
+        <a:font script="Jpan" typeface="ＭＳ Ｐゴシック"/>
         <a:font script="Hang" typeface="맑은 고딕"/>
         <a:font script="Hans" typeface="宋体"/>
         <a:font script="Hant" typeface="新細明體"/>
@@ -11581,10 +10222,10 @@
         <a:font script="Geor" typeface="Sylfaen"/>
       </a:majorFont>
       <a:minorFont>
-        <a:latin typeface="Century Gothic" panose="020B0502020202020204"/>
+        <a:latin typeface="Calibri" panose="020F0502020204030204"/>
         <a:ea typeface=""/>
         <a:cs typeface=""/>
-        <a:font script="Jpan" typeface="メイリオ"/>
+        <a:font script="Jpan" typeface="ＭＳ Ｐゴシック"/>
         <a:font script="Hang" typeface="맑은 고딕"/>
         <a:font script="Hans" typeface="宋体"/>
         <a:font script="Hant" typeface="新細明體"/>
@@ -11616,7 +10257,7 @@
         <a:font script="Geor" typeface="Sylfaen"/>
       </a:minorFont>
     </a:fontScheme>
-    <a:fmtScheme name="Ion">
+    <a:fmtScheme name="Retrospect">
       <a:fillStyleLst>
         <a:solidFill>
           <a:schemeClr val="phClr"/>
@@ -11625,52 +10266,77 @@
           <a:gsLst>
             <a:gs pos="0">
               <a:schemeClr val="phClr">
-                <a:tint val="64000"/>
-                <a:lumMod val="118000"/>
+                <a:tint val="65000"/>
+                <a:shade val="92000"/>
+                <a:satMod val="130000"/>
+              </a:schemeClr>
+            </a:gs>
+            <a:gs pos="45000">
+              <a:schemeClr val="phClr">
+                <a:tint val="60000"/>
+                <a:shade val="99000"/>
+                <a:satMod val="120000"/>
               </a:schemeClr>
             </a:gs>
             <a:gs pos="100000">
               <a:schemeClr val="phClr">
-                <a:tint val="92000"/>
-                <a:alpha val="100000"/>
-                <a:lumMod val="110000"/>
+                <a:tint val="55000"/>
+                <a:satMod val="140000"/>
               </a:schemeClr>
             </a:gs>
           </a:gsLst>
-          <a:lin ang="5400000" scaled="0"/>
+          <a:path path="circle">
+            <a:fillToRect l="100000" t="100000" r="100000" b="100000"/>
+          </a:path>
         </a:gradFill>
         <a:gradFill rotWithShape="1">
           <a:gsLst>
             <a:gs pos="0">
               <a:schemeClr val="phClr">
-                <a:tint val="98000"/>
-                <a:lumMod val="114000"/>
+                <a:shade val="85000"/>
+                <a:satMod val="130000"/>
+              </a:schemeClr>
+            </a:gs>
+            <a:gs pos="34000">
+              <a:schemeClr val="phClr">
+                <a:shade val="87000"/>
+                <a:satMod val="125000"/>
+              </a:schemeClr>
+            </a:gs>
+            <a:gs pos="70000">
+              <a:schemeClr val="phClr">
+                <a:tint val="100000"/>
+                <a:shade val="90000"/>
+                <a:satMod val="130000"/>
               </a:schemeClr>
             </a:gs>
             <a:gs pos="100000">
               <a:schemeClr val="phClr">
-                <a:shade val="90000"/>
-                <a:lumMod val="84000"/>
+                <a:tint val="100000"/>
+                <a:shade val="100000"/>
+                <a:satMod val="110000"/>
               </a:schemeClr>
             </a:gs>
           </a:gsLst>
-          <a:lin ang="5400000" scaled="0"/>
+          <a:path path="circle">
+            <a:fillToRect l="100000" t="100000" r="100000" b="100000"/>
+          </a:path>
         </a:gradFill>
       </a:fillStyleLst>
       <a:lnStyleLst>
-        <a:ln w="9525" cap="rnd" cmpd="sng" algn="ctr">
+        <a:ln w="12700" cap="flat" cmpd="sng" algn="ctr">
           <a:solidFill>
             <a:schemeClr val="phClr"/>
           </a:solidFill>
           <a:prstDash val="solid"/>
         </a:ln>
-        <a:ln w="19050" cap="rnd" cmpd="sng" algn="ctr">
+        <a:ln w="15875" cap="flat" cmpd="sng" algn="ctr">
           <a:solidFill>
             <a:schemeClr val="phClr"/>
           </a:solidFill>
           <a:prstDash val="solid"/>
         </a:ln>
-        <a:ln w="28575" cap="rnd" cmpd="sng" algn="ctr">
+        <a:ln w="25400" cap="flat" cmpd="sng" algn="ctr">
           <a:solidFill>
             <a:schemeClr val="phClr"/>
           </a:solidFill>
@@ -11683,16 +10349,16 @@
         </a:effectStyle>
         <a:effectStyle>
           <a:effectLst>
-            <a:outerShdw blurRad="38100" dist="25400" dir="5400000" rotWithShape="0">
+            <a:outerShdw blurRad="38100" dist="25400" dir="2700000" algn="br" rotWithShape="0">
               <a:srgbClr val="000000">
-                <a:alpha val="45000"/>
+                <a:alpha val="60000"/>
               </a:srgbClr>
             </a:outerShdw>
           </a:effectLst>
         </a:effectStyle>
         <a:effectStyle>
           <a:effectLst>
-            <a:outerShdw blurRad="63500" dist="38100" dir="5400000" rotWithShape="0">
+            <a:outerShdw blurRad="44450" dist="25400" dir="2700000" algn="br" rotWithShape="0">
               <a:srgbClr val="000000">
                 <a:alpha val="60000"/>
               </a:srgbClr>
@@ -11702,10 +10368,12 @@
             <a:camera prst="orthographicFront">
               <a:rot lat="0" lon="0" rev="0"/>
             </a:camera>
-            <a:lightRig rig="threePt" dir="tl"/>
+            <a:lightRig rig="threePt" dir="t">
+              <a:rot lat="0" lon="0" rev="19800000"/>
+            </a:lightRig>
           </a:scene3d>
-          <a:sp3d prstMaterial="plastic">
-            <a:bevelT w="0" h="0"/>
+          <a:sp3d prstMaterial="flat">
+            <a:bevelT w="25400" h="31750"/>
           </a:sp3d>
         </a:effectStyle>
       </a:effectStyleLst>
@@ -11713,49 +10381,39 @@
         <a:solidFill>
           <a:schemeClr val="phClr"/>
         </a:solidFill>
+        <a:solidFill>
+          <a:schemeClr val="phClr">
+            <a:tint val="90000"/>
+            <a:shade val="97000"/>
+            <a:satMod val="130000"/>
+          </a:schemeClr>
+        </a:solidFill>
         <a:gradFill rotWithShape="1">
           <a:gsLst>
             <a:gs pos="0">
               <a:schemeClr val="phClr">
-                <a:tint val="97000"/>
-                <a:hueMod val="88000"/>
+                <a:tint val="96000"/>
+                <a:shade val="99000"/>
+                <a:satMod val="140000"/>
+              </a:schemeClr>
+            </a:gs>
+            <a:gs pos="65000">
+              <a:schemeClr val="phClr">
+                <a:tint val="100000"/>
+                <a:shade val="80000"/>
                 <a:satMod val="130000"/>
-                <a:lumMod val="124000"/>
               </a:schemeClr>
             </a:gs>
             <a:gs pos="100000">
               <a:schemeClr val="phClr">
-                <a:tint val="96000"/>
-                <a:shade val="88000"/>
-                <a:hueMod val="108000"/>
-                <a:satMod val="164000"/>
-                <a:lumMod val="76000"/>
+                <a:tint val="100000"/>
+                <a:shade val="48000"/>
+                <a:satMod val="120000"/>
               </a:schemeClr>
             </a:gs>
           </a:gsLst>
-          <a:path path="circle">
-            <a:fillToRect l="45000" t="65000" r="125000" b="100000"/>
-          </a:path>
+          <a:lin ang="16200000" scaled="0"/>
         </a:gradFill>
-        <a:blipFill rotWithShape="1">
-          <a:blip xmlns:r="http://schemas.openxmlformats.org/officeDocument/2006/relationships" r:embed="rId1">
-            <a:duotone>
-              <a:schemeClr val="phClr">
-                <a:shade val="69000"/>
-                <a:hueMod val="108000"/>
-                <a:satMod val="164000"/>
-                <a:lumMod val="74000"/>
-              </a:schemeClr>
-              <a:schemeClr val="phClr">
-                <a:tint val="96000"/>
-                <a:hueMod val="88000"/>
-                <a:satMod val="140000"/>
-                <a:lumMod val="132000"/>
-              </a:schemeClr>
-            </a:duotone>
-          </a:blip>
-          <a:stretch/>
-        </a:blipFill>
       </a:bgFillStyleLst>
     </a:fmtScheme>
   </a:themeElements>
@@ -11763,7 +10421,7 @@
   <a:extraClrSchemeLst/>
   <a:extLst>
     <a:ext uri="{05A4C25C-085E-4340-85A3-A5531E510DB2}">
-      <thm15:themeFamily xmlns:thm15="http://schemas.microsoft.com/office/thememl/2012/main" name="Ion" id="{B8441ADB-2E43-4AF7-B97A-BD870242C6A8}" vid="{292E63A9-BB86-4E3D-B92A-7223C6510D2E}"/>
+      <thm15:themeFamily xmlns:thm15="http://schemas.microsoft.com/office/thememl/2012/main" name="Retrospect" id="{5F128B03-DCCA-4EEB-AB3B-CF2899314A46}" vid="{3F1AAB62-24C6-49D2-8E01-B56FAC9A3DCD}"/>
     </a:ext>
   </a:extLst>
 </a:theme>
